--- a/Agilis modell.pptx
+++ b/Agilis modell.pptx
@@ -6,10 +6,14 @@
   </p:sldMasterIdLst>
   <p:sldIdLst>
     <p:sldId id="259" r:id="rId2"/>
-    <p:sldId id="261" r:id="rId3"/>
-    <p:sldId id="257" r:id="rId4"/>
-    <p:sldId id="258" r:id="rId5"/>
-    <p:sldId id="260" r:id="rId6"/>
+    <p:sldId id="263" r:id="rId3"/>
+    <p:sldId id="261" r:id="rId4"/>
+    <p:sldId id="257" r:id="rId5"/>
+    <p:sldId id="258" r:id="rId6"/>
+    <p:sldId id="262" r:id="rId7"/>
+    <p:sldId id="264" r:id="rId8"/>
+    <p:sldId id="265" r:id="rId9"/>
+    <p:sldId id="260" r:id="rId10"/>
   </p:sldIdLst>
   <p:sldSz cx="12192000" cy="6858000"/>
   <p:notesSz cx="6858000" cy="9144000"/>
@@ -307,7 +311,7 @@
           <a:p>
             <a:fld id="{970AF8F0-78A3-44E7-9849-1E21B3E48713}" type="datetimeFigureOut">
               <a:rPr lang="hu-HU" smtClean="0"/>
-              <a:t>2022.09.15.</a:t>
+              <a:t>2022.09.20.</a:t>
             </a:fld>
             <a:endParaRPr lang="hu-HU"/>
           </a:p>
@@ -743,7 +747,7 @@
           <a:p>
             <a:fld id="{970AF8F0-78A3-44E7-9849-1E21B3E48713}" type="datetimeFigureOut">
               <a:rPr lang="hu-HU" smtClean="0"/>
-              <a:t>2022.09.15.</a:t>
+              <a:t>2022.09.20.</a:t>
             </a:fld>
             <a:endParaRPr lang="hu-HU"/>
           </a:p>
@@ -993,7 +997,7 @@
           <a:p>
             <a:fld id="{970AF8F0-78A3-44E7-9849-1E21B3E48713}" type="datetimeFigureOut">
               <a:rPr lang="hu-HU" smtClean="0"/>
-              <a:t>2022.09.15.</a:t>
+              <a:t>2022.09.20.</a:t>
             </a:fld>
             <a:endParaRPr lang="hu-HU"/>
           </a:p>
@@ -1301,7 +1305,7 @@
           <a:p>
             <a:fld id="{970AF8F0-78A3-44E7-9849-1E21B3E48713}" type="datetimeFigureOut">
               <a:rPr lang="hu-HU" smtClean="0"/>
-              <a:t>2022.09.15.</a:t>
+              <a:t>2022.09.20.</a:t>
             </a:fld>
             <a:endParaRPr lang="hu-HU"/>
           </a:p>
@@ -1619,7 +1623,7 @@
           <a:p>
             <a:fld id="{970AF8F0-78A3-44E7-9849-1E21B3E48713}" type="datetimeFigureOut">
               <a:rPr lang="hu-HU" smtClean="0"/>
-              <a:t>2022.09.15.</a:t>
+              <a:t>2022.09.20.</a:t>
             </a:fld>
             <a:endParaRPr lang="hu-HU"/>
           </a:p>
@@ -1921,7 +1925,7 @@
           <a:p>
             <a:fld id="{970AF8F0-78A3-44E7-9849-1E21B3E48713}" type="datetimeFigureOut">
               <a:rPr lang="hu-HU" smtClean="0"/>
-              <a:t>2022.09.15.</a:t>
+              <a:t>2022.09.20.</a:t>
             </a:fld>
             <a:endParaRPr lang="hu-HU"/>
           </a:p>
@@ -2288,7 +2292,7 @@
           <a:p>
             <a:fld id="{970AF8F0-78A3-44E7-9849-1E21B3E48713}" type="datetimeFigureOut">
               <a:rPr lang="hu-HU" smtClean="0"/>
-              <a:t>2022.09.15.</a:t>
+              <a:t>2022.09.20.</a:t>
             </a:fld>
             <a:endParaRPr lang="hu-HU"/>
           </a:p>
@@ -2462,7 +2466,7 @@
           <a:p>
             <a:fld id="{970AF8F0-78A3-44E7-9849-1E21B3E48713}" type="datetimeFigureOut">
               <a:rPr lang="hu-HU" smtClean="0"/>
-              <a:t>2022.09.15.</a:t>
+              <a:t>2022.09.20.</a:t>
             </a:fld>
             <a:endParaRPr lang="hu-HU"/>
           </a:p>
@@ -2642,7 +2646,7 @@
           <a:p>
             <a:fld id="{970AF8F0-78A3-44E7-9849-1E21B3E48713}" type="datetimeFigureOut">
               <a:rPr lang="hu-HU" smtClean="0"/>
-              <a:t>2022.09.15.</a:t>
+              <a:t>2022.09.20.</a:t>
             </a:fld>
             <a:endParaRPr lang="hu-HU"/>
           </a:p>
@@ -2812,7 +2816,7 @@
           <a:p>
             <a:fld id="{970AF8F0-78A3-44E7-9849-1E21B3E48713}" type="datetimeFigureOut">
               <a:rPr lang="hu-HU" smtClean="0"/>
-              <a:t>2022.09.15.</a:t>
+              <a:t>2022.09.20.</a:t>
             </a:fld>
             <a:endParaRPr lang="hu-HU"/>
           </a:p>
@@ -3062,7 +3066,7 @@
           <a:p>
             <a:fld id="{970AF8F0-78A3-44E7-9849-1E21B3E48713}" type="datetimeFigureOut">
               <a:rPr lang="hu-HU" smtClean="0"/>
-              <a:t>2022.09.15.</a:t>
+              <a:t>2022.09.20.</a:t>
             </a:fld>
             <a:endParaRPr lang="hu-HU"/>
           </a:p>
@@ -3298,7 +3302,7 @@
           <a:p>
             <a:fld id="{970AF8F0-78A3-44E7-9849-1E21B3E48713}" type="datetimeFigureOut">
               <a:rPr lang="hu-HU" smtClean="0"/>
-              <a:t>2022.09.15.</a:t>
+              <a:t>2022.09.20.</a:t>
             </a:fld>
             <a:endParaRPr lang="hu-HU"/>
           </a:p>
@@ -3680,7 +3684,7 @@
           <a:p>
             <a:fld id="{970AF8F0-78A3-44E7-9849-1E21B3E48713}" type="datetimeFigureOut">
               <a:rPr lang="hu-HU" smtClean="0"/>
-              <a:t>2022.09.15.</a:t>
+              <a:t>2022.09.20.</a:t>
             </a:fld>
             <a:endParaRPr lang="hu-HU"/>
           </a:p>
@@ -3798,7 +3802,7 @@
           <a:p>
             <a:fld id="{970AF8F0-78A3-44E7-9849-1E21B3E48713}" type="datetimeFigureOut">
               <a:rPr lang="hu-HU" smtClean="0"/>
-              <a:t>2022.09.15.</a:t>
+              <a:t>2022.09.20.</a:t>
             </a:fld>
             <a:endParaRPr lang="hu-HU"/>
           </a:p>
@@ -3893,7 +3897,7 @@
           <a:p>
             <a:fld id="{970AF8F0-78A3-44E7-9849-1E21B3E48713}" type="datetimeFigureOut">
               <a:rPr lang="hu-HU" smtClean="0"/>
-              <a:t>2022.09.15.</a:t>
+              <a:t>2022.09.20.</a:t>
             </a:fld>
             <a:endParaRPr lang="hu-HU"/>
           </a:p>
@@ -4148,7 +4152,7 @@
           <a:p>
             <a:fld id="{970AF8F0-78A3-44E7-9849-1E21B3E48713}" type="datetimeFigureOut">
               <a:rPr lang="hu-HU" smtClean="0"/>
-              <a:t>2022.09.15.</a:t>
+              <a:t>2022.09.20.</a:t>
             </a:fld>
             <a:endParaRPr lang="hu-HU"/>
           </a:p>
@@ -4431,7 +4435,7 @@
           <a:p>
             <a:fld id="{970AF8F0-78A3-44E7-9849-1E21B3E48713}" type="datetimeFigureOut">
               <a:rPr lang="hu-HU" smtClean="0"/>
-              <a:t>2022.09.15.</a:t>
+              <a:t>2022.09.20.</a:t>
             </a:fld>
             <a:endParaRPr lang="hu-HU"/>
           </a:p>
@@ -4837,7 +4841,7 @@
           <a:p>
             <a:fld id="{970AF8F0-78A3-44E7-9849-1E21B3E48713}" type="datetimeFigureOut">
               <a:rPr lang="hu-HU" smtClean="0"/>
-              <a:t>2022.09.15.</a:t>
+              <a:t>2022.09.20.</a:t>
             </a:fld>
             <a:endParaRPr lang="hu-HU"/>
           </a:p>
@@ -5456,7 +5460,7 @@
         </p:nvSpPr>
         <p:spPr>
           <a:xfrm>
-            <a:off x="1598612" y="239528"/>
+            <a:off x="2403284" y="-177462"/>
             <a:ext cx="8534400" cy="1507067"/>
           </a:xfrm>
         </p:spPr>
@@ -5466,7 +5470,7 @@
           <a:p>
             <a:r>
               <a:rPr lang="hu-HU" dirty="0" smtClean="0"/>
-              <a:t>Miből áll az agilis modell?</a:t>
+              <a:t>Mi a szó jelentése?</a:t>
             </a:r>
             <a:endParaRPr lang="hu-HU" dirty="0"/>
           </a:p>
@@ -5484,98 +5488,47 @@
         </p:nvSpPr>
         <p:spPr>
           <a:xfrm>
-            <a:off x="0" y="2909456"/>
-            <a:ext cx="8534400" cy="1458884"/>
+            <a:off x="623252" y="1783080"/>
+            <a:ext cx="8534400" cy="3615267"/>
           </a:xfrm>
         </p:spPr>
         <p:txBody>
-          <a:bodyPr>
-            <a:normAutofit fontScale="92500"/>
-          </a:bodyPr>
+          <a:bodyPr/>
           <a:lstStyle/>
           <a:p>
             <a:pPr marL="0" indent="0">
               <a:buNone/>
             </a:pPr>
             <a:r>
+              <a:rPr lang="hu-HU" dirty="0" smtClean="0"/>
+              <a:t>•</a:t>
+            </a:r>
+            <a:r>
               <a:rPr lang="hu-HU" sz="3600" dirty="0" smtClean="0">
                 <a:solidFill>
-                  <a:schemeClr val="bg1"/>
+                  <a:schemeClr val="tx2">
+                    <a:lumMod val="20000"/>
+                    <a:lumOff val="80000"/>
+                  </a:schemeClr>
                 </a:solidFill>
               </a:rPr>
-              <a:t>•</a:t>
-            </a:r>
-            <a:r>
-              <a:rPr lang="hu-HU" sz="3600" dirty="0" smtClean="0">
-                <a:solidFill>
-                  <a:schemeClr val="tx1"/>
-                </a:solidFill>
-              </a:rPr>
-              <a:t>Keretrendszer és folyamat összessége</a:t>
-            </a:r>
-          </a:p>
-          <a:p>
-            <a:pPr marL="0" indent="0">
-              <a:buNone/>
-            </a:pPr>
-            <a:r>
-              <a:rPr lang="hu-HU" sz="3600" dirty="0" smtClean="0">
-                <a:solidFill>
-                  <a:schemeClr val="bg1"/>
-                </a:solidFill>
-              </a:rPr>
-              <a:t>•</a:t>
-            </a:r>
-            <a:r>
-              <a:rPr lang="hu-HU" sz="3600" dirty="0" smtClean="0">
-                <a:solidFill>
-                  <a:schemeClr val="tx1"/>
-                </a:solidFill>
-              </a:rPr>
-              <a:t>Agilis kiáltványt alkotó elv</a:t>
+              <a:t>Az agilis jelentése (mint melléknév) szlengben, egy tettre kész személyt jelent, aki rugalmas alkalmazkodásra képes.</a:t>
             </a:r>
             <a:endParaRPr lang="hu-HU" sz="3600" dirty="0">
               <a:solidFill>
-                <a:schemeClr val="tx1"/>
+                <a:schemeClr val="tx2">
+                  <a:lumMod val="20000"/>
+                  <a:lumOff val="80000"/>
+                </a:schemeClr>
               </a:solidFill>
             </a:endParaRPr>
           </a:p>
         </p:txBody>
       </p:sp>
-      <p:pic>
-        <p:nvPicPr>
-          <p:cNvPr id="7" name="Kép 6"/>
-          <p:cNvPicPr>
-            <a:picLocks noChangeAspect="1"/>
-          </p:cNvPicPr>
-          <p:nvPr/>
-        </p:nvPicPr>
-        <p:blipFill>
-          <a:blip r:embed="rId2">
-            <a:extLst>
-              <a:ext uri="{28A0092B-C50C-407E-A947-70E740481C1C}">
-                <a14:useLocalDpi xmlns:a14="http://schemas.microsoft.com/office/drawing/2010/main" val="0"/>
-              </a:ext>
-            </a:extLst>
-          </a:blip>
-          <a:stretch>
-            <a:fillRect/>
-          </a:stretch>
-        </p:blipFill>
-        <p:spPr>
-          <a:xfrm>
-            <a:off x="8050045" y="1853738"/>
-            <a:ext cx="4141955" cy="4372495"/>
-          </a:xfrm>
-          <a:prstGeom prst="rect">
-            <a:avLst/>
-          </a:prstGeom>
-        </p:spPr>
-      </p:pic>
     </p:spTree>
     <p:extLst>
       <p:ext uri="{BB962C8B-B14F-4D97-AF65-F5344CB8AC3E}">
-        <p14:creationId xmlns:p14="http://schemas.microsoft.com/office/powerpoint/2010/main" val="3840431670"/>
+        <p14:creationId xmlns:p14="http://schemas.microsoft.com/office/powerpoint/2010/main" val="3216986213"/>
       </p:ext>
     </p:extLst>
   </p:cSld>
@@ -5614,7 +5567,7 @@
         </p:nvSpPr>
         <p:spPr>
           <a:xfrm>
-            <a:off x="1266103" y="-67734"/>
+            <a:off x="1598612" y="239528"/>
             <a:ext cx="8534400" cy="1507067"/>
           </a:xfrm>
         </p:spPr>
@@ -5624,7 +5577,7 @@
           <a:p>
             <a:r>
               <a:rPr lang="hu-HU" dirty="0" smtClean="0"/>
-              <a:t>MI AZ A AGILIS SZOFTVERFEJLESZTÉS?</a:t>
+              <a:t>Miből áll az agilis modell?</a:t>
             </a:r>
             <a:endParaRPr lang="hu-HU" dirty="0"/>
           </a:p>
@@ -5642,20 +5595,34 @@
         </p:nvSpPr>
         <p:spPr>
           <a:xfrm>
-            <a:off x="667586" y="1508760"/>
-            <a:ext cx="8534400" cy="3615267"/>
+            <a:off x="0" y="2909456"/>
+            <a:ext cx="8534400" cy="1458884"/>
           </a:xfrm>
         </p:spPr>
         <p:txBody>
-          <a:bodyPr/>
+          <a:bodyPr>
+            <a:normAutofit fontScale="92500"/>
+          </a:bodyPr>
           <a:lstStyle/>
           <a:p>
             <a:pPr marL="0" indent="0">
               <a:buNone/>
             </a:pPr>
             <a:r>
-              <a:rPr lang="hu-HU" dirty="0" smtClean="0"/>
-              <a:t>•Gondolkodásmód</a:t>
+              <a:rPr lang="hu-HU" sz="3600" dirty="0" smtClean="0">
+                <a:solidFill>
+                  <a:schemeClr val="bg1"/>
+                </a:solidFill>
+              </a:rPr>
+              <a:t>•</a:t>
+            </a:r>
+            <a:r>
+              <a:rPr lang="hu-HU" sz="3600" dirty="0" smtClean="0">
+                <a:solidFill>
+                  <a:schemeClr val="tx1"/>
+                </a:solidFill>
+              </a:rPr>
+              <a:t>Keretrendszer és folyamat összessége</a:t>
             </a:r>
           </a:p>
           <a:p>
@@ -5663,24 +5630,32 @@
               <a:buNone/>
             </a:pPr>
             <a:r>
-              <a:rPr lang="hu-HU" dirty="0" smtClean="0"/>
-              <a:t>•Gyakorlat</a:t>
-            </a:r>
-          </a:p>
-          <a:p>
-            <a:pPr marL="0" indent="0">
-              <a:buNone/>
-            </a:pPr>
-            <a:r>
-              <a:rPr lang="hu-HU" dirty="0" smtClean="0"/>
-              <a:t>•Munkaszervezés</a:t>
-            </a:r>
+              <a:rPr lang="hu-HU" sz="3600" dirty="0" smtClean="0">
+                <a:solidFill>
+                  <a:schemeClr val="bg1"/>
+                </a:solidFill>
+              </a:rPr>
+              <a:t>•</a:t>
+            </a:r>
+            <a:r>
+              <a:rPr lang="hu-HU" sz="3600" dirty="0" smtClean="0">
+                <a:solidFill>
+                  <a:schemeClr val="tx1"/>
+                </a:solidFill>
+              </a:rPr>
+              <a:t>Agilis kiáltványt alkotó elv</a:t>
+            </a:r>
+            <a:endParaRPr lang="hu-HU" sz="3600" dirty="0">
+              <a:solidFill>
+                <a:schemeClr val="tx1"/>
+              </a:solidFill>
+            </a:endParaRPr>
           </a:p>
         </p:txBody>
       </p:sp>
       <p:pic>
         <p:nvPicPr>
-          <p:cNvPr id="4" name="Kép 3"/>
+          <p:cNvPr id="7" name="Kép 6"/>
           <p:cNvPicPr>
             <a:picLocks noChangeAspect="1"/>
           </p:cNvPicPr>
@@ -5700,8 +5675,8 @@
         </p:blipFill>
         <p:spPr>
           <a:xfrm>
-            <a:off x="7539644" y="1995054"/>
-            <a:ext cx="4023360" cy="2876204"/>
+            <a:off x="7973569" y="1746596"/>
+            <a:ext cx="4218432" cy="4739548"/>
           </a:xfrm>
           <a:prstGeom prst="rect">
             <a:avLst/>
@@ -5711,7 +5686,7 @@
     </p:spTree>
     <p:extLst>
       <p:ext uri="{BB962C8B-B14F-4D97-AF65-F5344CB8AC3E}">
-        <p14:creationId xmlns:p14="http://schemas.microsoft.com/office/powerpoint/2010/main" val="2640830777"/>
+        <p14:creationId xmlns:p14="http://schemas.microsoft.com/office/powerpoint/2010/main" val="3840431670"/>
       </p:ext>
     </p:extLst>
   </p:cSld>
@@ -5750,6 +5725,200 @@
         </p:nvSpPr>
         <p:spPr>
           <a:xfrm>
+            <a:off x="1266103" y="-67734"/>
+            <a:ext cx="8534400" cy="1507067"/>
+          </a:xfrm>
+        </p:spPr>
+        <p:txBody>
+          <a:bodyPr/>
+          <a:lstStyle/>
+          <a:p>
+            <a:r>
+              <a:rPr lang="hu-HU" dirty="0" smtClean="0"/>
+              <a:t>MI AZ A AGILIS SZOFTVERFEJLESZTÉS?</a:t>
+            </a:r>
+            <a:endParaRPr lang="hu-HU" dirty="0"/>
+          </a:p>
+        </p:txBody>
+      </p:sp>
+      <p:sp>
+        <p:nvSpPr>
+          <p:cNvPr id="3" name="Tartalom helye 2"/>
+          <p:cNvSpPr>
+            <a:spLocks noGrp="1"/>
+          </p:cNvSpPr>
+          <p:nvPr>
+            <p:ph idx="1"/>
+          </p:nvPr>
+        </p:nvSpPr>
+        <p:spPr>
+          <a:xfrm>
+            <a:off x="667586" y="1508760"/>
+            <a:ext cx="8534400" cy="3615267"/>
+          </a:xfrm>
+        </p:spPr>
+        <p:txBody>
+          <a:bodyPr/>
+          <a:lstStyle/>
+          <a:p>
+            <a:pPr marL="0" indent="0">
+              <a:buNone/>
+            </a:pPr>
+            <a:r>
+              <a:rPr lang="hu-HU" dirty="0" smtClean="0"/>
+              <a:t>•</a:t>
+            </a:r>
+            <a:r>
+              <a:rPr lang="hu-HU" dirty="0" smtClean="0">
+                <a:solidFill>
+                  <a:schemeClr val="tx1"/>
+                </a:solidFill>
+              </a:rPr>
+              <a:t>Gondolkodásmód</a:t>
+            </a:r>
+          </a:p>
+          <a:p>
+            <a:pPr marL="0" indent="0">
+              <a:buNone/>
+            </a:pPr>
+            <a:r>
+              <a:rPr lang="hu-HU" dirty="0" smtClean="0">
+                <a:solidFill>
+                  <a:schemeClr val="bg1"/>
+                </a:solidFill>
+              </a:rPr>
+              <a:t>•</a:t>
+            </a:r>
+            <a:r>
+              <a:rPr lang="hu-HU" dirty="0" smtClean="0">
+                <a:solidFill>
+                  <a:schemeClr val="tx1"/>
+                </a:solidFill>
+              </a:rPr>
+              <a:t>Gyakorlat</a:t>
+            </a:r>
+          </a:p>
+          <a:p>
+            <a:pPr marL="0" indent="0">
+              <a:buNone/>
+            </a:pPr>
+            <a:r>
+              <a:rPr lang="hu-HU" dirty="0" smtClean="0">
+                <a:solidFill>
+                  <a:schemeClr val="bg1"/>
+                </a:solidFill>
+              </a:rPr>
+              <a:t>•</a:t>
+            </a:r>
+            <a:r>
+              <a:rPr lang="hu-HU" dirty="0" smtClean="0">
+                <a:solidFill>
+                  <a:schemeClr val="tx1"/>
+                </a:solidFill>
+              </a:rPr>
+              <a:t>Munkaszervezés</a:t>
+            </a:r>
+          </a:p>
+          <a:p>
+            <a:pPr marL="0" indent="0">
+              <a:buNone/>
+            </a:pPr>
+            <a:r>
+              <a:rPr lang="hu-HU" dirty="0" smtClean="0">
+                <a:solidFill>
+                  <a:schemeClr val="bg1"/>
+                </a:solidFill>
+              </a:rPr>
+              <a:t>•</a:t>
+            </a:r>
+            <a:r>
+              <a:rPr lang="hu-HU" dirty="0" smtClean="0">
+                <a:solidFill>
+                  <a:schemeClr val="tx1"/>
+                </a:solidFill>
+              </a:rPr>
+              <a:t>Termékfejlesztési megközelítés</a:t>
+            </a:r>
+            <a:endParaRPr lang="hu-HU" dirty="0" smtClean="0">
+              <a:solidFill>
+                <a:schemeClr val="tx1"/>
+              </a:solidFill>
+            </a:endParaRPr>
+          </a:p>
+        </p:txBody>
+      </p:sp>
+      <p:pic>
+        <p:nvPicPr>
+          <p:cNvPr id="4" name="Kép 3"/>
+          <p:cNvPicPr>
+            <a:picLocks noChangeAspect="1"/>
+          </p:cNvPicPr>
+          <p:nvPr/>
+        </p:nvPicPr>
+        <p:blipFill>
+          <a:blip r:embed="rId2">
+            <a:extLst>
+              <a:ext uri="{28A0092B-C50C-407E-A947-70E740481C1C}">
+                <a14:useLocalDpi xmlns:a14="http://schemas.microsoft.com/office/drawing/2010/main" val="0"/>
+              </a:ext>
+            </a:extLst>
+          </a:blip>
+          <a:stretch>
+            <a:fillRect/>
+          </a:stretch>
+        </p:blipFill>
+        <p:spPr>
+          <a:xfrm>
+            <a:off x="7539644" y="1609344"/>
+            <a:ext cx="4023360" cy="3584110"/>
+          </a:xfrm>
+          <a:prstGeom prst="rect">
+            <a:avLst/>
+          </a:prstGeom>
+        </p:spPr>
+      </p:pic>
+    </p:spTree>
+    <p:extLst>
+      <p:ext uri="{BB962C8B-B14F-4D97-AF65-F5344CB8AC3E}">
+        <p14:creationId xmlns:p14="http://schemas.microsoft.com/office/powerpoint/2010/main" val="2640830777"/>
+      </p:ext>
+    </p:extLst>
+  </p:cSld>
+  <p:clrMapOvr>
+    <a:masterClrMapping/>
+  </p:clrMapOvr>
+</p:sld>
+</file>
+
+<file path=ppt/slides/slide5.xml><?xml version="1.0" encoding="utf-8"?>
+<p:sld xmlns:a="http://schemas.openxmlformats.org/drawingml/2006/main" xmlns:r="http://schemas.openxmlformats.org/officeDocument/2006/relationships" xmlns:p="http://schemas.openxmlformats.org/presentationml/2006/main">
+  <p:cSld>
+    <p:spTree>
+      <p:nvGrpSpPr>
+        <p:cNvPr id="1" name=""/>
+        <p:cNvGrpSpPr/>
+        <p:nvPr/>
+      </p:nvGrpSpPr>
+      <p:grpSpPr>
+        <a:xfrm>
+          <a:off x="0" y="0"/>
+          <a:ext cx="0" cy="0"/>
+          <a:chOff x="0" y="0"/>
+          <a:chExt cx="0" cy="0"/>
+        </a:xfrm>
+      </p:grpSpPr>
+      <p:sp>
+        <p:nvSpPr>
+          <p:cNvPr id="2" name="Cím 1"/>
+          <p:cNvSpPr>
+            <a:spLocks noGrp="1"/>
+          </p:cNvSpPr>
+          <p:nvPr>
+            <p:ph type="title"/>
+          </p:nvPr>
+        </p:nvSpPr>
+        <p:spPr>
+          <a:xfrm>
             <a:off x="1216226" y="0"/>
             <a:ext cx="8534400" cy="1507067"/>
           </a:xfrm>
@@ -5794,47 +5963,87 @@
               <a:t>•</a:t>
             </a:r>
             <a:r>
-              <a:rPr lang="hu-HU" dirty="0" err="1" smtClean="0"/>
+              <a:rPr lang="hu-HU" dirty="0" err="1" smtClean="0">
+                <a:solidFill>
+                  <a:schemeClr val="tx1"/>
+                </a:solidFill>
+              </a:rPr>
               <a:t>Scrum</a:t>
             </a:r>
-            <a:endParaRPr lang="hu-HU" dirty="0" smtClean="0"/>
+            <a:endParaRPr lang="hu-HU" dirty="0" smtClean="0">
+              <a:solidFill>
+                <a:schemeClr val="tx1"/>
+              </a:solidFill>
+            </a:endParaRPr>
           </a:p>
           <a:p>
             <a:pPr marL="0" indent="0">
               <a:buNone/>
             </a:pPr>
             <a:r>
-              <a:rPr lang="hu-HU" dirty="0" smtClean="0"/>
+              <a:rPr lang="hu-HU" dirty="0" smtClean="0">
+                <a:solidFill>
+                  <a:schemeClr val="bg1"/>
+                </a:solidFill>
+              </a:rPr>
               <a:t>•</a:t>
             </a:r>
             <a:r>
-              <a:rPr lang="hu-HU" dirty="0" err="1" smtClean="0"/>
+              <a:rPr lang="hu-HU" dirty="0" err="1" smtClean="0">
+                <a:solidFill>
+                  <a:schemeClr val="tx1"/>
+                </a:solidFill>
+              </a:rPr>
               <a:t>Extreme</a:t>
             </a:r>
             <a:r>
-              <a:rPr lang="hu-HU" dirty="0" smtClean="0"/>
+              <a:rPr lang="hu-HU" dirty="0" smtClean="0">
+                <a:solidFill>
+                  <a:schemeClr val="tx1"/>
+                </a:solidFill>
+              </a:rPr>
               <a:t> </a:t>
             </a:r>
             <a:r>
-              <a:rPr lang="hu-HU" dirty="0" err="1" smtClean="0"/>
+              <a:rPr lang="hu-HU" dirty="0" err="1" smtClean="0">
+                <a:solidFill>
+                  <a:schemeClr val="tx1"/>
+                </a:solidFill>
+              </a:rPr>
               <a:t>programming</a:t>
             </a:r>
-            <a:endParaRPr lang="hu-HU" dirty="0" smtClean="0"/>
+            <a:endParaRPr lang="hu-HU" dirty="0" smtClean="0">
+              <a:solidFill>
+                <a:schemeClr val="tx1"/>
+              </a:solidFill>
+            </a:endParaRPr>
           </a:p>
           <a:p>
             <a:pPr marL="0" indent="0">
               <a:buNone/>
             </a:pPr>
             <a:r>
-              <a:rPr lang="hu-HU" dirty="0" smtClean="0"/>
+              <a:rPr lang="hu-HU" dirty="0" smtClean="0">
+                <a:solidFill>
+                  <a:schemeClr val="bg1"/>
+                </a:solidFill>
+              </a:rPr>
               <a:t>•</a:t>
             </a:r>
             <a:r>
-              <a:rPr lang="hu-HU" dirty="0" err="1" smtClean="0"/>
+              <a:rPr lang="hu-HU" dirty="0" err="1" smtClean="0">
+                <a:solidFill>
+                  <a:schemeClr val="tx1"/>
+                </a:solidFill>
+              </a:rPr>
               <a:t>Crystal</a:t>
             </a:r>
             <a:r>
-              <a:rPr lang="hu-HU" dirty="0" smtClean="0"/>
+              <a:rPr lang="hu-HU" dirty="0" smtClean="0">
+                <a:solidFill>
+                  <a:schemeClr val="tx1"/>
+                </a:solidFill>
+              </a:rPr>
               <a:t> módszertan</a:t>
             </a:r>
           </a:p>
@@ -5843,31 +6052,59 @@
               <a:buNone/>
             </a:pPr>
             <a:r>
-              <a:rPr lang="hu-HU" dirty="0" smtClean="0"/>
+              <a:rPr lang="hu-HU" dirty="0" smtClean="0">
+                <a:solidFill>
+                  <a:schemeClr val="bg1"/>
+                </a:solidFill>
+              </a:rPr>
               <a:t>•</a:t>
             </a:r>
             <a:r>
-              <a:rPr lang="hu-HU" dirty="0" err="1" smtClean="0"/>
+              <a:rPr lang="hu-HU" dirty="0" err="1" smtClean="0">
+                <a:solidFill>
+                  <a:schemeClr val="tx1"/>
+                </a:solidFill>
+              </a:rPr>
               <a:t>Dynamic</a:t>
             </a:r>
             <a:r>
-              <a:rPr lang="hu-HU" dirty="0" smtClean="0"/>
+              <a:rPr lang="hu-HU" dirty="0" smtClean="0">
+                <a:solidFill>
+                  <a:schemeClr val="tx1"/>
+                </a:solidFill>
+              </a:rPr>
               <a:t> software </a:t>
             </a:r>
             <a:r>
-              <a:rPr lang="hu-HU" dirty="0" err="1" smtClean="0"/>
+              <a:rPr lang="hu-HU" dirty="0" err="1" smtClean="0">
+                <a:solidFill>
+                  <a:schemeClr val="tx1"/>
+                </a:solidFill>
+              </a:rPr>
               <a:t>development</a:t>
             </a:r>
             <a:r>
-              <a:rPr lang="hu-HU" dirty="0" smtClean="0"/>
+              <a:rPr lang="hu-HU" dirty="0" smtClean="0">
+                <a:solidFill>
+                  <a:schemeClr val="tx1"/>
+                </a:solidFill>
+              </a:rPr>
               <a:t> </a:t>
             </a:r>
             <a:r>
-              <a:rPr lang="hu-HU" dirty="0" err="1" smtClean="0"/>
+              <a:rPr lang="hu-HU" dirty="0" err="1" smtClean="0">
+                <a:solidFill>
+                  <a:schemeClr val="tx1"/>
+                </a:solidFill>
+              </a:rPr>
               <a:t>method</a:t>
             </a:r>
             <a:r>
-              <a:rPr lang="hu-HU" dirty="0" smtClean="0"/>
+              <a:rPr lang="hu-HU" dirty="0" smtClean="0">
+                <a:solidFill>
+                  <a:schemeClr val="tx1"/>
+                </a:solidFill>
+              </a:rPr>
               <a:t> (DSDM)</a:t>
             </a:r>
           </a:p>
@@ -5876,8 +6113,20 @@
               <a:buNone/>
             </a:pPr>
             <a:r>
-              <a:rPr lang="hu-HU" dirty="0" smtClean="0"/>
-              <a:t>•Funkció vezérelt fejlesztés (FVD)</a:t>
+              <a:rPr lang="hu-HU" dirty="0" smtClean="0">
+                <a:solidFill>
+                  <a:schemeClr val="bg1"/>
+                </a:solidFill>
+              </a:rPr>
+              <a:t>•</a:t>
+            </a:r>
+            <a:r>
+              <a:rPr lang="hu-HU" dirty="0" smtClean="0">
+                <a:solidFill>
+                  <a:schemeClr val="tx1"/>
+                </a:solidFill>
+              </a:rPr>
+              <a:t>Funkció vezérelt fejlesztés (FVD)</a:t>
             </a:r>
           </a:p>
           <a:p>
@@ -5885,8 +6134,20 @@
               <a:buNone/>
             </a:pPr>
             <a:r>
-              <a:rPr lang="hu-HU" dirty="0" smtClean="0"/>
-              <a:t>•Kanban</a:t>
+              <a:rPr lang="hu-HU" dirty="0" smtClean="0">
+                <a:solidFill>
+                  <a:schemeClr val="bg1"/>
+                </a:solidFill>
+              </a:rPr>
+              <a:t>•</a:t>
+            </a:r>
+            <a:r>
+              <a:rPr lang="hu-HU" dirty="0" smtClean="0">
+                <a:solidFill>
+                  <a:schemeClr val="tx1"/>
+                </a:solidFill>
+              </a:rPr>
+              <a:t>Kanban</a:t>
             </a:r>
           </a:p>
           <a:p>
@@ -5894,18 +6155,34 @@
               <a:buNone/>
             </a:pPr>
             <a:r>
-              <a:rPr lang="hu-HU" dirty="0" smtClean="0"/>
+              <a:rPr lang="hu-HU" dirty="0" smtClean="0">
+                <a:solidFill>
+                  <a:schemeClr val="bg1"/>
+                </a:solidFill>
+              </a:rPr>
               <a:t>•</a:t>
             </a:r>
             <a:r>
-              <a:rPr lang="hu-HU" dirty="0" err="1" smtClean="0"/>
+              <a:rPr lang="hu-HU" dirty="0" err="1" smtClean="0">
+                <a:solidFill>
+                  <a:schemeClr val="tx1"/>
+                </a:solidFill>
+              </a:rPr>
               <a:t>Lean</a:t>
             </a:r>
             <a:r>
-              <a:rPr lang="hu-HU" dirty="0" smtClean="0"/>
+              <a:rPr lang="hu-HU" dirty="0" smtClean="0">
+                <a:solidFill>
+                  <a:schemeClr val="tx1"/>
+                </a:solidFill>
+              </a:rPr>
               <a:t> szoftverfejlesztés</a:t>
             </a:r>
-            <a:endParaRPr lang="hu-HU" dirty="0"/>
+            <a:endParaRPr lang="hu-HU" dirty="0">
+              <a:solidFill>
+                <a:schemeClr val="tx1"/>
+              </a:solidFill>
+            </a:endParaRPr>
           </a:p>
         </p:txBody>
       </p:sp>
@@ -5922,7 +6199,530 @@
 </p:sld>
 </file>
 
-<file path=ppt/slides/slide5.xml><?xml version="1.0" encoding="utf-8"?>
+<file path=ppt/slides/slide6.xml><?xml version="1.0" encoding="utf-8"?>
+<p:sld xmlns:a="http://schemas.openxmlformats.org/drawingml/2006/main" xmlns:r="http://schemas.openxmlformats.org/officeDocument/2006/relationships" xmlns:p="http://schemas.openxmlformats.org/presentationml/2006/main">
+  <p:cSld>
+    <p:spTree>
+      <p:nvGrpSpPr>
+        <p:cNvPr id="1" name=""/>
+        <p:cNvGrpSpPr/>
+        <p:nvPr/>
+      </p:nvGrpSpPr>
+      <p:grpSpPr>
+        <a:xfrm>
+          <a:off x="0" y="0"/>
+          <a:ext cx="0" cy="0"/>
+          <a:chOff x="0" y="0"/>
+          <a:chExt cx="0" cy="0"/>
+        </a:xfrm>
+      </p:grpSpPr>
+      <p:sp>
+        <p:nvSpPr>
+          <p:cNvPr id="2" name="Cím 1"/>
+          <p:cNvSpPr>
+            <a:spLocks noGrp="1"/>
+          </p:cNvSpPr>
+          <p:nvPr>
+            <p:ph type="title"/>
+          </p:nvPr>
+        </p:nvSpPr>
+        <p:spPr>
+          <a:xfrm>
+            <a:off x="2208212" y="-170012"/>
+            <a:ext cx="8534400" cy="1507067"/>
+          </a:xfrm>
+        </p:spPr>
+        <p:txBody>
+          <a:bodyPr/>
+          <a:lstStyle/>
+          <a:p>
+            <a:r>
+              <a:rPr lang="hu-HU" dirty="0" smtClean="0"/>
+              <a:t>Agilis szerepkörök</a:t>
+            </a:r>
+            <a:endParaRPr lang="hu-HU" dirty="0"/>
+          </a:p>
+        </p:txBody>
+      </p:sp>
+      <p:sp>
+        <p:nvSpPr>
+          <p:cNvPr id="3" name="Tartalom helye 2"/>
+          <p:cNvSpPr>
+            <a:spLocks noGrp="1"/>
+          </p:cNvSpPr>
+          <p:nvPr>
+            <p:ph idx="1"/>
+          </p:nvPr>
+        </p:nvSpPr>
+        <p:spPr>
+          <a:xfrm>
+            <a:off x="769556" y="2197608"/>
+            <a:ext cx="8534400" cy="3615267"/>
+          </a:xfrm>
+        </p:spPr>
+        <p:txBody>
+          <a:bodyPr/>
+          <a:lstStyle/>
+          <a:p>
+            <a:pPr marL="0" indent="0">
+              <a:buNone/>
+            </a:pPr>
+            <a:r>
+              <a:rPr lang="hu-HU" dirty="0" smtClean="0"/>
+              <a:t>•</a:t>
+            </a:r>
+            <a:r>
+              <a:rPr lang="hu-HU" dirty="0" err="1" smtClean="0">
+                <a:solidFill>
+                  <a:schemeClr val="tx1">
+                    <a:lumMod val="95000"/>
+                  </a:schemeClr>
+                </a:solidFill>
+              </a:rPr>
+              <a:t>Product</a:t>
+            </a:r>
+            <a:r>
+              <a:rPr lang="hu-HU" dirty="0" smtClean="0">
+                <a:solidFill>
+                  <a:schemeClr val="tx1">
+                    <a:lumMod val="95000"/>
+                  </a:schemeClr>
+                </a:solidFill>
+              </a:rPr>
+              <a:t> </a:t>
+            </a:r>
+            <a:r>
+              <a:rPr lang="hu-HU" dirty="0" err="1" smtClean="0">
+                <a:solidFill>
+                  <a:schemeClr val="tx1">
+                    <a:lumMod val="95000"/>
+                  </a:schemeClr>
+                </a:solidFill>
+              </a:rPr>
+              <a:t>owner</a:t>
+            </a:r>
+            <a:r>
+              <a:rPr lang="hu-HU" dirty="0" smtClean="0">
+                <a:solidFill>
+                  <a:schemeClr val="tx1">
+                    <a:lumMod val="95000"/>
+                  </a:schemeClr>
+                </a:solidFill>
+              </a:rPr>
+              <a:t> (PO)</a:t>
+            </a:r>
+          </a:p>
+          <a:p>
+            <a:pPr marL="0" indent="0">
+              <a:buNone/>
+            </a:pPr>
+            <a:r>
+              <a:rPr lang="hu-HU" dirty="0" smtClean="0">
+                <a:solidFill>
+                  <a:schemeClr val="bg1"/>
+                </a:solidFill>
+              </a:rPr>
+              <a:t>•</a:t>
+            </a:r>
+            <a:r>
+              <a:rPr lang="hu-HU" dirty="0" smtClean="0">
+                <a:solidFill>
+                  <a:schemeClr val="tx1">
+                    <a:lumMod val="95000"/>
+                  </a:schemeClr>
+                </a:solidFill>
+              </a:rPr>
+              <a:t>Agilis </a:t>
+            </a:r>
+            <a:r>
+              <a:rPr lang="hu-HU" dirty="0" err="1" smtClean="0">
+                <a:solidFill>
+                  <a:schemeClr val="tx1">
+                    <a:lumMod val="95000"/>
+                  </a:schemeClr>
+                </a:solidFill>
+              </a:rPr>
+              <a:t>coach</a:t>
+            </a:r>
+            <a:endParaRPr lang="hu-HU" dirty="0" smtClean="0">
+              <a:solidFill>
+                <a:schemeClr val="tx1">
+                  <a:lumMod val="95000"/>
+                </a:schemeClr>
+              </a:solidFill>
+            </a:endParaRPr>
+          </a:p>
+          <a:p>
+            <a:pPr marL="0" indent="0">
+              <a:buNone/>
+            </a:pPr>
+            <a:r>
+              <a:rPr lang="hu-HU" dirty="0" smtClean="0">
+                <a:solidFill>
+                  <a:schemeClr val="bg1"/>
+                </a:solidFill>
+              </a:rPr>
+              <a:t>•</a:t>
+            </a:r>
+            <a:r>
+              <a:rPr lang="hu-HU" dirty="0" smtClean="0">
+                <a:solidFill>
+                  <a:schemeClr val="tx1">
+                    <a:lumMod val="95000"/>
+                  </a:schemeClr>
+                </a:solidFill>
+              </a:rPr>
+              <a:t>Termék menedzsment</a:t>
+            </a:r>
+          </a:p>
+          <a:p>
+            <a:pPr marL="0" indent="0">
+              <a:buNone/>
+            </a:pPr>
+            <a:r>
+              <a:rPr lang="hu-HU" dirty="0" smtClean="0">
+                <a:solidFill>
+                  <a:schemeClr val="bg1"/>
+                </a:solidFill>
+              </a:rPr>
+              <a:t>•</a:t>
+            </a:r>
+            <a:r>
+              <a:rPr lang="hu-HU" dirty="0" smtClean="0">
+                <a:solidFill>
+                  <a:schemeClr val="tx1">
+                    <a:lumMod val="95000"/>
+                  </a:schemeClr>
+                </a:solidFill>
+              </a:rPr>
+              <a:t>Üzleti szponzor</a:t>
+            </a:r>
+          </a:p>
+        </p:txBody>
+      </p:sp>
+    </p:spTree>
+    <p:extLst>
+      <p:ext uri="{BB962C8B-B14F-4D97-AF65-F5344CB8AC3E}">
+        <p14:creationId xmlns:p14="http://schemas.microsoft.com/office/powerpoint/2010/main" val="268822063"/>
+      </p:ext>
+    </p:extLst>
+  </p:cSld>
+  <p:clrMapOvr>
+    <a:masterClrMapping/>
+  </p:clrMapOvr>
+</p:sld>
+</file>
+
+<file path=ppt/slides/slide7.xml><?xml version="1.0" encoding="utf-8"?>
+<p:sld xmlns:a="http://schemas.openxmlformats.org/drawingml/2006/main" xmlns:r="http://schemas.openxmlformats.org/officeDocument/2006/relationships" xmlns:p="http://schemas.openxmlformats.org/presentationml/2006/main">
+  <p:cSld>
+    <p:spTree>
+      <p:nvGrpSpPr>
+        <p:cNvPr id="1" name=""/>
+        <p:cNvGrpSpPr/>
+        <p:nvPr/>
+      </p:nvGrpSpPr>
+      <p:grpSpPr>
+        <a:xfrm>
+          <a:off x="0" y="0"/>
+          <a:ext cx="0" cy="0"/>
+          <a:chOff x="0" y="0"/>
+          <a:chExt cx="0" cy="0"/>
+        </a:xfrm>
+      </p:grpSpPr>
+      <p:sp>
+        <p:nvSpPr>
+          <p:cNvPr id="2" name="Cím 1"/>
+          <p:cNvSpPr>
+            <a:spLocks noGrp="1"/>
+          </p:cNvSpPr>
+          <p:nvPr>
+            <p:ph type="title"/>
+          </p:nvPr>
+        </p:nvSpPr>
+        <p:spPr>
+          <a:xfrm>
+            <a:off x="1914144" y="195072"/>
+            <a:ext cx="8474900" cy="1360763"/>
+          </a:xfrm>
+        </p:spPr>
+        <p:txBody>
+          <a:bodyPr/>
+          <a:lstStyle/>
+          <a:p>
+            <a:r>
+              <a:rPr lang="hu-HU" dirty="0" smtClean="0"/>
+              <a:t>Az agilis szoftverfejlesztés előnyei</a:t>
+            </a:r>
+            <a:endParaRPr lang="hu-HU" dirty="0"/>
+          </a:p>
+        </p:txBody>
+      </p:sp>
+      <p:sp>
+        <p:nvSpPr>
+          <p:cNvPr id="3" name="Tartalom helye 2"/>
+          <p:cNvSpPr>
+            <a:spLocks noGrp="1"/>
+          </p:cNvSpPr>
+          <p:nvPr>
+            <p:ph idx="1"/>
+          </p:nvPr>
+        </p:nvSpPr>
+        <p:spPr>
+          <a:xfrm>
+            <a:off x="684212" y="2051304"/>
+            <a:ext cx="8534400" cy="3615267"/>
+          </a:xfrm>
+        </p:spPr>
+        <p:txBody>
+          <a:bodyPr/>
+          <a:lstStyle/>
+          <a:p>
+            <a:r>
+              <a:rPr lang="hu-HU" dirty="0" smtClean="0"/>
+              <a:t>•</a:t>
+            </a:r>
+            <a:r>
+              <a:rPr lang="hu-HU" dirty="0" smtClean="0">
+                <a:solidFill>
+                  <a:schemeClr val="tx1"/>
+                </a:solidFill>
+              </a:rPr>
+              <a:t>Egyszerű projektjelentés</a:t>
+            </a:r>
+          </a:p>
+          <a:p>
+            <a:r>
+              <a:rPr lang="hu-HU" dirty="0" smtClean="0">
+                <a:solidFill>
+                  <a:schemeClr val="bg1"/>
+                </a:solidFill>
+              </a:rPr>
+              <a:t>•</a:t>
+            </a:r>
+            <a:r>
+              <a:rPr lang="hu-HU" dirty="0" smtClean="0">
+                <a:solidFill>
+                  <a:schemeClr val="tx1"/>
+                </a:solidFill>
+              </a:rPr>
+              <a:t>Rendszeres kommunikáció</a:t>
+            </a:r>
+          </a:p>
+          <a:p>
+            <a:r>
+              <a:rPr lang="hu-HU" dirty="0" smtClean="0">
+                <a:solidFill>
+                  <a:schemeClr val="bg1"/>
+                </a:solidFill>
+              </a:rPr>
+              <a:t>•</a:t>
+            </a:r>
+            <a:r>
+              <a:rPr lang="hu-HU" dirty="0" smtClean="0">
+                <a:solidFill>
+                  <a:schemeClr val="tx1"/>
+                </a:solidFill>
+              </a:rPr>
+              <a:t>Gyakori ellenőrzés</a:t>
+            </a:r>
+          </a:p>
+          <a:p>
+            <a:r>
+              <a:rPr lang="hu-HU" dirty="0" smtClean="0">
+                <a:solidFill>
+                  <a:schemeClr val="bg1"/>
+                </a:solidFill>
+              </a:rPr>
+              <a:t>•</a:t>
+            </a:r>
+            <a:r>
+              <a:rPr lang="hu-HU" dirty="0" smtClean="0">
+                <a:solidFill>
+                  <a:schemeClr val="tx1"/>
+                </a:solidFill>
+              </a:rPr>
+              <a:t>Könnyen áttekinthető feladatlista</a:t>
+            </a:r>
+          </a:p>
+          <a:p>
+            <a:r>
+              <a:rPr lang="hu-HU" dirty="0" smtClean="0">
+                <a:solidFill>
+                  <a:schemeClr val="bg1"/>
+                </a:solidFill>
+              </a:rPr>
+              <a:t>•</a:t>
+            </a:r>
+            <a:r>
+              <a:rPr lang="hu-HU" dirty="0" smtClean="0">
+                <a:solidFill>
+                  <a:schemeClr val="tx1"/>
+                </a:solidFill>
+              </a:rPr>
+              <a:t>Átlátható lépések</a:t>
+            </a:r>
+            <a:endParaRPr lang="hu-HU" dirty="0">
+              <a:solidFill>
+                <a:schemeClr val="tx1"/>
+              </a:solidFill>
+            </a:endParaRPr>
+          </a:p>
+        </p:txBody>
+      </p:sp>
+    </p:spTree>
+    <p:extLst>
+      <p:ext uri="{BB962C8B-B14F-4D97-AF65-F5344CB8AC3E}">
+        <p14:creationId xmlns:p14="http://schemas.microsoft.com/office/powerpoint/2010/main" val="2689295684"/>
+      </p:ext>
+    </p:extLst>
+  </p:cSld>
+  <p:clrMapOvr>
+    <a:masterClrMapping/>
+  </p:clrMapOvr>
+</p:sld>
+</file>
+
+<file path=ppt/slides/slide8.xml><?xml version="1.0" encoding="utf-8"?>
+<p:sld xmlns:a="http://schemas.openxmlformats.org/drawingml/2006/main" xmlns:r="http://schemas.openxmlformats.org/officeDocument/2006/relationships" xmlns:p="http://schemas.openxmlformats.org/presentationml/2006/main">
+  <p:cSld>
+    <p:spTree>
+      <p:nvGrpSpPr>
+        <p:cNvPr id="1" name=""/>
+        <p:cNvGrpSpPr/>
+        <p:nvPr/>
+      </p:nvGrpSpPr>
+      <p:grpSpPr>
+        <a:xfrm>
+          <a:off x="0" y="0"/>
+          <a:ext cx="0" cy="0"/>
+          <a:chOff x="0" y="0"/>
+          <a:chExt cx="0" cy="0"/>
+        </a:xfrm>
+      </p:grpSpPr>
+      <p:sp>
+        <p:nvSpPr>
+          <p:cNvPr id="2" name="Cím 1"/>
+          <p:cNvSpPr>
+            <a:spLocks noGrp="1"/>
+          </p:cNvSpPr>
+          <p:nvPr>
+            <p:ph type="title"/>
+          </p:nvPr>
+        </p:nvSpPr>
+        <p:spPr>
+          <a:xfrm>
+            <a:off x="1464500" y="244516"/>
+            <a:ext cx="8534400" cy="1507067"/>
+          </a:xfrm>
+        </p:spPr>
+        <p:txBody>
+          <a:bodyPr/>
+          <a:lstStyle/>
+          <a:p>
+            <a:r>
+              <a:rPr lang="hu-HU" dirty="0" smtClean="0"/>
+              <a:t>Az agilis szoftverfejlesztés hátrányai</a:t>
+            </a:r>
+            <a:endParaRPr lang="hu-HU" dirty="0"/>
+          </a:p>
+        </p:txBody>
+      </p:sp>
+      <p:sp>
+        <p:nvSpPr>
+          <p:cNvPr id="3" name="Tartalom helye 2"/>
+          <p:cNvSpPr>
+            <a:spLocks noGrp="1"/>
+          </p:cNvSpPr>
+          <p:nvPr>
+            <p:ph idx="1"/>
+          </p:nvPr>
+        </p:nvSpPr>
+        <p:spPr>
+          <a:xfrm>
+            <a:off x="989012" y="2148840"/>
+            <a:ext cx="8534400" cy="3615267"/>
+          </a:xfrm>
+        </p:spPr>
+        <p:txBody>
+          <a:bodyPr/>
+          <a:lstStyle/>
+          <a:p>
+            <a:r>
+              <a:rPr lang="hu-HU" dirty="0" smtClean="0"/>
+              <a:t>•</a:t>
+            </a:r>
+            <a:r>
+              <a:rPr lang="hu-HU" dirty="0" smtClean="0">
+                <a:solidFill>
+                  <a:schemeClr val="tx1"/>
+                </a:solidFill>
+              </a:rPr>
+              <a:t>Költségek kevésbé </a:t>
+            </a:r>
+            <a:r>
+              <a:rPr lang="hu-HU" dirty="0" err="1" smtClean="0">
+                <a:solidFill>
+                  <a:schemeClr val="tx1"/>
+                </a:solidFill>
+              </a:rPr>
+              <a:t>kiszámíthatóak</a:t>
+            </a:r>
+            <a:endParaRPr lang="hu-HU" dirty="0" smtClean="0">
+              <a:solidFill>
+                <a:schemeClr val="tx1"/>
+              </a:solidFill>
+            </a:endParaRPr>
+          </a:p>
+          <a:p>
+            <a:r>
+              <a:rPr lang="hu-HU" dirty="0" smtClean="0"/>
+              <a:t>•</a:t>
+            </a:r>
+            <a:r>
+              <a:rPr lang="hu-HU" dirty="0" smtClean="0">
+                <a:solidFill>
+                  <a:schemeClr val="tx1"/>
+                </a:solidFill>
+              </a:rPr>
+              <a:t>Nehéz megérteni</a:t>
+            </a:r>
+          </a:p>
+          <a:p>
+            <a:r>
+              <a:rPr lang="hu-HU" dirty="0" smtClean="0"/>
+              <a:t>•</a:t>
+            </a:r>
+            <a:r>
+              <a:rPr lang="hu-HU" dirty="0" smtClean="0">
+                <a:solidFill>
+                  <a:schemeClr val="tx1"/>
+                </a:solidFill>
+              </a:rPr>
+              <a:t>Idő</a:t>
+            </a:r>
+            <a:endParaRPr lang="hu-HU" dirty="0">
+              <a:solidFill>
+                <a:schemeClr val="tx1"/>
+              </a:solidFill>
+            </a:endParaRPr>
+          </a:p>
+        </p:txBody>
+      </p:sp>
+    </p:spTree>
+    <p:extLst>
+      <p:ext uri="{BB962C8B-B14F-4D97-AF65-F5344CB8AC3E}">
+        <p14:creationId xmlns:p14="http://schemas.microsoft.com/office/powerpoint/2010/main" val="2561005626"/>
+      </p:ext>
+    </p:extLst>
+  </p:cSld>
+  <p:clrMapOvr>
+    <a:masterClrMapping/>
+  </p:clrMapOvr>
+</p:sld>
+</file>
+
+<file path=ppt/slides/slide9.xml><?xml version="1.0" encoding="utf-8"?>
 <p:sld xmlns:a="http://schemas.openxmlformats.org/drawingml/2006/main" xmlns:r="http://schemas.openxmlformats.org/officeDocument/2006/relationships" xmlns:p="http://schemas.openxmlformats.org/presentationml/2006/main">
   <p:cSld>
     <p:spTree>

--- a/Agilis modell.pptx
+++ b/Agilis modell.pptx
@@ -311,7 +311,7 @@
           <a:p>
             <a:fld id="{970AF8F0-78A3-44E7-9849-1E21B3E48713}" type="datetimeFigureOut">
               <a:rPr lang="hu-HU" smtClean="0"/>
-              <a:t>2022.09.20.</a:t>
+              <a:t>2022.09.21.</a:t>
             </a:fld>
             <a:endParaRPr lang="hu-HU"/>
           </a:p>
@@ -747,7 +747,7 @@
           <a:p>
             <a:fld id="{970AF8F0-78A3-44E7-9849-1E21B3E48713}" type="datetimeFigureOut">
               <a:rPr lang="hu-HU" smtClean="0"/>
-              <a:t>2022.09.20.</a:t>
+              <a:t>2022.09.21.</a:t>
             </a:fld>
             <a:endParaRPr lang="hu-HU"/>
           </a:p>
@@ -997,7 +997,7 @@
           <a:p>
             <a:fld id="{970AF8F0-78A3-44E7-9849-1E21B3E48713}" type="datetimeFigureOut">
               <a:rPr lang="hu-HU" smtClean="0"/>
-              <a:t>2022.09.20.</a:t>
+              <a:t>2022.09.21.</a:t>
             </a:fld>
             <a:endParaRPr lang="hu-HU"/>
           </a:p>
@@ -1305,7 +1305,7 @@
           <a:p>
             <a:fld id="{970AF8F0-78A3-44E7-9849-1E21B3E48713}" type="datetimeFigureOut">
               <a:rPr lang="hu-HU" smtClean="0"/>
-              <a:t>2022.09.20.</a:t>
+              <a:t>2022.09.21.</a:t>
             </a:fld>
             <a:endParaRPr lang="hu-HU"/>
           </a:p>
@@ -1623,7 +1623,7 @@
           <a:p>
             <a:fld id="{970AF8F0-78A3-44E7-9849-1E21B3E48713}" type="datetimeFigureOut">
               <a:rPr lang="hu-HU" smtClean="0"/>
-              <a:t>2022.09.20.</a:t>
+              <a:t>2022.09.21.</a:t>
             </a:fld>
             <a:endParaRPr lang="hu-HU"/>
           </a:p>
@@ -1925,7 +1925,7 @@
           <a:p>
             <a:fld id="{970AF8F0-78A3-44E7-9849-1E21B3E48713}" type="datetimeFigureOut">
               <a:rPr lang="hu-HU" smtClean="0"/>
-              <a:t>2022.09.20.</a:t>
+              <a:t>2022.09.21.</a:t>
             </a:fld>
             <a:endParaRPr lang="hu-HU"/>
           </a:p>
@@ -2292,7 +2292,7 @@
           <a:p>
             <a:fld id="{970AF8F0-78A3-44E7-9849-1E21B3E48713}" type="datetimeFigureOut">
               <a:rPr lang="hu-HU" smtClean="0"/>
-              <a:t>2022.09.20.</a:t>
+              <a:t>2022.09.21.</a:t>
             </a:fld>
             <a:endParaRPr lang="hu-HU"/>
           </a:p>
@@ -2466,7 +2466,7 @@
           <a:p>
             <a:fld id="{970AF8F0-78A3-44E7-9849-1E21B3E48713}" type="datetimeFigureOut">
               <a:rPr lang="hu-HU" smtClean="0"/>
-              <a:t>2022.09.20.</a:t>
+              <a:t>2022.09.21.</a:t>
             </a:fld>
             <a:endParaRPr lang="hu-HU"/>
           </a:p>
@@ -2646,7 +2646,7 @@
           <a:p>
             <a:fld id="{970AF8F0-78A3-44E7-9849-1E21B3E48713}" type="datetimeFigureOut">
               <a:rPr lang="hu-HU" smtClean="0"/>
-              <a:t>2022.09.20.</a:t>
+              <a:t>2022.09.21.</a:t>
             </a:fld>
             <a:endParaRPr lang="hu-HU"/>
           </a:p>
@@ -2816,7 +2816,7 @@
           <a:p>
             <a:fld id="{970AF8F0-78A3-44E7-9849-1E21B3E48713}" type="datetimeFigureOut">
               <a:rPr lang="hu-HU" smtClean="0"/>
-              <a:t>2022.09.20.</a:t>
+              <a:t>2022.09.21.</a:t>
             </a:fld>
             <a:endParaRPr lang="hu-HU"/>
           </a:p>
@@ -3066,7 +3066,7 @@
           <a:p>
             <a:fld id="{970AF8F0-78A3-44E7-9849-1E21B3E48713}" type="datetimeFigureOut">
               <a:rPr lang="hu-HU" smtClean="0"/>
-              <a:t>2022.09.20.</a:t>
+              <a:t>2022.09.21.</a:t>
             </a:fld>
             <a:endParaRPr lang="hu-HU"/>
           </a:p>
@@ -3302,7 +3302,7 @@
           <a:p>
             <a:fld id="{970AF8F0-78A3-44E7-9849-1E21B3E48713}" type="datetimeFigureOut">
               <a:rPr lang="hu-HU" smtClean="0"/>
-              <a:t>2022.09.20.</a:t>
+              <a:t>2022.09.21.</a:t>
             </a:fld>
             <a:endParaRPr lang="hu-HU"/>
           </a:p>
@@ -3684,7 +3684,7 @@
           <a:p>
             <a:fld id="{970AF8F0-78A3-44E7-9849-1E21B3E48713}" type="datetimeFigureOut">
               <a:rPr lang="hu-HU" smtClean="0"/>
-              <a:t>2022.09.20.</a:t>
+              <a:t>2022.09.21.</a:t>
             </a:fld>
             <a:endParaRPr lang="hu-HU"/>
           </a:p>
@@ -3802,7 +3802,7 @@
           <a:p>
             <a:fld id="{970AF8F0-78A3-44E7-9849-1E21B3E48713}" type="datetimeFigureOut">
               <a:rPr lang="hu-HU" smtClean="0"/>
-              <a:t>2022.09.20.</a:t>
+              <a:t>2022.09.21.</a:t>
             </a:fld>
             <a:endParaRPr lang="hu-HU"/>
           </a:p>
@@ -3897,7 +3897,7 @@
           <a:p>
             <a:fld id="{970AF8F0-78A3-44E7-9849-1E21B3E48713}" type="datetimeFigureOut">
               <a:rPr lang="hu-HU" smtClean="0"/>
-              <a:t>2022.09.20.</a:t>
+              <a:t>2022.09.21.</a:t>
             </a:fld>
             <a:endParaRPr lang="hu-HU"/>
           </a:p>
@@ -4152,7 +4152,7 @@
           <a:p>
             <a:fld id="{970AF8F0-78A3-44E7-9849-1E21B3E48713}" type="datetimeFigureOut">
               <a:rPr lang="hu-HU" smtClean="0"/>
-              <a:t>2022.09.20.</a:t>
+              <a:t>2022.09.21.</a:t>
             </a:fld>
             <a:endParaRPr lang="hu-HU"/>
           </a:p>
@@ -4435,7 +4435,7 @@
           <a:p>
             <a:fld id="{970AF8F0-78A3-44E7-9849-1E21B3E48713}" type="datetimeFigureOut">
               <a:rPr lang="hu-HU" smtClean="0"/>
-              <a:t>2022.09.20.</a:t>
+              <a:t>2022.09.21.</a:t>
             </a:fld>
             <a:endParaRPr lang="hu-HU"/>
           </a:p>
@@ -4841,7 +4841,7 @@
           <a:p>
             <a:fld id="{970AF8F0-78A3-44E7-9849-1E21B3E48713}" type="datetimeFigureOut">
               <a:rPr lang="hu-HU" smtClean="0"/>
-              <a:t>2022.09.20.</a:t>
+              <a:t>2022.09.21.</a:t>
             </a:fld>
             <a:endParaRPr lang="hu-HU"/>
           </a:p>
@@ -5414,7 +5414,19 @@
           <a:bodyPr/>
           <a:lstStyle/>
           <a:p>
-            <a:endParaRPr lang="hu-HU"/>
+            <a:r>
+              <a:rPr lang="hu-HU" dirty="0" smtClean="0">
+                <a:solidFill>
+                  <a:schemeClr val="tx1"/>
+                </a:solidFill>
+              </a:rPr>
+              <a:t>Készítette: Gúti Bálint</a:t>
+            </a:r>
+            <a:endParaRPr lang="hu-HU" dirty="0">
+              <a:solidFill>
+                <a:schemeClr val="tx1"/>
+              </a:solidFill>
+            </a:endParaRPr>
           </a:p>
         </p:txBody>
       </p:sp>
@@ -5428,6 +5440,16 @@
   <p:clrMapOvr>
     <a:masterClrMapping/>
   </p:clrMapOvr>
+  <p:transition spd="slow">
+    <p:wipe/>
+  </p:transition>
+  <p:timing>
+    <p:tnLst>
+      <p:par>
+        <p:cTn id="1" dur="indefinite" restart="never" nodeType="tmRoot"/>
+      </p:par>
+    </p:tnLst>
+  </p:timing>
 </p:sld>
 </file>
 
@@ -5512,7 +5534,62 @@
                   </a:schemeClr>
                 </a:solidFill>
               </a:rPr>
-              <a:t>Az agilis jelentése (mint melléknév) szlengben, egy tettre kész személyt jelent, aki rugalmas alkalmazkodásra képes.</a:t>
+              <a:t> </a:t>
+            </a:r>
+            <a:r>
+              <a:rPr lang="hu-HU" sz="3600" dirty="0">
+                <a:solidFill>
+                  <a:schemeClr val="tx2">
+                    <a:lumMod val="20000"/>
+                    <a:lumOff val="80000"/>
+                  </a:schemeClr>
+                </a:solidFill>
+              </a:rPr>
+              <a:t>T</a:t>
+            </a:r>
+            <a:r>
+              <a:rPr lang="hu-HU" sz="3600" dirty="0" smtClean="0">
+                <a:solidFill>
+                  <a:schemeClr val="tx2">
+                    <a:lumMod val="20000"/>
+                    <a:lumOff val="80000"/>
+                  </a:schemeClr>
+                </a:solidFill>
+              </a:rPr>
+              <a:t>ettre </a:t>
+            </a:r>
+            <a:r>
+              <a:rPr lang="hu-HU" sz="3600" dirty="0" smtClean="0">
+                <a:solidFill>
+                  <a:schemeClr val="tx2">
+                    <a:lumMod val="20000"/>
+                    <a:lumOff val="80000"/>
+                  </a:schemeClr>
+                </a:solidFill>
+              </a:rPr>
+              <a:t>kész </a:t>
+            </a:r>
+            <a:r>
+              <a:rPr lang="hu-HU" sz="3600" dirty="0" smtClean="0">
+                <a:solidFill>
+                  <a:schemeClr val="tx2">
+                    <a:lumMod val="20000"/>
+                    <a:lumOff val="80000"/>
+                  </a:schemeClr>
+                </a:solidFill>
+              </a:rPr>
+              <a:t>személy, </a:t>
+            </a:r>
+            <a:r>
+              <a:rPr lang="hu-HU" sz="3600" dirty="0" smtClean="0">
+                <a:solidFill>
+                  <a:schemeClr val="tx2">
+                    <a:lumMod val="20000"/>
+                    <a:lumOff val="80000"/>
+                  </a:schemeClr>
+                </a:solidFill>
+              </a:rPr>
+              <a:t>aki rugalmas alkalmazkodásra képes.</a:t>
             </a:r>
             <a:endParaRPr lang="hu-HU" sz="3600" dirty="0">
               <a:solidFill>
@@ -5535,6 +5612,16 @@
   <p:clrMapOvr>
     <a:masterClrMapping/>
   </p:clrMapOvr>
+  <p:transition spd="slow">
+    <p:cover/>
+  </p:transition>
+  <p:timing>
+    <p:tnLst>
+      <p:par>
+        <p:cTn id="1" dur="indefinite" restart="never" nodeType="tmRoot"/>
+      </p:par>
+    </p:tnLst>
+  </p:timing>
 </p:sld>
 </file>
 
@@ -5693,6 +5780,16 @@
   <p:clrMapOvr>
     <a:masterClrMapping/>
   </p:clrMapOvr>
+  <p:transition spd="slow">
+    <p:cover/>
+  </p:transition>
+  <p:timing>
+    <p:tnLst>
+      <p:par>
+        <p:cTn id="1" dur="indefinite" restart="never" nodeType="tmRoot"/>
+      </p:par>
+    </p:tnLst>
+  </p:timing>
 </p:sld>
 </file>
 
@@ -5839,11 +5936,6 @@
               </a:rPr>
               <a:t>Termékfejlesztési megközelítés</a:t>
             </a:r>
-            <a:endParaRPr lang="hu-HU" dirty="0" smtClean="0">
-              <a:solidFill>
-                <a:schemeClr val="tx1"/>
-              </a:solidFill>
-            </a:endParaRPr>
           </a:p>
         </p:txBody>
       </p:sp>
@@ -5869,8 +5961,8 @@
         </p:blipFill>
         <p:spPr>
           <a:xfrm>
-            <a:off x="7539644" y="1609344"/>
-            <a:ext cx="4023360" cy="3584110"/>
+            <a:off x="7293685" y="1609344"/>
+            <a:ext cx="4898315" cy="3584110"/>
           </a:xfrm>
           <a:prstGeom prst="rect">
             <a:avLst/>
@@ -5887,6 +5979,16 @@
   <p:clrMapOvr>
     <a:masterClrMapping/>
   </p:clrMapOvr>
+  <p:transition spd="slow">
+    <p:cover/>
+  </p:transition>
+  <p:timing>
+    <p:tnLst>
+      <p:par>
+        <p:cTn id="1" dur="indefinite" restart="never" nodeType="tmRoot"/>
+      </p:par>
+    </p:tnLst>
+  </p:timing>
 </p:sld>
 </file>
 
@@ -6196,6 +6298,16 @@
   <p:clrMapOvr>
     <a:masterClrMapping/>
   </p:clrMapOvr>
+  <p:transition spd="slow">
+    <p:cover/>
+  </p:transition>
+  <p:timing>
+    <p:tnLst>
+      <p:par>
+        <p:cTn id="1" dur="indefinite" restart="never" nodeType="tmRoot"/>
+      </p:par>
+    </p:tnLst>
+  </p:timing>
 </p:sld>
 </file>
 
@@ -6272,7 +6384,7 @@
               <a:t>•</a:t>
             </a:r>
             <a:r>
-              <a:rPr lang="hu-HU" dirty="0" err="1" smtClean="0">
+              <a:rPr lang="hu-HU" sz="3200" dirty="0" err="1" smtClean="0">
                 <a:solidFill>
                   <a:schemeClr val="tx1">
                     <a:lumMod val="95000"/>
@@ -6282,7 +6394,7 @@
               <a:t>Product</a:t>
             </a:r>
             <a:r>
-              <a:rPr lang="hu-HU" dirty="0" smtClean="0">
+              <a:rPr lang="hu-HU" sz="3200" dirty="0" smtClean="0">
                 <a:solidFill>
                   <a:schemeClr val="tx1">
                     <a:lumMod val="95000"/>
@@ -6292,7 +6404,7 @@
               <a:t> </a:t>
             </a:r>
             <a:r>
-              <a:rPr lang="hu-HU" dirty="0" err="1" smtClean="0">
+              <a:rPr lang="hu-HU" sz="3200" dirty="0" err="1" smtClean="0">
                 <a:solidFill>
                   <a:schemeClr val="tx1">
                     <a:lumMod val="95000"/>
@@ -6302,7 +6414,7 @@
               <a:t>owner</a:t>
             </a:r>
             <a:r>
-              <a:rPr lang="hu-HU" dirty="0" smtClean="0">
+              <a:rPr lang="hu-HU" sz="3200" dirty="0" smtClean="0">
                 <a:solidFill>
                   <a:schemeClr val="tx1">
                     <a:lumMod val="95000"/>
@@ -6317,7 +6429,7 @@
               <a:buNone/>
             </a:pPr>
             <a:r>
-              <a:rPr lang="hu-HU" dirty="0" smtClean="0">
+              <a:rPr lang="hu-HU" sz="3200" dirty="0" smtClean="0">
                 <a:solidFill>
                   <a:schemeClr val="bg1"/>
                 </a:solidFill>
@@ -6325,7 +6437,7 @@
               <a:t>•</a:t>
             </a:r>
             <a:r>
-              <a:rPr lang="hu-HU" dirty="0" smtClean="0">
+              <a:rPr lang="hu-HU" sz="3200" dirty="0" smtClean="0">
                 <a:solidFill>
                   <a:schemeClr val="tx1">
                     <a:lumMod val="95000"/>
@@ -6335,7 +6447,7 @@
               <a:t>Agilis </a:t>
             </a:r>
             <a:r>
-              <a:rPr lang="hu-HU" dirty="0" err="1" smtClean="0">
+              <a:rPr lang="hu-HU" sz="3200" dirty="0" err="1" smtClean="0">
                 <a:solidFill>
                   <a:schemeClr val="tx1">
                     <a:lumMod val="95000"/>
@@ -6344,7 +6456,7 @@
               </a:rPr>
               <a:t>coach</a:t>
             </a:r>
-            <a:endParaRPr lang="hu-HU" dirty="0" smtClean="0">
+            <a:endParaRPr lang="hu-HU" sz="3200" dirty="0" smtClean="0">
               <a:solidFill>
                 <a:schemeClr val="tx1">
                   <a:lumMod val="95000"/>
@@ -6357,7 +6469,7 @@
               <a:buNone/>
             </a:pPr>
             <a:r>
-              <a:rPr lang="hu-HU" dirty="0" smtClean="0">
+              <a:rPr lang="hu-HU" sz="3200" dirty="0" smtClean="0">
                 <a:solidFill>
                   <a:schemeClr val="bg1"/>
                 </a:solidFill>
@@ -6365,7 +6477,7 @@
               <a:t>•</a:t>
             </a:r>
             <a:r>
-              <a:rPr lang="hu-HU" dirty="0" smtClean="0">
+              <a:rPr lang="hu-HU" sz="3200" dirty="0" smtClean="0">
                 <a:solidFill>
                   <a:schemeClr val="tx1">
                     <a:lumMod val="95000"/>
@@ -6380,7 +6492,7 @@
               <a:buNone/>
             </a:pPr>
             <a:r>
-              <a:rPr lang="hu-HU" dirty="0" smtClean="0">
+              <a:rPr lang="hu-HU" sz="3200" dirty="0" smtClean="0">
                 <a:solidFill>
                   <a:schemeClr val="bg1"/>
                 </a:solidFill>
@@ -6388,7 +6500,7 @@
               <a:t>•</a:t>
             </a:r>
             <a:r>
-              <a:rPr lang="hu-HU" dirty="0" smtClean="0">
+              <a:rPr lang="hu-HU" sz="3200" dirty="0" smtClean="0">
                 <a:solidFill>
                   <a:schemeClr val="tx1">
                     <a:lumMod val="95000"/>
@@ -6410,6 +6522,16 @@
   <p:clrMapOvr>
     <a:masterClrMapping/>
   </p:clrMapOvr>
+  <p:transition spd="slow">
+    <p:cover/>
+  </p:transition>
+  <p:timing>
+    <p:tnLst>
+      <p:par>
+        <p:cTn id="1" dur="indefinite" restart="never" nodeType="tmRoot"/>
+      </p:par>
+    </p:tnLst>
+  </p:timing>
 </p:sld>
 </file>
 
@@ -6478,6 +6600,9 @@
           <a:bodyPr/>
           <a:lstStyle/>
           <a:p>
+            <a:pPr marL="0" indent="0">
+              <a:buNone/>
+            </a:pPr>
             <a:r>
               <a:rPr lang="hu-HU" dirty="0" smtClean="0"/>
               <a:t>•</a:t>
@@ -6492,6 +6617,9 @@
             </a:r>
           </a:p>
           <a:p>
+            <a:pPr marL="0" indent="0">
+              <a:buNone/>
+            </a:pPr>
             <a:r>
               <a:rPr lang="hu-HU" dirty="0" smtClean="0">
                 <a:solidFill>
@@ -6510,6 +6638,9 @@
             </a:r>
           </a:p>
           <a:p>
+            <a:pPr marL="0" indent="0">
+              <a:buNone/>
+            </a:pPr>
             <a:r>
               <a:rPr lang="hu-HU" dirty="0" smtClean="0">
                 <a:solidFill>
@@ -6528,6 +6659,9 @@
             </a:r>
           </a:p>
           <a:p>
+            <a:pPr marL="0" indent="0">
+              <a:buNone/>
+            </a:pPr>
             <a:r>
               <a:rPr lang="hu-HU" dirty="0" smtClean="0">
                 <a:solidFill>
@@ -6546,6 +6680,9 @@
             </a:r>
           </a:p>
           <a:p>
+            <a:pPr marL="0" indent="0">
+              <a:buNone/>
+            </a:pPr>
             <a:r>
               <a:rPr lang="hu-HU" dirty="0" smtClean="0">
                 <a:solidFill>
@@ -6580,6 +6717,16 @@
   <p:clrMapOvr>
     <a:masterClrMapping/>
   </p:clrMapOvr>
+  <p:transition spd="slow">
+    <p:cover/>
+  </p:transition>
+  <p:timing>
+    <p:tnLst>
+      <p:par>
+        <p:cTn id="1" dur="indefinite" restart="never" nodeType="tmRoot"/>
+      </p:par>
+    </p:tnLst>
+  </p:timing>
 </p:sld>
 </file>
 
@@ -6648,6 +6795,9 @@
           <a:bodyPr/>
           <a:lstStyle/>
           <a:p>
+            <a:pPr marL="0" indent="0">
+              <a:buNone/>
+            </a:pPr>
             <a:r>
               <a:rPr lang="hu-HU" dirty="0" smtClean="0"/>
               <a:t>•</a:t>
@@ -6675,6 +6825,9 @@
             </a:endParaRPr>
           </a:p>
           <a:p>
+            <a:pPr marL="0" indent="0">
+              <a:buNone/>
+            </a:pPr>
             <a:r>
               <a:rPr lang="hu-HU" dirty="0" smtClean="0"/>
               <a:t>•</a:t>
@@ -6689,6 +6842,9 @@
             </a:r>
           </a:p>
           <a:p>
+            <a:pPr marL="0" indent="0">
+              <a:buNone/>
+            </a:pPr>
             <a:r>
               <a:rPr lang="hu-HU" dirty="0" smtClean="0"/>
               <a:t>•</a:t>
@@ -6700,6 +6856,27 @@
                 </a:solidFill>
               </a:rPr>
               <a:t>Idő</a:t>
+            </a:r>
+          </a:p>
+          <a:p>
+            <a:pPr marL="0" indent="0">
+              <a:buNone/>
+            </a:pPr>
+            <a:r>
+              <a:rPr lang="hu-HU" dirty="0">
+                <a:solidFill>
+                  <a:schemeClr val="bg1"/>
+                </a:solidFill>
+              </a:rPr>
+              <a:t>•</a:t>
+            </a:r>
+            <a:r>
+              <a:rPr lang="hu-HU" dirty="0" smtClean="0">
+                <a:solidFill>
+                  <a:schemeClr val="tx1"/>
+                </a:solidFill>
+              </a:rPr>
+              <a:t>Kevés dokumentáció</a:t>
             </a:r>
             <a:endParaRPr lang="hu-HU" dirty="0">
               <a:solidFill>
@@ -6719,6 +6896,16 @@
   <p:clrMapOvr>
     <a:masterClrMapping/>
   </p:clrMapOvr>
+  <p:transition spd="slow">
+    <p:cover/>
+  </p:transition>
+  <p:timing>
+    <p:tnLst>
+      <p:par>
+        <p:cTn id="1" dur="indefinite" restart="never" nodeType="tmRoot"/>
+      </p:par>
+    </p:tnLst>
+  </p:timing>
 </p:sld>
 </file>
 
@@ -6796,6 +6983,25 @@
   <p:clrMapOvr>
     <a:masterClrMapping/>
   </p:clrMapOvr>
+  <mc:AlternateContent xmlns:mc="http://schemas.openxmlformats.org/markup-compatibility/2006">
+    <mc:Choice xmlns:p14="http://schemas.microsoft.com/office/powerpoint/2010/main" Requires="p14">
+      <p:transition spd="slow" p14:dur="3400">
+        <p14:reveal/>
+      </p:transition>
+    </mc:Choice>
+    <mc:Fallback>
+      <p:transition spd="slow">
+        <p:fade/>
+      </p:transition>
+    </mc:Fallback>
+  </mc:AlternateContent>
+  <p:timing>
+    <p:tnLst>
+      <p:par>
+        <p:cTn id="1" dur="indefinite" restart="never" nodeType="tmRoot"/>
+      </p:par>
+    </p:tnLst>
+  </p:timing>
 </p:sld>
 </file>
 

--- a/Agilis modell.pptx
+++ b/Agilis modell.pptx
@@ -2,7 +2,7 @@
 <file path=ppt/presentation.xml><?xml version="1.0" encoding="utf-8"?>
 <p:presentation xmlns:a="http://schemas.openxmlformats.org/drawingml/2006/main" xmlns:r="http://schemas.openxmlformats.org/officeDocument/2006/relationships" xmlns:p="http://schemas.openxmlformats.org/presentationml/2006/main" saveSubsetFonts="1">
   <p:sldMasterIdLst>
-    <p:sldMasterId id="2147483672" r:id="rId1"/>
+    <p:sldMasterId id="2147483726" r:id="rId1"/>
   </p:sldMasterIdLst>
   <p:sldIdLst>
     <p:sldId id="259" r:id="rId2"/>
@@ -121,7 +121,7 @@
 </file>
 
 <file path=ppt/slideLayouts/slideLayout1.xml><?xml version="1.0" encoding="utf-8"?>
-<p:sldLayout xmlns:a="http://schemas.openxmlformats.org/drawingml/2006/main" xmlns:r="http://schemas.openxmlformats.org/officeDocument/2006/relationships" xmlns:p="http://schemas.openxmlformats.org/presentationml/2006/main" showMasterSp="0" type="title" preserve="1">
+<p:sldLayout xmlns:a="http://schemas.openxmlformats.org/drawingml/2006/main" xmlns:r="http://schemas.openxmlformats.org/officeDocument/2006/relationships" xmlns:p="http://schemas.openxmlformats.org/presentationml/2006/main" type="title" preserve="1">
   <p:cSld name="Címdia">
     <p:spTree>
       <p:nvGrpSpPr>
@@ -149,8 +149,8 @@
         </p:nvSpPr>
         <p:spPr>
           <a:xfrm>
-            <a:off x="684212" y="685799"/>
-            <a:ext cx="8001000" cy="2971801"/>
+            <a:off x="1370693" y="1769540"/>
+            <a:ext cx="9440034" cy="1828801"/>
           </a:xfrm>
         </p:spPr>
         <p:txBody>
@@ -158,10 +158,8 @@
             <a:normAutofit/>
           </a:bodyPr>
           <a:lstStyle>
-            <a:lvl1pPr algn="l">
-              <a:defRPr sz="4800">
-                <a:effectLst/>
-              </a:defRPr>
+            <a:lvl1pPr algn="ctr">
+              <a:defRPr sz="5400"/>
             </a:lvl1pPr>
           </a:lstStyle>
           <a:p>
@@ -185,22 +183,18 @@
         </p:nvSpPr>
         <p:spPr>
           <a:xfrm>
-            <a:off x="684212" y="3843867"/>
-            <a:ext cx="6400800" cy="1947333"/>
-          </a:xfrm>
-        </p:spPr>
-        <p:txBody>
-          <a:bodyPr anchor="t">
-            <a:normAutofit/>
-          </a:bodyPr>
+            <a:off x="1370693" y="3598339"/>
+            <a:ext cx="9440034" cy="1049867"/>
+          </a:xfrm>
+        </p:spPr>
+        <p:txBody>
+          <a:bodyPr anchor="t"/>
           <a:lstStyle>
-            <a:lvl1pPr marL="0" indent="0" algn="l">
-              <a:buNone/>
-              <a:defRPr sz="2100">
-                <a:solidFill>
-                  <a:schemeClr val="bg2">
-                    <a:lumMod val="75000"/>
-                  </a:schemeClr>
+            <a:lvl1pPr marL="0" indent="0" algn="ctr">
+              <a:buNone/>
+              <a:defRPr>
+                <a:solidFill>
+                  <a:schemeClr val="tx1"/>
                 </a:solidFill>
               </a:defRPr>
             </a:lvl1pPr>
@@ -311,7 +305,7 @@
           <a:p>
             <a:fld id="{970AF8F0-78A3-44E7-9849-1E21B3E48713}" type="datetimeFigureOut">
               <a:rPr lang="hu-HU" smtClean="0"/>
-              <a:t>2022.09.21.</a:t>
+              <a:t>2022.09.22.</a:t>
             </a:fld>
             <a:endParaRPr lang="hu-HU"/>
           </a:p>
@@ -359,185 +353,10 @@
           </a:p>
         </p:txBody>
       </p:sp>
-      <p:cxnSp>
-        <p:nvCxnSpPr>
-          <p:cNvPr id="16" name="Straight Connector 15"/>
-          <p:cNvCxnSpPr/>
-          <p:nvPr/>
-        </p:nvCxnSpPr>
-        <p:spPr>
-          <a:xfrm flipH="1">
-            <a:off x="8228012" y="8467"/>
-            <a:ext cx="3810000" cy="3810000"/>
-          </a:xfrm>
-          <a:prstGeom prst="line">
-            <a:avLst/>
-          </a:prstGeom>
-          <a:ln w="12700">
-            <a:solidFill>
-              <a:schemeClr val="tx1"/>
-            </a:solidFill>
-          </a:ln>
-        </p:spPr>
-        <p:style>
-          <a:lnRef idx="2">
-            <a:schemeClr val="accent1"/>
-          </a:lnRef>
-          <a:fillRef idx="0">
-            <a:schemeClr val="accent1"/>
-          </a:fillRef>
-          <a:effectRef idx="1">
-            <a:schemeClr val="accent1"/>
-          </a:effectRef>
-          <a:fontRef idx="minor">
-            <a:schemeClr val="tx1"/>
-          </a:fontRef>
-        </p:style>
-      </p:cxnSp>
-      <p:cxnSp>
-        <p:nvCxnSpPr>
-          <p:cNvPr id="17" name="Straight Connector 16"/>
-          <p:cNvCxnSpPr/>
-          <p:nvPr/>
-        </p:nvCxnSpPr>
-        <p:spPr>
-          <a:xfrm flipH="1">
-            <a:off x="6108170" y="91545"/>
-            <a:ext cx="6080655" cy="6080655"/>
-          </a:xfrm>
-          <a:prstGeom prst="line">
-            <a:avLst/>
-          </a:prstGeom>
-          <a:ln w="12700">
-            <a:solidFill>
-              <a:schemeClr val="tx1"/>
-            </a:solidFill>
-          </a:ln>
-        </p:spPr>
-        <p:style>
-          <a:lnRef idx="2">
-            <a:schemeClr val="accent1"/>
-          </a:lnRef>
-          <a:fillRef idx="0">
-            <a:schemeClr val="accent1"/>
-          </a:fillRef>
-          <a:effectRef idx="1">
-            <a:schemeClr val="accent1"/>
-          </a:effectRef>
-          <a:fontRef idx="minor">
-            <a:schemeClr val="tx1"/>
-          </a:fontRef>
-        </p:style>
-      </p:cxnSp>
-      <p:cxnSp>
-        <p:nvCxnSpPr>
-          <p:cNvPr id="19" name="Straight Connector 18"/>
-          <p:cNvCxnSpPr/>
-          <p:nvPr/>
-        </p:nvCxnSpPr>
-        <p:spPr>
-          <a:xfrm flipH="1">
-            <a:off x="7235825" y="228600"/>
-            <a:ext cx="4953000" cy="4953000"/>
-          </a:xfrm>
-          <a:prstGeom prst="line">
-            <a:avLst/>
-          </a:prstGeom>
-          <a:ln w="12700">
-            <a:solidFill>
-              <a:schemeClr val="tx1"/>
-            </a:solidFill>
-          </a:ln>
-        </p:spPr>
-        <p:style>
-          <a:lnRef idx="2">
-            <a:schemeClr val="accent1"/>
-          </a:lnRef>
-          <a:fillRef idx="0">
-            <a:schemeClr val="accent1"/>
-          </a:fillRef>
-          <a:effectRef idx="1">
-            <a:schemeClr val="accent1"/>
-          </a:effectRef>
-          <a:fontRef idx="minor">
-            <a:schemeClr val="tx1"/>
-          </a:fontRef>
-        </p:style>
-      </p:cxnSp>
-      <p:cxnSp>
-        <p:nvCxnSpPr>
-          <p:cNvPr id="21" name="Straight Connector 20"/>
-          <p:cNvCxnSpPr/>
-          <p:nvPr/>
-        </p:nvCxnSpPr>
-        <p:spPr>
-          <a:xfrm flipH="1">
-            <a:off x="7335837" y="32278"/>
-            <a:ext cx="4852989" cy="4852989"/>
-          </a:xfrm>
-          <a:prstGeom prst="line">
-            <a:avLst/>
-          </a:prstGeom>
-          <a:ln w="31750">
-            <a:solidFill>
-              <a:schemeClr val="tx1"/>
-            </a:solidFill>
-          </a:ln>
-        </p:spPr>
-        <p:style>
-          <a:lnRef idx="2">
-            <a:schemeClr val="accent1"/>
-          </a:lnRef>
-          <a:fillRef idx="0">
-            <a:schemeClr val="accent1"/>
-          </a:fillRef>
-          <a:effectRef idx="1">
-            <a:schemeClr val="accent1"/>
-          </a:effectRef>
-          <a:fontRef idx="minor">
-            <a:schemeClr val="tx1"/>
-          </a:fontRef>
-        </p:style>
-      </p:cxnSp>
-      <p:cxnSp>
-        <p:nvCxnSpPr>
-          <p:cNvPr id="23" name="Straight Connector 22"/>
-          <p:cNvCxnSpPr/>
-          <p:nvPr/>
-        </p:nvCxnSpPr>
-        <p:spPr>
-          <a:xfrm flipH="1">
-            <a:off x="7845426" y="609601"/>
-            <a:ext cx="4343399" cy="4343399"/>
-          </a:xfrm>
-          <a:prstGeom prst="line">
-            <a:avLst/>
-          </a:prstGeom>
-          <a:ln w="31750">
-            <a:solidFill>
-              <a:schemeClr val="tx1"/>
-            </a:solidFill>
-          </a:ln>
-        </p:spPr>
-        <p:style>
-          <a:lnRef idx="2">
-            <a:schemeClr val="accent1"/>
-          </a:lnRef>
-          <a:fillRef idx="0">
-            <a:schemeClr val="accent1"/>
-          </a:fillRef>
-          <a:effectRef idx="1">
-            <a:schemeClr val="accent1"/>
-          </a:effectRef>
-          <a:fontRef idx="minor">
-            <a:schemeClr val="tx1"/>
-          </a:fontRef>
-        </p:style>
-      </p:cxnSp>
     </p:spTree>
     <p:extLst>
       <p:ext uri="{BB962C8B-B14F-4D97-AF65-F5344CB8AC3E}">
-        <p14:creationId xmlns:p14="http://schemas.microsoft.com/office/powerpoint/2010/main" val="3348658358"/>
+        <p14:creationId xmlns:p14="http://schemas.microsoft.com/office/powerpoint/2010/main" val="3498184644"/>
       </p:ext>
     </p:extLst>
   </p:cSld>
@@ -564,6 +383,36 @@
           <a:chExt cx="0" cy="0"/>
         </a:xfrm>
       </p:grpSpPr>
+      <p:pic>
+        <p:nvPicPr>
+          <p:cNvPr id="16" name="Picture 15" descr="Slate-V2-HD-panoPhotoInset.png"/>
+          <p:cNvPicPr>
+            <a:picLocks noChangeAspect="1"/>
+          </p:cNvPicPr>
+          <p:nvPr/>
+        </p:nvPicPr>
+        <p:blipFill>
+          <a:blip r:embed="rId2">
+            <a:extLst>
+              <a:ext uri="{28A0092B-C50C-407E-A947-70E740481C1C}">
+                <a14:useLocalDpi xmlns:a14="http://schemas.microsoft.com/office/drawing/2010/main" val="0"/>
+              </a:ext>
+            </a:extLst>
+          </a:blip>
+          <a:stretch>
+            <a:fillRect/>
+          </a:stretch>
+        </p:blipFill>
+        <p:spPr>
+          <a:xfrm>
+            <a:off x="1013883" y="547807"/>
+            <a:ext cx="10141799" cy="3816806"/>
+          </a:xfrm>
+          <a:prstGeom prst="rect">
+            <a:avLst/>
+          </a:prstGeom>
+        </p:spPr>
+      </p:pic>
       <p:sp>
         <p:nvSpPr>
           <p:cNvPr id="2" name="Title 1"/>
@@ -574,10 +423,21 @@
             <p:ph type="title"/>
           </p:nvPr>
         </p:nvSpPr>
-        <p:spPr/>
-        <p:txBody>
-          <a:bodyPr/>
-          <a:lstStyle/>
+        <p:spPr>
+          <a:xfrm>
+            <a:off x="913806" y="4565255"/>
+            <a:ext cx="10355326" cy="543472"/>
+          </a:xfrm>
+        </p:spPr>
+        <p:txBody>
+          <a:bodyPr anchor="b">
+            <a:normAutofit/>
+          </a:bodyPr>
+          <a:lstStyle>
+            <a:lvl1pPr algn="ctr">
+              <a:defRPr sz="2800"/>
+            </a:lvl1pPr>
+          </a:lstStyle>
           <a:p>
             <a:r>
               <a:rPr lang="hu-HU" smtClean="0"/>
@@ -589,38 +449,25 @@
       </p:sp>
       <p:sp>
         <p:nvSpPr>
-          <p:cNvPr id="17" name="Picture Placeholder 2"/>
+          <p:cNvPr id="3" name="Picture Placeholder 2"/>
           <p:cNvSpPr>
             <a:spLocks noGrp="1" noChangeAspect="1"/>
           </p:cNvSpPr>
           <p:nvPr>
-            <p:ph type="pic" idx="13"/>
-          </p:nvPr>
-        </p:nvSpPr>
-        <p:spPr>
-          <a:xfrm>
-            <a:off x="685800" y="533400"/>
-            <a:ext cx="10818812" cy="3124200"/>
-          </a:xfrm>
-          <a:prstGeom prst="snip2DiagRect">
-            <a:avLst>
-              <a:gd name="adj1" fmla="val 10815"/>
-              <a:gd name="adj2" fmla="val 0"/>
-            </a:avLst>
-          </a:prstGeom>
-          <a:ln w="15875">
-            <a:solidFill>
-              <a:schemeClr val="tx1">
-                <a:alpha val="40000"/>
-              </a:schemeClr>
-            </a:solidFill>
-          </a:ln>
+            <p:ph type="pic" idx="1"/>
+          </p:nvPr>
+        </p:nvSpPr>
+        <p:spPr>
+          <a:xfrm>
+            <a:off x="1169349" y="695009"/>
+            <a:ext cx="9845346" cy="3525671"/>
+          </a:xfrm>
           <a:effectLst>
-            <a:innerShdw blurRad="57150" dist="38100" dir="14460000">
+            <a:outerShdw blurRad="38100" dist="25400" dir="4440000">
               <a:srgbClr val="000000">
-                <a:alpha val="70000"/>
+                <a:alpha val="36000"/>
               </a:srgbClr>
-            </a:innerShdw>
+            </a:outerShdw>
           </a:effectLst>
         </p:spPr>
         <p:txBody>
@@ -630,98 +477,107 @@
           <a:lstStyle>
             <a:lvl1pPr marL="0" indent="0" algn="ctr">
               <a:buNone/>
+              <a:defRPr sz="2000"/>
+            </a:lvl1pPr>
+            <a:lvl2pPr marL="457200" indent="0">
+              <a:buNone/>
+              <a:defRPr sz="2000"/>
+            </a:lvl2pPr>
+            <a:lvl3pPr marL="914400" indent="0">
+              <a:buNone/>
+              <a:defRPr sz="2000"/>
+            </a:lvl3pPr>
+            <a:lvl4pPr marL="1371600" indent="0">
+              <a:buNone/>
+              <a:defRPr sz="2000"/>
+            </a:lvl4pPr>
+            <a:lvl5pPr marL="1828800" indent="0">
+              <a:buNone/>
+              <a:defRPr sz="2000"/>
+            </a:lvl5pPr>
+            <a:lvl6pPr marL="2286000" indent="0">
+              <a:buNone/>
+              <a:defRPr sz="2000"/>
+            </a:lvl6pPr>
+            <a:lvl7pPr marL="2743200" indent="0">
+              <a:buNone/>
+              <a:defRPr sz="2000"/>
+            </a:lvl7pPr>
+            <a:lvl8pPr marL="3200400" indent="0">
+              <a:buNone/>
+              <a:defRPr sz="2000"/>
+            </a:lvl8pPr>
+            <a:lvl9pPr marL="3657600" indent="0">
+              <a:buNone/>
+              <a:defRPr sz="2000"/>
+            </a:lvl9pPr>
+          </a:lstStyle>
+          <a:p>
+            <a:r>
+              <a:rPr lang="hu-HU" smtClean="0"/>
+              <a:t>Kép beszúrásához kattintson az ikonra</a:t>
+            </a:r>
+            <a:endParaRPr lang="en-US" dirty="0"/>
+          </a:p>
+        </p:txBody>
+      </p:sp>
+      <p:sp>
+        <p:nvSpPr>
+          <p:cNvPr id="4" name="Text Placeholder 3"/>
+          <p:cNvSpPr>
+            <a:spLocks noGrp="1"/>
+          </p:cNvSpPr>
+          <p:nvPr>
+            <p:ph type="body" sz="half" idx="2"/>
+          </p:nvPr>
+        </p:nvSpPr>
+        <p:spPr>
+          <a:xfrm>
+            <a:off x="913795" y="5108728"/>
+            <a:ext cx="10353762" cy="682472"/>
+          </a:xfrm>
+        </p:spPr>
+        <p:txBody>
+          <a:bodyPr anchor="t"/>
+          <a:lstStyle>
+            <a:lvl1pPr marL="0" indent="0" algn="ctr">
+              <a:buNone/>
               <a:defRPr sz="1600"/>
             </a:lvl1pPr>
             <a:lvl2pPr marL="457200" indent="0">
               <a:buNone/>
-              <a:defRPr sz="1600"/>
+              <a:defRPr sz="1400"/>
             </a:lvl2pPr>
             <a:lvl3pPr marL="914400" indent="0">
               <a:buNone/>
-              <a:defRPr sz="1600"/>
+              <a:defRPr sz="1200"/>
             </a:lvl3pPr>
             <a:lvl4pPr marL="1371600" indent="0">
               <a:buNone/>
-              <a:defRPr sz="1600"/>
+              <a:defRPr sz="1000"/>
             </a:lvl4pPr>
             <a:lvl5pPr marL="1828800" indent="0">
               <a:buNone/>
-              <a:defRPr sz="1600"/>
+              <a:defRPr sz="1000"/>
             </a:lvl5pPr>
             <a:lvl6pPr marL="2286000" indent="0">
               <a:buNone/>
-              <a:defRPr sz="1600"/>
+              <a:defRPr sz="1000"/>
             </a:lvl6pPr>
             <a:lvl7pPr marL="2743200" indent="0">
               <a:buNone/>
-              <a:defRPr sz="1600"/>
+              <a:defRPr sz="1000"/>
             </a:lvl7pPr>
             <a:lvl8pPr marL="3200400" indent="0">
               <a:buNone/>
-              <a:defRPr sz="1600"/>
+              <a:defRPr sz="1000"/>
             </a:lvl8pPr>
             <a:lvl9pPr marL="3657600" indent="0">
               <a:buNone/>
-              <a:defRPr sz="1600"/>
+              <a:defRPr sz="1000"/>
             </a:lvl9pPr>
           </a:lstStyle>
           <a:p>
-            <a:r>
-              <a:rPr lang="hu-HU" smtClean="0"/>
-              <a:t>Kép beszúrásához kattintson az ikonra</a:t>
-            </a:r>
-            <a:endParaRPr lang="en-US" dirty="0"/>
-          </a:p>
-        </p:txBody>
-      </p:sp>
-      <p:sp>
-        <p:nvSpPr>
-          <p:cNvPr id="16" name="Text Placeholder 9"/>
-          <p:cNvSpPr>
-            <a:spLocks noGrp="1"/>
-          </p:cNvSpPr>
-          <p:nvPr>
-            <p:ph type="body" sz="quarter" idx="14"/>
-          </p:nvPr>
-        </p:nvSpPr>
-        <p:spPr>
-          <a:xfrm>
-            <a:off x="914402" y="3843867"/>
-            <a:ext cx="8304210" cy="457200"/>
-          </a:xfrm>
-        </p:spPr>
-        <p:txBody>
-          <a:bodyPr anchor="t">
-            <a:normAutofit/>
-          </a:bodyPr>
-          <a:lstStyle>
-            <a:lvl1pPr marL="0" indent="0">
-              <a:buFontTx/>
-              <a:buNone/>
-              <a:defRPr sz="1600"/>
-            </a:lvl1pPr>
-            <a:lvl2pPr marL="457200" indent="0">
-              <a:buFontTx/>
-              <a:buNone/>
-              <a:defRPr/>
-            </a:lvl2pPr>
-            <a:lvl3pPr marL="914400" indent="0">
-              <a:buFontTx/>
-              <a:buNone/>
-              <a:defRPr/>
-            </a:lvl3pPr>
-            <a:lvl4pPr marL="1371600" indent="0">
-              <a:buFontTx/>
-              <a:buNone/>
-              <a:defRPr/>
-            </a:lvl4pPr>
-            <a:lvl5pPr marL="1828800" indent="0">
-              <a:buFontTx/>
-              <a:buNone/>
-              <a:defRPr/>
-            </a:lvl5pPr>
-          </a:lstStyle>
-          <a:p>
             <a:pPr lvl="0"/>
             <a:r>
               <a:rPr lang="hu-HU" smtClean="0"/>
@@ -732,7 +588,7 @@
       </p:sp>
       <p:sp>
         <p:nvSpPr>
-          <p:cNvPr id="3" name="Date Placeholder 2"/>
+          <p:cNvPr id="5" name="Date Placeholder 4"/>
           <p:cNvSpPr>
             <a:spLocks noGrp="1"/>
           </p:cNvSpPr>
@@ -747,7 +603,7 @@
           <a:p>
             <a:fld id="{970AF8F0-78A3-44E7-9849-1E21B3E48713}" type="datetimeFigureOut">
               <a:rPr lang="hu-HU" smtClean="0"/>
-              <a:t>2022.09.21.</a:t>
+              <a:t>2022.09.22.</a:t>
             </a:fld>
             <a:endParaRPr lang="hu-HU"/>
           </a:p>
@@ -755,7 +611,7 @@
       </p:sp>
       <p:sp>
         <p:nvSpPr>
-          <p:cNvPr id="4" name="Footer Placeholder 3"/>
+          <p:cNvPr id="6" name="Footer Placeholder 5"/>
           <p:cNvSpPr>
             <a:spLocks noGrp="1"/>
           </p:cNvSpPr>
@@ -774,7 +630,7 @@
       </p:sp>
       <p:sp>
         <p:nvSpPr>
-          <p:cNvPr id="5" name="Slide Number Placeholder 4"/>
+          <p:cNvPr id="7" name="Slide Number Placeholder 6"/>
           <p:cNvSpPr>
             <a:spLocks noGrp="1"/>
           </p:cNvSpPr>
@@ -798,7 +654,7 @@
     </p:spTree>
     <p:extLst>
       <p:ext uri="{BB962C8B-B14F-4D97-AF65-F5344CB8AC3E}">
-        <p14:creationId xmlns:p14="http://schemas.microsoft.com/office/powerpoint/2010/main" val="3313069276"/>
+        <p14:creationId xmlns:p14="http://schemas.microsoft.com/office/powerpoint/2010/main" val="669656814"/>
       </p:ext>
     </p:extLst>
   </p:cSld>
@@ -837,17 +693,15 @@
         </p:nvSpPr>
         <p:spPr>
           <a:xfrm>
-            <a:off x="684213" y="685800"/>
-            <a:ext cx="10058400" cy="2743200"/>
-          </a:xfrm>
-        </p:spPr>
-        <p:txBody>
-          <a:bodyPr anchor="ctr">
-            <a:normAutofit/>
-          </a:bodyPr>
+            <a:off x="913795" y="608437"/>
+            <a:ext cx="10353762" cy="3534344"/>
+          </a:xfrm>
+        </p:spPr>
+        <p:txBody>
+          <a:bodyPr anchor="ctr"/>
           <a:lstStyle>
-            <a:lvl1pPr algn="l">
-              <a:defRPr sz="3200" b="0" cap="all"/>
+            <a:lvl1pPr>
+              <a:defRPr sz="3200"/>
             </a:lvl1pPr>
           </a:lstStyle>
           <a:p>
@@ -861,114 +715,58 @@
       </p:sp>
       <p:sp>
         <p:nvSpPr>
-          <p:cNvPr id="3" name="Text Placeholder 2"/>
-          <p:cNvSpPr>
-            <a:spLocks noGrp="1"/>
-          </p:cNvSpPr>
-          <p:nvPr>
-            <p:ph type="body" idx="1"/>
-          </p:nvPr>
-        </p:nvSpPr>
-        <p:spPr>
-          <a:xfrm>
-            <a:off x="684212" y="4114800"/>
-            <a:ext cx="8535988" cy="1879600"/>
-          </a:xfrm>
-        </p:spPr>
-        <p:txBody>
-          <a:bodyPr anchor="ctr">
-            <a:normAutofit/>
-          </a:bodyPr>
+          <p:cNvPr id="4" name="Text Placeholder 3"/>
+          <p:cNvSpPr>
+            <a:spLocks noGrp="1"/>
+          </p:cNvSpPr>
+          <p:nvPr>
+            <p:ph type="body" sz="half" idx="2"/>
+          </p:nvPr>
+        </p:nvSpPr>
+        <p:spPr>
+          <a:xfrm>
+            <a:off x="913794" y="4295180"/>
+            <a:ext cx="10353763" cy="1501826"/>
+          </a:xfrm>
+        </p:spPr>
+        <p:txBody>
+          <a:bodyPr anchor="ctr"/>
           <a:lstStyle>
-            <a:lvl1pPr marL="0" indent="0" algn="l">
-              <a:buNone/>
-              <a:defRPr sz="2000">
-                <a:solidFill>
-                  <a:schemeClr val="bg2">
-                    <a:lumMod val="75000"/>
-                  </a:schemeClr>
-                </a:solidFill>
-              </a:defRPr>
+            <a:lvl1pPr marL="0" indent="0" algn="ctr">
+              <a:buNone/>
+              <a:defRPr sz="1600"/>
             </a:lvl1pPr>
             <a:lvl2pPr marL="457200" indent="0">
               <a:buNone/>
-              <a:defRPr sz="1800">
-                <a:solidFill>
-                  <a:schemeClr val="tx1">
-                    <a:tint val="75000"/>
-                  </a:schemeClr>
-                </a:solidFill>
-              </a:defRPr>
+              <a:defRPr sz="1400"/>
             </a:lvl2pPr>
             <a:lvl3pPr marL="914400" indent="0">
               <a:buNone/>
-              <a:defRPr sz="1600">
-                <a:solidFill>
-                  <a:schemeClr val="tx1">
-                    <a:tint val="75000"/>
-                  </a:schemeClr>
-                </a:solidFill>
-              </a:defRPr>
+              <a:defRPr sz="1200"/>
             </a:lvl3pPr>
             <a:lvl4pPr marL="1371600" indent="0">
               <a:buNone/>
-              <a:defRPr sz="1400">
-                <a:solidFill>
-                  <a:schemeClr val="tx1">
-                    <a:tint val="75000"/>
-                  </a:schemeClr>
-                </a:solidFill>
-              </a:defRPr>
+              <a:defRPr sz="1000"/>
             </a:lvl4pPr>
             <a:lvl5pPr marL="1828800" indent="0">
               <a:buNone/>
-              <a:defRPr sz="1400">
-                <a:solidFill>
-                  <a:schemeClr val="tx1">
-                    <a:tint val="75000"/>
-                  </a:schemeClr>
-                </a:solidFill>
-              </a:defRPr>
+              <a:defRPr sz="1000"/>
             </a:lvl5pPr>
             <a:lvl6pPr marL="2286000" indent="0">
               <a:buNone/>
-              <a:defRPr sz="1400">
-                <a:solidFill>
-                  <a:schemeClr val="tx1">
-                    <a:tint val="75000"/>
-                  </a:schemeClr>
-                </a:solidFill>
-              </a:defRPr>
+              <a:defRPr sz="1000"/>
             </a:lvl6pPr>
             <a:lvl7pPr marL="2743200" indent="0">
               <a:buNone/>
-              <a:defRPr sz="1400">
-                <a:solidFill>
-                  <a:schemeClr val="tx1">
-                    <a:tint val="75000"/>
-                  </a:schemeClr>
-                </a:solidFill>
-              </a:defRPr>
+              <a:defRPr sz="1000"/>
             </a:lvl7pPr>
             <a:lvl8pPr marL="3200400" indent="0">
               <a:buNone/>
-              <a:defRPr sz="1400">
-                <a:solidFill>
-                  <a:schemeClr val="tx1">
-                    <a:tint val="75000"/>
-                  </a:schemeClr>
-                </a:solidFill>
-              </a:defRPr>
+              <a:defRPr sz="1000"/>
             </a:lvl8pPr>
             <a:lvl9pPr marL="3657600" indent="0">
               <a:buNone/>
-              <a:defRPr sz="1400">
-                <a:solidFill>
-                  <a:schemeClr val="tx1">
-                    <a:tint val="75000"/>
-                  </a:schemeClr>
-                </a:solidFill>
-              </a:defRPr>
+              <a:defRPr sz="1000"/>
             </a:lvl9pPr>
           </a:lstStyle>
           <a:p>
@@ -982,7 +780,7 @@
       </p:sp>
       <p:sp>
         <p:nvSpPr>
-          <p:cNvPr id="4" name="Date Placeholder 3"/>
+          <p:cNvPr id="5" name="Date Placeholder 4"/>
           <p:cNvSpPr>
             <a:spLocks noGrp="1"/>
           </p:cNvSpPr>
@@ -997,7 +795,7 @@
           <a:p>
             <a:fld id="{970AF8F0-78A3-44E7-9849-1E21B3E48713}" type="datetimeFigureOut">
               <a:rPr lang="hu-HU" smtClean="0"/>
-              <a:t>2022.09.21.</a:t>
+              <a:t>2022.09.22.</a:t>
             </a:fld>
             <a:endParaRPr lang="hu-HU"/>
           </a:p>
@@ -1005,7 +803,7 @@
       </p:sp>
       <p:sp>
         <p:nvSpPr>
-          <p:cNvPr id="5" name="Footer Placeholder 4"/>
+          <p:cNvPr id="6" name="Footer Placeholder 5"/>
           <p:cNvSpPr>
             <a:spLocks noGrp="1"/>
           </p:cNvSpPr>
@@ -1024,7 +822,7 @@
       </p:sp>
       <p:sp>
         <p:nvSpPr>
-          <p:cNvPr id="6" name="Slide Number Placeholder 5"/>
+          <p:cNvPr id="7" name="Slide Number Placeholder 6"/>
           <p:cNvSpPr>
             <a:spLocks noGrp="1"/>
           </p:cNvSpPr>
@@ -1048,7 +846,7 @@
     </p:spTree>
     <p:extLst>
       <p:ext uri="{BB962C8B-B14F-4D97-AF65-F5344CB8AC3E}">
-        <p14:creationId xmlns:p14="http://schemas.microsoft.com/office/powerpoint/2010/main" val="695061956"/>
+        <p14:creationId xmlns:p14="http://schemas.microsoft.com/office/powerpoint/2010/main" val="791839663"/>
       </p:ext>
     </p:extLst>
   </p:cSld>
@@ -1087,8 +885,107 @@
         </p:nvSpPr>
         <p:spPr>
           <a:xfrm>
-            <a:off x="1141411" y="685800"/>
-            <a:ext cx="9144001" cy="2743200"/>
+            <a:off x="1446212" y="609600"/>
+            <a:ext cx="9302752" cy="2992904"/>
+          </a:xfrm>
+        </p:spPr>
+        <p:txBody>
+          <a:bodyPr anchor="ctr"/>
+          <a:lstStyle>
+            <a:lvl1pPr>
+              <a:defRPr sz="3200"/>
+            </a:lvl1pPr>
+          </a:lstStyle>
+          <a:p>
+            <a:r>
+              <a:rPr lang="hu-HU" smtClean="0"/>
+              <a:t>Mintacím szerkesztése</a:t>
+            </a:r>
+            <a:endParaRPr lang="en-US" dirty="0"/>
+          </a:p>
+        </p:txBody>
+      </p:sp>
+      <p:sp>
+        <p:nvSpPr>
+          <p:cNvPr id="12" name="Text Placeholder 3"/>
+          <p:cNvSpPr>
+            <a:spLocks noGrp="1"/>
+          </p:cNvSpPr>
+          <p:nvPr>
+            <p:ph type="body" sz="half" idx="13"/>
+          </p:nvPr>
+        </p:nvSpPr>
+        <p:spPr>
+          <a:xfrm>
+            <a:off x="1720644" y="3610032"/>
+            <a:ext cx="8752299" cy="532749"/>
+          </a:xfrm>
+        </p:spPr>
+        <p:txBody>
+          <a:bodyPr anchor="t">
+            <a:normAutofit/>
+          </a:bodyPr>
+          <a:lstStyle>
+            <a:lvl1pPr marL="0" indent="0" algn="r">
+              <a:buNone/>
+              <a:defRPr sz="1400"/>
+            </a:lvl1pPr>
+            <a:lvl2pPr marL="457200" indent="0">
+              <a:buNone/>
+              <a:defRPr sz="1400"/>
+            </a:lvl2pPr>
+            <a:lvl3pPr marL="914400" indent="0">
+              <a:buNone/>
+              <a:defRPr sz="1200"/>
+            </a:lvl3pPr>
+            <a:lvl4pPr marL="1371600" indent="0">
+              <a:buNone/>
+              <a:defRPr sz="1000"/>
+            </a:lvl4pPr>
+            <a:lvl5pPr marL="1828800" indent="0">
+              <a:buNone/>
+              <a:defRPr sz="1000"/>
+            </a:lvl5pPr>
+            <a:lvl6pPr marL="2286000" indent="0">
+              <a:buNone/>
+              <a:defRPr sz="1000"/>
+            </a:lvl6pPr>
+            <a:lvl7pPr marL="2743200" indent="0">
+              <a:buNone/>
+              <a:defRPr sz="1000"/>
+            </a:lvl7pPr>
+            <a:lvl8pPr marL="3200400" indent="0">
+              <a:buNone/>
+              <a:defRPr sz="1000"/>
+            </a:lvl8pPr>
+            <a:lvl9pPr marL="3657600" indent="0">
+              <a:buNone/>
+              <a:defRPr sz="1000"/>
+            </a:lvl9pPr>
+          </a:lstStyle>
+          <a:p>
+            <a:pPr lvl="0"/>
+            <a:r>
+              <a:rPr lang="hu-HU" smtClean="0"/>
+              <a:t>Mintaszöveg szerkesztése</a:t>
+            </a:r>
+          </a:p>
+        </p:txBody>
+      </p:sp>
+      <p:sp>
+        <p:nvSpPr>
+          <p:cNvPr id="4" name="Text Placeholder 3"/>
+          <p:cNvSpPr>
+            <a:spLocks noGrp="1"/>
+          </p:cNvSpPr>
+          <p:nvPr>
+            <p:ph type="body" sz="half" idx="2"/>
+          </p:nvPr>
+        </p:nvSpPr>
+        <p:spPr>
+          <a:xfrm>
+            <a:off x="913794" y="4304353"/>
+            <a:ext cx="10353763" cy="1489496"/>
           </a:xfrm>
         </p:spPr>
         <p:txBody>
@@ -1096,185 +993,215 @@
             <a:normAutofit/>
           </a:bodyPr>
           <a:lstStyle>
-            <a:lvl1pPr algn="l">
+            <a:lvl1pPr marL="0" indent="0" algn="ctr">
+              <a:buNone/>
+              <a:defRPr sz="1600"/>
+            </a:lvl1pPr>
+            <a:lvl2pPr marL="457200" indent="0">
+              <a:buNone/>
+              <a:defRPr sz="1400"/>
+            </a:lvl2pPr>
+            <a:lvl3pPr marL="914400" indent="0">
+              <a:buNone/>
+              <a:defRPr sz="1200"/>
+            </a:lvl3pPr>
+            <a:lvl4pPr marL="1371600" indent="0">
+              <a:buNone/>
+              <a:defRPr sz="1000"/>
+            </a:lvl4pPr>
+            <a:lvl5pPr marL="1828800" indent="0">
+              <a:buNone/>
+              <a:defRPr sz="1000"/>
+            </a:lvl5pPr>
+            <a:lvl6pPr marL="2286000" indent="0">
+              <a:buNone/>
+              <a:defRPr sz="1000"/>
+            </a:lvl6pPr>
+            <a:lvl7pPr marL="2743200" indent="0">
+              <a:buNone/>
+              <a:defRPr sz="1000"/>
+            </a:lvl7pPr>
+            <a:lvl8pPr marL="3200400" indent="0">
+              <a:buNone/>
+              <a:defRPr sz="1000"/>
+            </a:lvl8pPr>
+            <a:lvl9pPr marL="3657600" indent="0">
+              <a:buNone/>
+              <a:defRPr sz="1000"/>
+            </a:lvl9pPr>
+          </a:lstStyle>
+          <a:p>
+            <a:pPr lvl="0"/>
+            <a:r>
+              <a:rPr lang="hu-HU" smtClean="0"/>
+              <a:t>Mintaszöveg szerkesztése</a:t>
+            </a:r>
+          </a:p>
+        </p:txBody>
+      </p:sp>
+      <p:sp>
+        <p:nvSpPr>
+          <p:cNvPr id="5" name="Date Placeholder 4"/>
+          <p:cNvSpPr>
+            <a:spLocks noGrp="1"/>
+          </p:cNvSpPr>
+          <p:nvPr>
+            <p:ph type="dt" sz="half" idx="10"/>
+          </p:nvPr>
+        </p:nvSpPr>
+        <p:spPr/>
+        <p:txBody>
+          <a:bodyPr/>
+          <a:lstStyle/>
+          <a:p>
+            <a:fld id="{970AF8F0-78A3-44E7-9849-1E21B3E48713}" type="datetimeFigureOut">
+              <a:rPr lang="hu-HU" smtClean="0"/>
+              <a:t>2022.09.22.</a:t>
+            </a:fld>
+            <a:endParaRPr lang="hu-HU"/>
+          </a:p>
+        </p:txBody>
+      </p:sp>
+      <p:sp>
+        <p:nvSpPr>
+          <p:cNvPr id="6" name="Footer Placeholder 5"/>
+          <p:cNvSpPr>
+            <a:spLocks noGrp="1"/>
+          </p:cNvSpPr>
+          <p:nvPr>
+            <p:ph type="ftr" sz="quarter" idx="11"/>
+          </p:nvPr>
+        </p:nvSpPr>
+        <p:spPr/>
+        <p:txBody>
+          <a:bodyPr/>
+          <a:lstStyle/>
+          <a:p>
+            <a:endParaRPr lang="hu-HU"/>
+          </a:p>
+        </p:txBody>
+      </p:sp>
+      <p:sp>
+        <p:nvSpPr>
+          <p:cNvPr id="7" name="Slide Number Placeholder 6"/>
+          <p:cNvSpPr>
+            <a:spLocks noGrp="1"/>
+          </p:cNvSpPr>
+          <p:nvPr>
+            <p:ph type="sldNum" sz="quarter" idx="12"/>
+          </p:nvPr>
+        </p:nvSpPr>
+        <p:spPr/>
+        <p:txBody>
+          <a:bodyPr/>
+          <a:lstStyle/>
+          <a:p>
+            <a:fld id="{04A668E4-C5E6-4558-ACC1-2B0F9D54A9B5}" type="slidenum">
+              <a:rPr lang="hu-HU" smtClean="0"/>
+              <a:t>‹#›</a:t>
+            </a:fld>
+            <a:endParaRPr lang="hu-HU"/>
+          </a:p>
+        </p:txBody>
+      </p:sp>
+      <p:sp>
+        <p:nvSpPr>
+          <p:cNvPr id="11" name="TextBox 10"/>
+          <p:cNvSpPr txBox="1"/>
+          <p:nvPr/>
+        </p:nvSpPr>
+        <p:spPr>
+          <a:xfrm>
+            <a:off x="990600" y="884796"/>
+            <a:ext cx="609600" cy="584776"/>
+          </a:xfrm>
+          <a:prstGeom prst="rect">
+            <a:avLst/>
+          </a:prstGeom>
+        </p:spPr>
+        <p:txBody>
+          <a:bodyPr vert="horz" lIns="91440" tIns="45720" rIns="91440" bIns="45720" rtlCol="0" anchor="ctr">
+            <a:noAutofit/>
+          </a:bodyPr>
+          <a:lstStyle>
+            <a:lvl1pPr>
+              <a:spcBef>
+                <a:spcPct val="0"/>
+              </a:spcBef>
+              <a:buNone/>
               <a:defRPr sz="3200" b="0" cap="all">
-                <a:solidFill>
-                  <a:schemeClr val="tx1"/>
-                </a:solidFill>
+                <a:ln w="3175" cmpd="sng">
+                  <a:noFill/>
+                </a:ln>
+                <a:effectLst>
+                  <a:glow rad="38100">
+                    <a:schemeClr val="bg1">
+                      <a:lumMod val="65000"/>
+                      <a:lumOff val="35000"/>
+                      <a:alpha val="40000"/>
+                    </a:schemeClr>
+                  </a:glow>
+                  <a:outerShdw blurRad="28575" dist="38100" dir="14040000" algn="tl" rotWithShape="0">
+                    <a:srgbClr val="000000">
+                      <a:alpha val="25000"/>
+                    </a:srgbClr>
+                  </a:outerShdw>
+                </a:effectLst>
               </a:defRPr>
             </a:lvl1pPr>
-          </a:lstStyle>
-          <a:p>
-            <a:r>
-              <a:rPr lang="hu-HU" smtClean="0"/>
-              <a:t>Mintacím szerkesztése</a:t>
-            </a:r>
-            <a:endParaRPr lang="en-US" dirty="0"/>
-          </a:p>
-        </p:txBody>
-      </p:sp>
-      <p:sp>
-        <p:nvSpPr>
-          <p:cNvPr id="10" name="Text Placeholder 9"/>
-          <p:cNvSpPr>
-            <a:spLocks noGrp="1"/>
-          </p:cNvSpPr>
-          <p:nvPr>
-            <p:ph type="body" sz="quarter" idx="13"/>
-          </p:nvPr>
-        </p:nvSpPr>
-        <p:spPr>
-          <a:xfrm>
-            <a:off x="1446212" y="3429000"/>
-            <a:ext cx="8534400" cy="381000"/>
-          </a:xfrm>
-        </p:spPr>
-        <p:txBody>
-          <a:bodyPr anchor="ctr"/>
-          <a:lstStyle>
-            <a:lvl1pPr marL="0" indent="0">
-              <a:buFontTx/>
-              <a:buNone/>
-              <a:defRPr/>
-            </a:lvl1pPr>
-            <a:lvl2pPr marL="457200" indent="0">
-              <a:buFontTx/>
-              <a:buNone/>
-              <a:defRPr/>
-            </a:lvl2pPr>
-            <a:lvl3pPr marL="914400" indent="0">
-              <a:buFontTx/>
-              <a:buNone/>
-              <a:defRPr/>
-            </a:lvl3pPr>
-            <a:lvl4pPr marL="1371600" indent="0">
-              <a:buFontTx/>
-              <a:buNone/>
-              <a:defRPr/>
-            </a:lvl4pPr>
-            <a:lvl5pPr marL="1828800" indent="0">
-              <a:buFontTx/>
-              <a:buNone/>
-              <a:defRPr/>
-            </a:lvl5pPr>
-          </a:lstStyle>
-          <a:p>
-            <a:pPr lvl="0"/>
-            <a:r>
-              <a:rPr lang="hu-HU" smtClean="0"/>
-              <a:t>Mintaszöveg szerkesztése</a:t>
-            </a:r>
-          </a:p>
-        </p:txBody>
-      </p:sp>
-      <p:sp>
-        <p:nvSpPr>
-          <p:cNvPr id="3" name="Text Placeholder 2"/>
-          <p:cNvSpPr>
-            <a:spLocks noGrp="1"/>
-          </p:cNvSpPr>
-          <p:nvPr>
-            <p:ph type="body" idx="1"/>
-          </p:nvPr>
-        </p:nvSpPr>
-        <p:spPr>
-          <a:xfrm>
-            <a:off x="684213" y="4301067"/>
-            <a:ext cx="8534400" cy="1684865"/>
-          </a:xfrm>
-        </p:spPr>
-        <p:txBody>
-          <a:bodyPr anchor="ctr">
-            <a:normAutofit/>
-          </a:bodyPr>
-          <a:lstStyle>
-            <a:lvl1pPr marL="0" indent="0" algn="l">
-              <a:buNone/>
-              <a:defRPr sz="2000">
-                <a:solidFill>
-                  <a:schemeClr val="bg2">
-                    <a:lumMod val="75000"/>
-                  </a:schemeClr>
-                </a:solidFill>
-              </a:defRPr>
-            </a:lvl1pPr>
-            <a:lvl2pPr marL="457200" indent="0">
-              <a:buNone/>
-              <a:defRPr sz="1800">
-                <a:solidFill>
-                  <a:schemeClr val="tx1">
-                    <a:tint val="75000"/>
-                  </a:schemeClr>
+            <a:lvl2pPr>
+              <a:defRPr>
+                <a:solidFill>
+                  <a:schemeClr val="tx2"/>
                 </a:solidFill>
               </a:defRPr>
             </a:lvl2pPr>
-            <a:lvl3pPr marL="914400" indent="0">
-              <a:buNone/>
-              <a:defRPr sz="1600">
-                <a:solidFill>
-                  <a:schemeClr val="tx1">
-                    <a:tint val="75000"/>
-                  </a:schemeClr>
+            <a:lvl3pPr>
+              <a:defRPr>
+                <a:solidFill>
+                  <a:schemeClr val="tx2"/>
                 </a:solidFill>
               </a:defRPr>
             </a:lvl3pPr>
-            <a:lvl4pPr marL="1371600" indent="0">
-              <a:buNone/>
-              <a:defRPr sz="1400">
-                <a:solidFill>
-                  <a:schemeClr val="tx1">
-                    <a:tint val="75000"/>
-                  </a:schemeClr>
+            <a:lvl4pPr>
+              <a:defRPr>
+                <a:solidFill>
+                  <a:schemeClr val="tx2"/>
                 </a:solidFill>
               </a:defRPr>
             </a:lvl4pPr>
-            <a:lvl5pPr marL="1828800" indent="0">
-              <a:buNone/>
-              <a:defRPr sz="1400">
-                <a:solidFill>
-                  <a:schemeClr val="tx1">
-                    <a:tint val="75000"/>
-                  </a:schemeClr>
+            <a:lvl5pPr>
+              <a:defRPr>
+                <a:solidFill>
+                  <a:schemeClr val="tx2"/>
                 </a:solidFill>
               </a:defRPr>
             </a:lvl5pPr>
-            <a:lvl6pPr marL="2286000" indent="0">
-              <a:buNone/>
-              <a:defRPr sz="1400">
-                <a:solidFill>
-                  <a:schemeClr val="tx1">
-                    <a:tint val="75000"/>
-                  </a:schemeClr>
+            <a:lvl6pPr>
+              <a:defRPr>
+                <a:solidFill>
+                  <a:schemeClr val="tx2"/>
                 </a:solidFill>
               </a:defRPr>
             </a:lvl6pPr>
-            <a:lvl7pPr marL="2743200" indent="0">
-              <a:buNone/>
-              <a:defRPr sz="1400">
-                <a:solidFill>
-                  <a:schemeClr val="tx1">
-                    <a:tint val="75000"/>
-                  </a:schemeClr>
+            <a:lvl7pPr>
+              <a:defRPr>
+                <a:solidFill>
+                  <a:schemeClr val="tx2"/>
                 </a:solidFill>
               </a:defRPr>
             </a:lvl7pPr>
-            <a:lvl8pPr marL="3200400" indent="0">
-              <a:buNone/>
-              <a:defRPr sz="1400">
-                <a:solidFill>
-                  <a:schemeClr val="tx1">
-                    <a:tint val="75000"/>
-                  </a:schemeClr>
+            <a:lvl8pPr>
+              <a:defRPr>
+                <a:solidFill>
+                  <a:schemeClr val="tx2"/>
                 </a:solidFill>
               </a:defRPr>
             </a:lvl8pPr>
-            <a:lvl9pPr marL="3657600" indent="0">
-              <a:buNone/>
-              <a:defRPr sz="1400">
-                <a:solidFill>
-                  <a:schemeClr val="tx1">
-                    <a:tint val="75000"/>
-                  </a:schemeClr>
+            <a:lvl9pPr>
+              <a:defRPr>
+                <a:solidFill>
+                  <a:schemeClr val="tx2"/>
                 </a:solidFill>
               </a:defRPr>
             </a:lvl9pPr>
@@ -1282,86 +1209,26 @@
           <a:p>
             <a:pPr lvl="0"/>
             <a:r>
-              <a:rPr lang="hu-HU" smtClean="0"/>
-              <a:t>Mintaszöveg szerkesztése</a:t>
-            </a:r>
-          </a:p>
-        </p:txBody>
-      </p:sp>
-      <p:sp>
-        <p:nvSpPr>
-          <p:cNvPr id="4" name="Date Placeholder 3"/>
-          <p:cNvSpPr>
-            <a:spLocks noGrp="1"/>
-          </p:cNvSpPr>
-          <p:nvPr>
-            <p:ph type="dt" sz="half" idx="10"/>
-          </p:nvPr>
-        </p:nvSpPr>
-        <p:spPr/>
-        <p:txBody>
-          <a:bodyPr/>
-          <a:lstStyle/>
-          <a:p>
-            <a:fld id="{970AF8F0-78A3-44E7-9849-1E21B3E48713}" type="datetimeFigureOut">
-              <a:rPr lang="hu-HU" smtClean="0"/>
-              <a:t>2022.09.21.</a:t>
-            </a:fld>
-            <a:endParaRPr lang="hu-HU"/>
-          </a:p>
-        </p:txBody>
-      </p:sp>
-      <p:sp>
-        <p:nvSpPr>
-          <p:cNvPr id="5" name="Footer Placeholder 4"/>
-          <p:cNvSpPr>
-            <a:spLocks noGrp="1"/>
-          </p:cNvSpPr>
-          <p:nvPr>
-            <p:ph type="ftr" sz="quarter" idx="11"/>
-          </p:nvPr>
-        </p:nvSpPr>
-        <p:spPr/>
-        <p:txBody>
-          <a:bodyPr/>
-          <a:lstStyle/>
-          <a:p>
-            <a:endParaRPr lang="hu-HU"/>
-          </a:p>
-        </p:txBody>
-      </p:sp>
-      <p:sp>
-        <p:nvSpPr>
-          <p:cNvPr id="6" name="Slide Number Placeholder 5"/>
-          <p:cNvSpPr>
-            <a:spLocks noGrp="1"/>
-          </p:cNvSpPr>
-          <p:nvPr>
-            <p:ph type="sldNum" sz="quarter" idx="12"/>
-          </p:nvPr>
-        </p:nvSpPr>
-        <p:spPr/>
-        <p:txBody>
-          <a:bodyPr/>
-          <a:lstStyle/>
-          <a:p>
-            <a:fld id="{04A668E4-C5E6-4558-ACC1-2B0F9D54A9B5}" type="slidenum">
-              <a:rPr lang="hu-HU" smtClean="0"/>
-              <a:t>‹#›</a:t>
-            </a:fld>
-            <a:endParaRPr lang="hu-HU"/>
-          </a:p>
-        </p:txBody>
-      </p:sp>
-      <p:sp>
-        <p:nvSpPr>
-          <p:cNvPr id="14" name="TextBox 13"/>
+              <a:rPr lang="en-US" sz="8000" dirty="0">
+                <a:solidFill>
+                  <a:schemeClr val="tx1"/>
+                </a:solidFill>
+                <a:effectLst/>
+              </a:rPr>
+              <a:t>“</a:t>
+            </a:r>
+          </a:p>
+        </p:txBody>
+      </p:sp>
+      <p:sp>
+        <p:nvSpPr>
+          <p:cNvPr id="13" name="TextBox 12"/>
           <p:cNvSpPr txBox="1"/>
           <p:nvPr/>
         </p:nvSpPr>
         <p:spPr>
           <a:xfrm>
-            <a:off x="531812" y="812222"/>
+            <a:off x="10504716" y="2928258"/>
             <a:ext cx="609600" cy="584776"/>
           </a:xfrm>
           <a:prstGeom prst="rect">
@@ -1372,41 +1239,89 @@
           <a:bodyPr vert="horz" lIns="91440" tIns="45720" rIns="91440" bIns="45720" rtlCol="0" anchor="ctr">
             <a:noAutofit/>
           </a:bodyPr>
-          <a:lstStyle/>
-          <a:p>
-            <a:pPr lvl="0"/>
-            <a:r>
-              <a:rPr lang="en-US" sz="8000" dirty="0">
-                <a:solidFill>
-                  <a:schemeClr val="tx1"/>
-                </a:solidFill>
-                <a:effectLst/>
-              </a:rPr>
-              <a:t>“</a:t>
-            </a:r>
-          </a:p>
-        </p:txBody>
-      </p:sp>
-      <p:sp>
-        <p:nvSpPr>
-          <p:cNvPr id="15" name="TextBox 14"/>
-          <p:cNvSpPr txBox="1"/>
-          <p:nvPr/>
-        </p:nvSpPr>
-        <p:spPr>
-          <a:xfrm>
-            <a:off x="10285412" y="2768601"/>
-            <a:ext cx="609600" cy="584776"/>
-          </a:xfrm>
-          <a:prstGeom prst="rect">
-            <a:avLst/>
-          </a:prstGeom>
-        </p:spPr>
-        <p:txBody>
-          <a:bodyPr vert="horz" lIns="91440" tIns="45720" rIns="91440" bIns="45720" rtlCol="0" anchor="ctr">
-            <a:noAutofit/>
-          </a:bodyPr>
-          <a:lstStyle/>
+          <a:lstStyle>
+            <a:lvl1pPr>
+              <a:spcBef>
+                <a:spcPct val="0"/>
+              </a:spcBef>
+              <a:buNone/>
+              <a:defRPr sz="3200" b="0" cap="all">
+                <a:ln w="3175" cmpd="sng">
+                  <a:noFill/>
+                </a:ln>
+                <a:effectLst>
+                  <a:glow rad="38100">
+                    <a:schemeClr val="bg1">
+                      <a:lumMod val="65000"/>
+                      <a:lumOff val="35000"/>
+                      <a:alpha val="40000"/>
+                    </a:schemeClr>
+                  </a:glow>
+                  <a:outerShdw blurRad="28575" dist="38100" dir="14040000" algn="tl" rotWithShape="0">
+                    <a:srgbClr val="000000">
+                      <a:alpha val="25000"/>
+                    </a:srgbClr>
+                  </a:outerShdw>
+                </a:effectLst>
+              </a:defRPr>
+            </a:lvl1pPr>
+            <a:lvl2pPr>
+              <a:defRPr>
+                <a:solidFill>
+                  <a:schemeClr val="tx2"/>
+                </a:solidFill>
+              </a:defRPr>
+            </a:lvl2pPr>
+            <a:lvl3pPr>
+              <a:defRPr>
+                <a:solidFill>
+                  <a:schemeClr val="tx2"/>
+                </a:solidFill>
+              </a:defRPr>
+            </a:lvl3pPr>
+            <a:lvl4pPr>
+              <a:defRPr>
+                <a:solidFill>
+                  <a:schemeClr val="tx2"/>
+                </a:solidFill>
+              </a:defRPr>
+            </a:lvl4pPr>
+            <a:lvl5pPr>
+              <a:defRPr>
+                <a:solidFill>
+                  <a:schemeClr val="tx2"/>
+                </a:solidFill>
+              </a:defRPr>
+            </a:lvl5pPr>
+            <a:lvl6pPr>
+              <a:defRPr>
+                <a:solidFill>
+                  <a:schemeClr val="tx2"/>
+                </a:solidFill>
+              </a:defRPr>
+            </a:lvl6pPr>
+            <a:lvl7pPr>
+              <a:defRPr>
+                <a:solidFill>
+                  <a:schemeClr val="tx2"/>
+                </a:solidFill>
+              </a:defRPr>
+            </a:lvl7pPr>
+            <a:lvl8pPr>
+              <a:defRPr>
+                <a:solidFill>
+                  <a:schemeClr val="tx2"/>
+                </a:solidFill>
+              </a:defRPr>
+            </a:lvl8pPr>
+            <a:lvl9pPr>
+              <a:defRPr>
+                <a:solidFill>
+                  <a:schemeClr val="tx2"/>
+                </a:solidFill>
+              </a:defRPr>
+            </a:lvl9pPr>
+          </a:lstStyle>
           <a:p>
             <a:pPr lvl="0" algn="r"/>
             <a:r>
@@ -1424,7 +1339,7 @@
     </p:spTree>
     <p:extLst>
       <p:ext uri="{BB962C8B-B14F-4D97-AF65-F5344CB8AC3E}">
-        <p14:creationId xmlns:p14="http://schemas.microsoft.com/office/powerpoint/2010/main" val="1683638117"/>
+        <p14:creationId xmlns:p14="http://schemas.microsoft.com/office/powerpoint/2010/main" val="1936454677"/>
       </p:ext>
     </p:extLst>
   </p:cSld>
@@ -1463,17 +1378,15 @@
         </p:nvSpPr>
         <p:spPr>
           <a:xfrm>
-            <a:off x="684212" y="3429000"/>
-            <a:ext cx="8534400" cy="1697400"/>
-          </a:xfrm>
-        </p:spPr>
-        <p:txBody>
-          <a:bodyPr anchor="b">
-            <a:normAutofit/>
-          </a:bodyPr>
+            <a:off x="913794" y="2126942"/>
+            <a:ext cx="10353763" cy="2511835"/>
+          </a:xfrm>
+        </p:spPr>
+        <p:txBody>
+          <a:bodyPr anchor="b"/>
           <a:lstStyle>
-            <a:lvl1pPr algn="l">
-              <a:defRPr sz="3200" b="0" cap="all"/>
+            <a:lvl1pPr>
+              <a:defRPr sz="3200"/>
             </a:lvl1pPr>
           </a:lstStyle>
           <a:p>
@@ -1487,114 +1400,58 @@
       </p:sp>
       <p:sp>
         <p:nvSpPr>
-          <p:cNvPr id="3" name="Text Placeholder 2"/>
-          <p:cNvSpPr>
-            <a:spLocks noGrp="1"/>
-          </p:cNvSpPr>
-          <p:nvPr>
-            <p:ph type="body" idx="1"/>
-          </p:nvPr>
-        </p:nvSpPr>
-        <p:spPr>
-          <a:xfrm>
-            <a:off x="684211" y="5132981"/>
-            <a:ext cx="8535990" cy="860400"/>
-          </a:xfrm>
-        </p:spPr>
-        <p:txBody>
-          <a:bodyPr anchor="t">
-            <a:normAutofit/>
-          </a:bodyPr>
+          <p:cNvPr id="4" name="Text Placeholder 3"/>
+          <p:cNvSpPr>
+            <a:spLocks noGrp="1"/>
+          </p:cNvSpPr>
+          <p:nvPr>
+            <p:ph type="body" sz="half" idx="2"/>
+          </p:nvPr>
+        </p:nvSpPr>
+        <p:spPr>
+          <a:xfrm>
+            <a:off x="913784" y="4650556"/>
+            <a:ext cx="10352199" cy="1140644"/>
+          </a:xfrm>
+        </p:spPr>
+        <p:txBody>
+          <a:bodyPr anchor="t"/>
           <a:lstStyle>
-            <a:lvl1pPr marL="0" indent="0" algn="l">
-              <a:buNone/>
-              <a:defRPr sz="2000">
-                <a:solidFill>
-                  <a:schemeClr val="bg2">
-                    <a:lumMod val="75000"/>
-                  </a:schemeClr>
-                </a:solidFill>
-              </a:defRPr>
+            <a:lvl1pPr marL="0" indent="0" algn="ctr">
+              <a:buNone/>
+              <a:defRPr sz="1600"/>
             </a:lvl1pPr>
             <a:lvl2pPr marL="457200" indent="0">
               <a:buNone/>
-              <a:defRPr sz="1800">
-                <a:solidFill>
-                  <a:schemeClr val="tx1">
-                    <a:tint val="75000"/>
-                  </a:schemeClr>
-                </a:solidFill>
-              </a:defRPr>
+              <a:defRPr sz="1400"/>
             </a:lvl2pPr>
             <a:lvl3pPr marL="914400" indent="0">
               <a:buNone/>
-              <a:defRPr sz="1600">
-                <a:solidFill>
-                  <a:schemeClr val="tx1">
-                    <a:tint val="75000"/>
-                  </a:schemeClr>
-                </a:solidFill>
-              </a:defRPr>
+              <a:defRPr sz="1200"/>
             </a:lvl3pPr>
             <a:lvl4pPr marL="1371600" indent="0">
               <a:buNone/>
-              <a:defRPr sz="1400">
-                <a:solidFill>
-                  <a:schemeClr val="tx1">
-                    <a:tint val="75000"/>
-                  </a:schemeClr>
-                </a:solidFill>
-              </a:defRPr>
+              <a:defRPr sz="1000"/>
             </a:lvl4pPr>
             <a:lvl5pPr marL="1828800" indent="0">
               <a:buNone/>
-              <a:defRPr sz="1400">
-                <a:solidFill>
-                  <a:schemeClr val="tx1">
-                    <a:tint val="75000"/>
-                  </a:schemeClr>
-                </a:solidFill>
-              </a:defRPr>
+              <a:defRPr sz="1000"/>
             </a:lvl5pPr>
             <a:lvl6pPr marL="2286000" indent="0">
               <a:buNone/>
-              <a:defRPr sz="1400">
-                <a:solidFill>
-                  <a:schemeClr val="tx1">
-                    <a:tint val="75000"/>
-                  </a:schemeClr>
-                </a:solidFill>
-              </a:defRPr>
+              <a:defRPr sz="1000"/>
             </a:lvl6pPr>
             <a:lvl7pPr marL="2743200" indent="0">
               <a:buNone/>
-              <a:defRPr sz="1400">
-                <a:solidFill>
-                  <a:schemeClr val="tx1">
-                    <a:tint val="75000"/>
-                  </a:schemeClr>
-                </a:solidFill>
-              </a:defRPr>
+              <a:defRPr sz="1000"/>
             </a:lvl7pPr>
             <a:lvl8pPr marL="3200400" indent="0">
               <a:buNone/>
-              <a:defRPr sz="1400">
-                <a:solidFill>
-                  <a:schemeClr val="tx1">
-                    <a:tint val="75000"/>
-                  </a:schemeClr>
-                </a:solidFill>
-              </a:defRPr>
+              <a:defRPr sz="1000"/>
             </a:lvl8pPr>
             <a:lvl9pPr marL="3657600" indent="0">
               <a:buNone/>
-              <a:defRPr sz="1400">
-                <a:solidFill>
-                  <a:schemeClr val="tx1">
-                    <a:tint val="75000"/>
-                  </a:schemeClr>
-                </a:solidFill>
-              </a:defRPr>
+              <a:defRPr sz="1000"/>
             </a:lvl9pPr>
           </a:lstStyle>
           <a:p>
@@ -1608,7 +1465,7 @@
       </p:sp>
       <p:sp>
         <p:nvSpPr>
-          <p:cNvPr id="4" name="Date Placeholder 3"/>
+          <p:cNvPr id="5" name="Date Placeholder 4"/>
           <p:cNvSpPr>
             <a:spLocks noGrp="1"/>
           </p:cNvSpPr>
@@ -1623,7 +1480,7 @@
           <a:p>
             <a:fld id="{970AF8F0-78A3-44E7-9849-1E21B3E48713}" type="datetimeFigureOut">
               <a:rPr lang="hu-HU" smtClean="0"/>
-              <a:t>2022.09.21.</a:t>
+              <a:t>2022.09.22.</a:t>
             </a:fld>
             <a:endParaRPr lang="hu-HU"/>
           </a:p>
@@ -1631,7 +1488,7 @@
       </p:sp>
       <p:sp>
         <p:nvSpPr>
-          <p:cNvPr id="5" name="Footer Placeholder 4"/>
+          <p:cNvPr id="6" name="Footer Placeholder 5"/>
           <p:cNvSpPr>
             <a:spLocks noGrp="1"/>
           </p:cNvSpPr>
@@ -1650,7 +1507,7 @@
       </p:sp>
       <p:sp>
         <p:nvSpPr>
-          <p:cNvPr id="6" name="Slide Number Placeholder 5"/>
+          <p:cNvPr id="7" name="Slide Number Placeholder 6"/>
           <p:cNvSpPr>
             <a:spLocks noGrp="1"/>
           </p:cNvSpPr>
@@ -1674,7 +1531,7 @@
     </p:spTree>
     <p:extLst>
       <p:ext uri="{BB962C8B-B14F-4D97-AF65-F5344CB8AC3E}">
-        <p14:creationId xmlns:p14="http://schemas.microsoft.com/office/powerpoint/2010/main" val="2361493359"/>
+        <p14:creationId xmlns:p14="http://schemas.microsoft.com/office/powerpoint/2010/main" val="110048132"/>
       </p:ext>
     </p:extLst>
   </p:cSld>
@@ -1686,7 +1543,7 @@
 
 <file path=ppt/slideLayouts/slideLayout14.xml><?xml version="1.0" encoding="utf-8"?>
 <p:sldLayout xmlns:a="http://schemas.openxmlformats.org/drawingml/2006/main" xmlns:r="http://schemas.openxmlformats.org/officeDocument/2006/relationships" xmlns:p="http://schemas.openxmlformats.org/presentationml/2006/main" preserve="1">
-  <p:cSld name="Névkártya idézettel">
+  <p:cSld name="3 hasáb">
     <p:spTree>
       <p:nvGrpSpPr>
         <p:cNvPr id="1" name=""/>
@@ -1703,7 +1560,7 @@
       </p:grpSpPr>
       <p:sp>
         <p:nvSpPr>
-          <p:cNvPr id="2" name="Title 1"/>
+          <p:cNvPr id="15" name="Title 1"/>
           <p:cNvSpPr>
             <a:spLocks noGrp="1"/>
           </p:cNvSpPr>
@@ -1713,73 +1570,86 @@
         </p:nvSpPr>
         <p:spPr>
           <a:xfrm>
-            <a:off x="1141413" y="685800"/>
-            <a:ext cx="9144000" cy="2743200"/>
-          </a:xfrm>
-        </p:spPr>
-        <p:txBody>
-          <a:bodyPr anchor="ctr">
-            <a:normAutofit/>
+            <a:off x="913795" y="609600"/>
+            <a:ext cx="10353762" cy="970450"/>
+          </a:xfrm>
+        </p:spPr>
+        <p:txBody>
+          <a:bodyPr/>
+          <a:lstStyle/>
+          <a:p>
+            <a:r>
+              <a:rPr lang="hu-HU" smtClean="0"/>
+              <a:t>Mintacím szerkesztése</a:t>
+            </a:r>
+            <a:endParaRPr lang="en-US" dirty="0"/>
+          </a:p>
+        </p:txBody>
+      </p:sp>
+      <p:sp>
+        <p:nvSpPr>
+          <p:cNvPr id="7" name="Text Placeholder 2"/>
+          <p:cNvSpPr>
+            <a:spLocks noGrp="1"/>
+          </p:cNvSpPr>
+          <p:nvPr>
+            <p:ph type="body" idx="1"/>
+          </p:nvPr>
+        </p:nvSpPr>
+        <p:spPr>
+          <a:xfrm>
+            <a:off x="913795" y="1885950"/>
+            <a:ext cx="3300984" cy="576262"/>
+          </a:xfrm>
+        </p:spPr>
+        <p:txBody>
+          <a:bodyPr anchor="b">
+            <a:noAutofit/>
           </a:bodyPr>
           <a:lstStyle>
-            <a:lvl1pPr algn="l">
-              <a:defRPr sz="3200" b="0" cap="all">
+            <a:lvl1pPr marL="0" indent="0" algn="ctr">
+              <a:buNone/>
+              <a:defRPr sz="2400" b="0">
                 <a:solidFill>
                   <a:schemeClr val="tx1"/>
                 </a:solidFill>
               </a:defRPr>
             </a:lvl1pPr>
+            <a:lvl2pPr marL="457200" indent="0">
+              <a:buNone/>
+              <a:defRPr sz="2000" b="1"/>
+            </a:lvl2pPr>
+            <a:lvl3pPr marL="914400" indent="0">
+              <a:buNone/>
+              <a:defRPr sz="1800" b="1"/>
+            </a:lvl3pPr>
+            <a:lvl4pPr marL="1371600" indent="0">
+              <a:buNone/>
+              <a:defRPr sz="1600" b="1"/>
+            </a:lvl4pPr>
+            <a:lvl5pPr marL="1828800" indent="0">
+              <a:buNone/>
+              <a:defRPr sz="1600" b="1"/>
+            </a:lvl5pPr>
+            <a:lvl6pPr marL="2286000" indent="0">
+              <a:buNone/>
+              <a:defRPr sz="1600" b="1"/>
+            </a:lvl6pPr>
+            <a:lvl7pPr marL="2743200" indent="0">
+              <a:buNone/>
+              <a:defRPr sz="1600" b="1"/>
+            </a:lvl7pPr>
+            <a:lvl8pPr marL="3200400" indent="0">
+              <a:buNone/>
+              <a:defRPr sz="1600" b="1"/>
+            </a:lvl8pPr>
+            <a:lvl9pPr marL="3657600" indent="0">
+              <a:buNone/>
+              <a:defRPr sz="1600" b="1"/>
+            </a:lvl9pPr>
           </a:lstStyle>
           <a:p>
-            <a:r>
-              <a:rPr lang="hu-HU" smtClean="0"/>
-              <a:t>Mintacím szerkesztése</a:t>
-            </a:r>
-            <a:endParaRPr lang="en-US" dirty="0"/>
-          </a:p>
-        </p:txBody>
-      </p:sp>
-      <p:sp>
-        <p:nvSpPr>
-          <p:cNvPr id="10" name="Text Placeholder 9"/>
-          <p:cNvSpPr>
-            <a:spLocks noGrp="1"/>
-          </p:cNvSpPr>
-          <p:nvPr>
-            <p:ph type="body" sz="quarter" idx="13"/>
-          </p:nvPr>
-        </p:nvSpPr>
-        <p:spPr>
-          <a:xfrm>
-            <a:off x="684212" y="3928534"/>
-            <a:ext cx="8534401" cy="1049866"/>
-          </a:xfrm>
-        </p:spPr>
-        <p:txBody>
-          <a:bodyPr vert="horz" lIns="91440" tIns="45720" rIns="91440" bIns="45720" rtlCol="0" anchor="b">
-            <a:normAutofit/>
-          </a:bodyPr>
-          <a:lstStyle>
-            <a:lvl1pPr>
-              <a:buNone/>
-              <a:defRPr lang="en-US" sz="2400" b="0" cap="all" dirty="0">
-                <a:ln w="3175" cmpd="sng">
-                  <a:noFill/>
-                </a:ln>
-                <a:solidFill>
-                  <a:schemeClr val="tx1"/>
-                </a:solidFill>
-                <a:effectLst/>
-              </a:defRPr>
-            </a:lvl1pPr>
-          </a:lstStyle>
-          <a:p>
-            <a:pPr marL="0" lvl="0">
-              <a:spcBef>
-                <a:spcPct val="0"/>
-              </a:spcBef>
-              <a:buNone/>
-            </a:pPr>
+            <a:pPr lvl="0"/>
             <a:r>
               <a:rPr lang="hu-HU" smtClean="0"/>
               <a:t>Mintaszöveg szerkesztése</a:t>
@@ -1789,18 +1659,18 @@
       </p:sp>
       <p:sp>
         <p:nvSpPr>
-          <p:cNvPr id="3" name="Text Placeholder 2"/>
-          <p:cNvSpPr>
-            <a:spLocks noGrp="1"/>
-          </p:cNvSpPr>
-          <p:nvPr>
-            <p:ph type="body" idx="1"/>
-          </p:nvPr>
-        </p:nvSpPr>
-        <p:spPr>
-          <a:xfrm>
-            <a:off x="684211" y="4978400"/>
-            <a:ext cx="8534401" cy="1016000"/>
+          <p:cNvPr id="8" name="Text Placeholder 3"/>
+          <p:cNvSpPr>
+            <a:spLocks noGrp="1"/>
+          </p:cNvSpPr>
+          <p:nvPr>
+            <p:ph type="body" sz="half" idx="15"/>
+          </p:nvPr>
+        </p:nvSpPr>
+        <p:spPr>
+          <a:xfrm>
+            <a:off x="913795" y="2571750"/>
+            <a:ext cx="3300984" cy="3219450"/>
           </a:xfrm>
         </p:spPr>
         <p:txBody>
@@ -1808,95 +1678,112 @@
             <a:normAutofit/>
           </a:bodyPr>
           <a:lstStyle>
-            <a:lvl1pPr marL="0" indent="0" algn="l">
-              <a:buNone/>
-              <a:defRPr sz="1800">
-                <a:solidFill>
-                  <a:schemeClr val="bg2">
-                    <a:lumMod val="75000"/>
-                  </a:schemeClr>
+            <a:lvl1pPr marL="0" indent="0" algn="ctr">
+              <a:buNone/>
+              <a:defRPr sz="1400"/>
+            </a:lvl1pPr>
+            <a:lvl2pPr marL="457200" indent="0">
+              <a:buNone/>
+              <a:defRPr sz="1200"/>
+            </a:lvl2pPr>
+            <a:lvl3pPr marL="914400" indent="0">
+              <a:buNone/>
+              <a:defRPr sz="1000"/>
+            </a:lvl3pPr>
+            <a:lvl4pPr marL="1371600" indent="0">
+              <a:buNone/>
+              <a:defRPr sz="900"/>
+            </a:lvl4pPr>
+            <a:lvl5pPr marL="1828800" indent="0">
+              <a:buNone/>
+              <a:defRPr sz="900"/>
+            </a:lvl5pPr>
+            <a:lvl6pPr marL="2286000" indent="0">
+              <a:buNone/>
+              <a:defRPr sz="900"/>
+            </a:lvl6pPr>
+            <a:lvl7pPr marL="2743200" indent="0">
+              <a:buNone/>
+              <a:defRPr sz="900"/>
+            </a:lvl7pPr>
+            <a:lvl8pPr marL="3200400" indent="0">
+              <a:buNone/>
+              <a:defRPr sz="900"/>
+            </a:lvl8pPr>
+            <a:lvl9pPr marL="3657600" indent="0">
+              <a:buNone/>
+              <a:defRPr sz="900"/>
+            </a:lvl9pPr>
+          </a:lstStyle>
+          <a:p>
+            <a:pPr lvl="0"/>
+            <a:r>
+              <a:rPr lang="hu-HU" smtClean="0"/>
+              <a:t>Mintaszöveg szerkesztése</a:t>
+            </a:r>
+          </a:p>
+        </p:txBody>
+      </p:sp>
+      <p:sp>
+        <p:nvSpPr>
+          <p:cNvPr id="9" name="Text Placeholder 4"/>
+          <p:cNvSpPr>
+            <a:spLocks noGrp="1"/>
+          </p:cNvSpPr>
+          <p:nvPr>
+            <p:ph type="body" sz="quarter" idx="3"/>
+          </p:nvPr>
+        </p:nvSpPr>
+        <p:spPr>
+          <a:xfrm>
+            <a:off x="4446711" y="1885950"/>
+            <a:ext cx="3300984" cy="576262"/>
+          </a:xfrm>
+        </p:spPr>
+        <p:txBody>
+          <a:bodyPr anchor="b">
+            <a:noAutofit/>
+          </a:bodyPr>
+          <a:lstStyle>
+            <a:lvl1pPr marL="0" indent="0" algn="ctr">
+              <a:buNone/>
+              <a:defRPr sz="2400" b="0">
+                <a:solidFill>
+                  <a:schemeClr val="tx1"/>
                 </a:solidFill>
               </a:defRPr>
             </a:lvl1pPr>
             <a:lvl2pPr marL="457200" indent="0">
               <a:buNone/>
-              <a:defRPr sz="1800">
-                <a:solidFill>
-                  <a:schemeClr val="tx1">
-                    <a:tint val="75000"/>
-                  </a:schemeClr>
-                </a:solidFill>
-              </a:defRPr>
+              <a:defRPr sz="2000" b="1"/>
             </a:lvl2pPr>
             <a:lvl3pPr marL="914400" indent="0">
               <a:buNone/>
-              <a:defRPr sz="1600">
-                <a:solidFill>
-                  <a:schemeClr val="tx1">
-                    <a:tint val="75000"/>
-                  </a:schemeClr>
-                </a:solidFill>
-              </a:defRPr>
+              <a:defRPr sz="1800" b="1"/>
             </a:lvl3pPr>
             <a:lvl4pPr marL="1371600" indent="0">
               <a:buNone/>
-              <a:defRPr sz="1400">
-                <a:solidFill>
-                  <a:schemeClr val="tx1">
-                    <a:tint val="75000"/>
-                  </a:schemeClr>
-                </a:solidFill>
-              </a:defRPr>
+              <a:defRPr sz="1600" b="1"/>
             </a:lvl4pPr>
             <a:lvl5pPr marL="1828800" indent="0">
               <a:buNone/>
-              <a:defRPr sz="1400">
-                <a:solidFill>
-                  <a:schemeClr val="tx1">
-                    <a:tint val="75000"/>
-                  </a:schemeClr>
-                </a:solidFill>
-              </a:defRPr>
+              <a:defRPr sz="1600" b="1"/>
             </a:lvl5pPr>
             <a:lvl6pPr marL="2286000" indent="0">
               <a:buNone/>
-              <a:defRPr sz="1400">
-                <a:solidFill>
-                  <a:schemeClr val="tx1">
-                    <a:tint val="75000"/>
-                  </a:schemeClr>
-                </a:solidFill>
-              </a:defRPr>
+              <a:defRPr sz="1600" b="1"/>
             </a:lvl6pPr>
             <a:lvl7pPr marL="2743200" indent="0">
               <a:buNone/>
-              <a:defRPr sz="1400">
-                <a:solidFill>
-                  <a:schemeClr val="tx1">
-                    <a:tint val="75000"/>
-                  </a:schemeClr>
-                </a:solidFill>
-              </a:defRPr>
+              <a:defRPr sz="1600" b="1"/>
             </a:lvl7pPr>
             <a:lvl8pPr marL="3200400" indent="0">
               <a:buNone/>
-              <a:defRPr sz="1400">
-                <a:solidFill>
-                  <a:schemeClr val="tx1">
-                    <a:tint val="75000"/>
-                  </a:schemeClr>
-                </a:solidFill>
-              </a:defRPr>
+              <a:defRPr sz="1600" b="1"/>
             </a:lvl8pPr>
             <a:lvl9pPr marL="3657600" indent="0">
               <a:buNone/>
-              <a:defRPr sz="1400">
-                <a:solidFill>
-                  <a:schemeClr val="tx1">
-                    <a:tint val="75000"/>
-                  </a:schemeClr>
-                </a:solidFill>
-              </a:defRPr>
+              <a:defRPr sz="1600" b="1"/>
             </a:lvl9pPr>
           </a:lstStyle>
           <a:p>
@@ -1910,7 +1797,212 @@
       </p:sp>
       <p:sp>
         <p:nvSpPr>
-          <p:cNvPr id="4" name="Date Placeholder 3"/>
+          <p:cNvPr id="10" name="Text Placeholder 3"/>
+          <p:cNvSpPr>
+            <a:spLocks noGrp="1"/>
+          </p:cNvSpPr>
+          <p:nvPr>
+            <p:ph type="body" sz="half" idx="16"/>
+          </p:nvPr>
+        </p:nvSpPr>
+        <p:spPr>
+          <a:xfrm>
+            <a:off x="4441435" y="2571750"/>
+            <a:ext cx="3300984" cy="3219450"/>
+          </a:xfrm>
+        </p:spPr>
+        <p:txBody>
+          <a:bodyPr anchor="t">
+            <a:normAutofit/>
+          </a:bodyPr>
+          <a:lstStyle>
+            <a:lvl1pPr marL="0" indent="0" algn="ctr">
+              <a:buNone/>
+              <a:defRPr sz="1400"/>
+            </a:lvl1pPr>
+            <a:lvl2pPr marL="457200" indent="0">
+              <a:buNone/>
+              <a:defRPr sz="1200"/>
+            </a:lvl2pPr>
+            <a:lvl3pPr marL="914400" indent="0">
+              <a:buNone/>
+              <a:defRPr sz="1000"/>
+            </a:lvl3pPr>
+            <a:lvl4pPr marL="1371600" indent="0">
+              <a:buNone/>
+              <a:defRPr sz="900"/>
+            </a:lvl4pPr>
+            <a:lvl5pPr marL="1828800" indent="0">
+              <a:buNone/>
+              <a:defRPr sz="900"/>
+            </a:lvl5pPr>
+            <a:lvl6pPr marL="2286000" indent="0">
+              <a:buNone/>
+              <a:defRPr sz="900"/>
+            </a:lvl6pPr>
+            <a:lvl7pPr marL="2743200" indent="0">
+              <a:buNone/>
+              <a:defRPr sz="900"/>
+            </a:lvl7pPr>
+            <a:lvl8pPr marL="3200400" indent="0">
+              <a:buNone/>
+              <a:defRPr sz="900"/>
+            </a:lvl8pPr>
+            <a:lvl9pPr marL="3657600" indent="0">
+              <a:buNone/>
+              <a:defRPr sz="900"/>
+            </a:lvl9pPr>
+          </a:lstStyle>
+          <a:p>
+            <a:pPr lvl="0"/>
+            <a:r>
+              <a:rPr lang="hu-HU" smtClean="0"/>
+              <a:t>Mintaszöveg szerkesztése</a:t>
+            </a:r>
+          </a:p>
+        </p:txBody>
+      </p:sp>
+      <p:sp>
+        <p:nvSpPr>
+          <p:cNvPr id="11" name="Text Placeholder 4"/>
+          <p:cNvSpPr>
+            <a:spLocks noGrp="1"/>
+          </p:cNvSpPr>
+          <p:nvPr>
+            <p:ph type="body" sz="quarter" idx="13"/>
+          </p:nvPr>
+        </p:nvSpPr>
+        <p:spPr>
+          <a:xfrm>
+            <a:off x="7966572" y="1885950"/>
+            <a:ext cx="3300984" cy="576262"/>
+          </a:xfrm>
+        </p:spPr>
+        <p:txBody>
+          <a:bodyPr anchor="b">
+            <a:noAutofit/>
+          </a:bodyPr>
+          <a:lstStyle>
+            <a:lvl1pPr marL="0" indent="0" algn="ctr">
+              <a:buNone/>
+              <a:defRPr sz="2400" b="0">
+                <a:solidFill>
+                  <a:schemeClr val="tx1"/>
+                </a:solidFill>
+              </a:defRPr>
+            </a:lvl1pPr>
+            <a:lvl2pPr marL="457200" indent="0">
+              <a:buNone/>
+              <a:defRPr sz="2000" b="1"/>
+            </a:lvl2pPr>
+            <a:lvl3pPr marL="914400" indent="0">
+              <a:buNone/>
+              <a:defRPr sz="1800" b="1"/>
+            </a:lvl3pPr>
+            <a:lvl4pPr marL="1371600" indent="0">
+              <a:buNone/>
+              <a:defRPr sz="1600" b="1"/>
+            </a:lvl4pPr>
+            <a:lvl5pPr marL="1828800" indent="0">
+              <a:buNone/>
+              <a:defRPr sz="1600" b="1"/>
+            </a:lvl5pPr>
+            <a:lvl6pPr marL="2286000" indent="0">
+              <a:buNone/>
+              <a:defRPr sz="1600" b="1"/>
+            </a:lvl6pPr>
+            <a:lvl7pPr marL="2743200" indent="0">
+              <a:buNone/>
+              <a:defRPr sz="1600" b="1"/>
+            </a:lvl7pPr>
+            <a:lvl8pPr marL="3200400" indent="0">
+              <a:buNone/>
+              <a:defRPr sz="1600" b="1"/>
+            </a:lvl8pPr>
+            <a:lvl9pPr marL="3657600" indent="0">
+              <a:buNone/>
+              <a:defRPr sz="1600" b="1"/>
+            </a:lvl9pPr>
+          </a:lstStyle>
+          <a:p>
+            <a:pPr lvl="0"/>
+            <a:r>
+              <a:rPr lang="hu-HU" smtClean="0"/>
+              <a:t>Mintaszöveg szerkesztése</a:t>
+            </a:r>
+          </a:p>
+        </p:txBody>
+      </p:sp>
+      <p:sp>
+        <p:nvSpPr>
+          <p:cNvPr id="12" name="Text Placeholder 3"/>
+          <p:cNvSpPr>
+            <a:spLocks noGrp="1"/>
+          </p:cNvSpPr>
+          <p:nvPr>
+            <p:ph type="body" sz="half" idx="17"/>
+          </p:nvPr>
+        </p:nvSpPr>
+        <p:spPr>
+          <a:xfrm>
+            <a:off x="7966572" y="2571750"/>
+            <a:ext cx="3300984" cy="3219450"/>
+          </a:xfrm>
+        </p:spPr>
+        <p:txBody>
+          <a:bodyPr anchor="t">
+            <a:normAutofit/>
+          </a:bodyPr>
+          <a:lstStyle>
+            <a:lvl1pPr marL="0" indent="0" algn="ctr">
+              <a:buNone/>
+              <a:defRPr sz="1400"/>
+            </a:lvl1pPr>
+            <a:lvl2pPr marL="457200" indent="0">
+              <a:buNone/>
+              <a:defRPr sz="1200"/>
+            </a:lvl2pPr>
+            <a:lvl3pPr marL="914400" indent="0">
+              <a:buNone/>
+              <a:defRPr sz="1000"/>
+            </a:lvl3pPr>
+            <a:lvl4pPr marL="1371600" indent="0">
+              <a:buNone/>
+              <a:defRPr sz="900"/>
+            </a:lvl4pPr>
+            <a:lvl5pPr marL="1828800" indent="0">
+              <a:buNone/>
+              <a:defRPr sz="900"/>
+            </a:lvl5pPr>
+            <a:lvl6pPr marL="2286000" indent="0">
+              <a:buNone/>
+              <a:defRPr sz="900"/>
+            </a:lvl6pPr>
+            <a:lvl7pPr marL="2743200" indent="0">
+              <a:buNone/>
+              <a:defRPr sz="900"/>
+            </a:lvl7pPr>
+            <a:lvl8pPr marL="3200400" indent="0">
+              <a:buNone/>
+              <a:defRPr sz="900"/>
+            </a:lvl8pPr>
+            <a:lvl9pPr marL="3657600" indent="0">
+              <a:buNone/>
+              <a:defRPr sz="900"/>
+            </a:lvl9pPr>
+          </a:lstStyle>
+          <a:p>
+            <a:pPr lvl="0"/>
+            <a:r>
+              <a:rPr lang="hu-HU" smtClean="0"/>
+              <a:t>Mintaszöveg szerkesztése</a:t>
+            </a:r>
+          </a:p>
+        </p:txBody>
+      </p:sp>
+      <p:sp>
+        <p:nvSpPr>
+          <p:cNvPr id="3" name="Date Placeholder 2"/>
           <p:cNvSpPr>
             <a:spLocks noGrp="1"/>
           </p:cNvSpPr>
@@ -1925,7 +2017,7 @@
           <a:p>
             <a:fld id="{970AF8F0-78A3-44E7-9849-1E21B3E48713}" type="datetimeFigureOut">
               <a:rPr lang="hu-HU" smtClean="0"/>
-              <a:t>2022.09.21.</a:t>
+              <a:t>2022.09.22.</a:t>
             </a:fld>
             <a:endParaRPr lang="hu-HU"/>
           </a:p>
@@ -1933,7 +2025,7 @@
       </p:sp>
       <p:sp>
         <p:nvSpPr>
-          <p:cNvPr id="5" name="Footer Placeholder 4"/>
+          <p:cNvPr id="4" name="Footer Placeholder 3"/>
           <p:cNvSpPr>
             <a:spLocks noGrp="1"/>
           </p:cNvSpPr>
@@ -1952,7 +2044,7 @@
       </p:sp>
       <p:sp>
         <p:nvSpPr>
-          <p:cNvPr id="6" name="Slide Number Placeholder 5"/>
+          <p:cNvPr id="5" name="Slide Number Placeholder 4"/>
           <p:cNvSpPr>
             <a:spLocks noGrp="1"/>
           </p:cNvSpPr>
@@ -1973,78 +2065,10 @@
           </a:p>
         </p:txBody>
       </p:sp>
-      <p:sp>
-        <p:nvSpPr>
-          <p:cNvPr id="11" name="TextBox 10"/>
-          <p:cNvSpPr txBox="1"/>
-          <p:nvPr/>
-        </p:nvSpPr>
-        <p:spPr>
-          <a:xfrm>
-            <a:off x="531812" y="812222"/>
-            <a:ext cx="609600" cy="584776"/>
-          </a:xfrm>
-          <a:prstGeom prst="rect">
-            <a:avLst/>
-          </a:prstGeom>
-        </p:spPr>
-        <p:txBody>
-          <a:bodyPr vert="horz" lIns="91440" tIns="45720" rIns="91440" bIns="45720" rtlCol="0" anchor="ctr">
-            <a:noAutofit/>
-          </a:bodyPr>
-          <a:lstStyle/>
-          <a:p>
-            <a:pPr lvl="0"/>
-            <a:r>
-              <a:rPr lang="en-US" sz="8000" dirty="0">
-                <a:solidFill>
-                  <a:schemeClr val="tx1"/>
-                </a:solidFill>
-                <a:effectLst/>
-              </a:rPr>
-              <a:t>“</a:t>
-            </a:r>
-          </a:p>
-        </p:txBody>
-      </p:sp>
-      <p:sp>
-        <p:nvSpPr>
-          <p:cNvPr id="12" name="TextBox 11"/>
-          <p:cNvSpPr txBox="1"/>
-          <p:nvPr/>
-        </p:nvSpPr>
-        <p:spPr>
-          <a:xfrm>
-            <a:off x="10285412" y="2768601"/>
-            <a:ext cx="609600" cy="584776"/>
-          </a:xfrm>
-          <a:prstGeom prst="rect">
-            <a:avLst/>
-          </a:prstGeom>
-        </p:spPr>
-        <p:txBody>
-          <a:bodyPr vert="horz" lIns="91440" tIns="45720" rIns="91440" bIns="45720" rtlCol="0" anchor="ctr">
-            <a:noAutofit/>
-          </a:bodyPr>
-          <a:lstStyle/>
-          <a:p>
-            <a:pPr lvl="0" algn="r"/>
-            <a:r>
-              <a:rPr lang="en-US" sz="8000" dirty="0">
-                <a:solidFill>
-                  <a:schemeClr val="tx1"/>
-                </a:solidFill>
-                <a:effectLst/>
-              </a:rPr>
-              <a:t>”</a:t>
-            </a:r>
-          </a:p>
-        </p:txBody>
-      </p:sp>
     </p:spTree>
     <p:extLst>
       <p:ext uri="{BB962C8B-B14F-4D97-AF65-F5344CB8AC3E}">
-        <p14:creationId xmlns:p14="http://schemas.microsoft.com/office/powerpoint/2010/main" val="2011596968"/>
+        <p14:creationId xmlns:p14="http://schemas.microsoft.com/office/powerpoint/2010/main" val="1943604732"/>
       </p:ext>
     </p:extLst>
   </p:cSld>
@@ -2056,7 +2080,7 @@
 
 <file path=ppt/slideLayouts/slideLayout15.xml><?xml version="1.0" encoding="utf-8"?>
 <p:sldLayout xmlns:a="http://schemas.openxmlformats.org/drawingml/2006/main" xmlns:r="http://schemas.openxmlformats.org/officeDocument/2006/relationships" xmlns:p="http://schemas.openxmlformats.org/presentationml/2006/main" preserve="1">
-  <p:cSld name="Igaz vagy hamis">
+  <p:cSld name="3 képhasáb">
     <p:spTree>
       <p:nvGrpSpPr>
         <p:cNvPr id="1" name=""/>
@@ -2071,9 +2095,99 @@
           <a:chExt cx="0" cy="0"/>
         </a:xfrm>
       </p:grpSpPr>
-      <p:sp>
-        <p:nvSpPr>
-          <p:cNvPr id="2" name="Title 1"/>
+      <p:pic>
+        <p:nvPicPr>
+          <p:cNvPr id="2" name="Picture 1" descr="Slate-V2-HD-3colPhotoInset.png"/>
+          <p:cNvPicPr>
+            <a:picLocks noChangeAspect="1"/>
+          </p:cNvPicPr>
+          <p:nvPr/>
+        </p:nvPicPr>
+        <p:blipFill>
+          <a:blip r:embed="rId2">
+            <a:extLst>
+              <a:ext uri="{28A0092B-C50C-407E-A947-70E740481C1C}">
+                <a14:useLocalDpi xmlns:a14="http://schemas.microsoft.com/office/drawing/2010/main" val="0"/>
+              </a:ext>
+            </a:extLst>
+          </a:blip>
+          <a:stretch>
+            <a:fillRect/>
+          </a:stretch>
+        </p:blipFill>
+        <p:spPr>
+          <a:xfrm>
+            <a:off x="897962" y="1818214"/>
+            <a:ext cx="3339972" cy="1847851"/>
+          </a:xfrm>
+          <a:prstGeom prst="rect">
+            <a:avLst/>
+          </a:prstGeom>
+        </p:spPr>
+      </p:pic>
+      <p:pic>
+        <p:nvPicPr>
+          <p:cNvPr id="36" name="Picture 35" descr="Slate-V2-HD-3colPhotoInset.png"/>
+          <p:cNvPicPr>
+            <a:picLocks noChangeAspect="1"/>
+          </p:cNvPicPr>
+          <p:nvPr/>
+        </p:nvPicPr>
+        <p:blipFill>
+          <a:blip r:embed="rId2">
+            <a:extLst>
+              <a:ext uri="{28A0092B-C50C-407E-A947-70E740481C1C}">
+                <a14:useLocalDpi xmlns:a14="http://schemas.microsoft.com/office/drawing/2010/main" val="0"/>
+              </a:ext>
+            </a:extLst>
+          </a:blip>
+          <a:stretch>
+            <a:fillRect/>
+          </a:stretch>
+        </p:blipFill>
+        <p:spPr>
+          <a:xfrm>
+            <a:off x="4403800" y="1818214"/>
+            <a:ext cx="3339972" cy="1847851"/>
+          </a:xfrm>
+          <a:prstGeom prst="rect">
+            <a:avLst/>
+          </a:prstGeom>
+        </p:spPr>
+      </p:pic>
+      <p:pic>
+        <p:nvPicPr>
+          <p:cNvPr id="37" name="Picture 36" descr="Slate-V2-HD-3colPhotoInset.png"/>
+          <p:cNvPicPr>
+            <a:picLocks noChangeAspect="1"/>
+          </p:cNvPicPr>
+          <p:nvPr/>
+        </p:nvPicPr>
+        <p:blipFill>
+          <a:blip r:embed="rId2">
+            <a:extLst>
+              <a:ext uri="{28A0092B-C50C-407E-A947-70E740481C1C}">
+                <a14:useLocalDpi xmlns:a14="http://schemas.microsoft.com/office/drawing/2010/main" val="0"/>
+              </a:ext>
+            </a:extLst>
+          </a:blip>
+          <a:stretch>
+            <a:fillRect/>
+          </a:stretch>
+        </p:blipFill>
+        <p:spPr>
+          <a:xfrm>
+            <a:off x="7936051" y="1818214"/>
+            <a:ext cx="3339972" cy="1847851"/>
+          </a:xfrm>
+          <a:prstGeom prst="rect">
+            <a:avLst/>
+          </a:prstGeom>
+        </p:spPr>
+      </p:pic>
+      <p:sp>
+        <p:nvSpPr>
+          <p:cNvPr id="30" name="Title 1"/>
           <p:cNvSpPr>
             <a:spLocks noGrp="1"/>
           </p:cNvSpPr>
@@ -2083,70 +2197,86 @@
         </p:nvSpPr>
         <p:spPr>
           <a:xfrm>
-            <a:off x="684213" y="685800"/>
-            <a:ext cx="10058400" cy="2743200"/>
-          </a:xfrm>
-        </p:spPr>
-        <p:txBody>
-          <a:bodyPr vert="horz" lIns="91440" tIns="45720" rIns="91440" bIns="45720" rtlCol="0" anchor="ctr">
-            <a:normAutofit/>
+            <a:off x="913794" y="609600"/>
+            <a:ext cx="10353763" cy="970450"/>
+          </a:xfrm>
+        </p:spPr>
+        <p:txBody>
+          <a:bodyPr/>
+          <a:lstStyle/>
+          <a:p>
+            <a:r>
+              <a:rPr lang="hu-HU" smtClean="0"/>
+              <a:t>Mintacím szerkesztése</a:t>
+            </a:r>
+            <a:endParaRPr lang="en-US" dirty="0"/>
+          </a:p>
+        </p:txBody>
+      </p:sp>
+      <p:sp>
+        <p:nvSpPr>
+          <p:cNvPr id="19" name="Text Placeholder 2"/>
+          <p:cNvSpPr>
+            <a:spLocks noGrp="1"/>
+          </p:cNvSpPr>
+          <p:nvPr>
+            <p:ph type="body" idx="1"/>
+          </p:nvPr>
+        </p:nvSpPr>
+        <p:spPr>
+          <a:xfrm>
+            <a:off x="913795" y="3904106"/>
+            <a:ext cx="3300984" cy="576262"/>
+          </a:xfrm>
+        </p:spPr>
+        <p:txBody>
+          <a:bodyPr anchor="b">
+            <a:noAutofit/>
           </a:bodyPr>
           <a:lstStyle>
-            <a:lvl1pPr>
-              <a:defRPr lang="en-US" b="0" dirty="0"/>
-            </a:lvl1pPr>
-          </a:lstStyle>
-          <a:p>
-            <a:pPr marL="0" lvl="0"/>
-            <a:r>
-              <a:rPr lang="hu-HU" smtClean="0"/>
-              <a:t>Mintacím szerkesztése</a:t>
-            </a:r>
-            <a:endParaRPr lang="en-US" dirty="0"/>
-          </a:p>
-        </p:txBody>
-      </p:sp>
-      <p:sp>
-        <p:nvSpPr>
-          <p:cNvPr id="10" name="Text Placeholder 9"/>
-          <p:cNvSpPr>
-            <a:spLocks noGrp="1"/>
-          </p:cNvSpPr>
-          <p:nvPr>
-            <p:ph type="body" sz="quarter" idx="13"/>
-          </p:nvPr>
-        </p:nvSpPr>
-        <p:spPr>
-          <a:xfrm>
-            <a:off x="684212" y="3928534"/>
-            <a:ext cx="8534400" cy="838200"/>
-          </a:xfrm>
-        </p:spPr>
-        <p:txBody>
-          <a:bodyPr vert="horz" lIns="91440" tIns="45720" rIns="91440" bIns="45720" rtlCol="0" anchor="b">
-            <a:normAutofit/>
-          </a:bodyPr>
-          <a:lstStyle>
-            <a:lvl1pPr>
-              <a:buNone/>
-              <a:defRPr lang="en-US" sz="2400" b="0" cap="all" dirty="0">
-                <a:ln w="3175" cmpd="sng">
-                  <a:noFill/>
-                </a:ln>
+            <a:lvl1pPr marL="0" indent="0" algn="ctr">
+              <a:buNone/>
+              <a:defRPr sz="2000" b="0">
                 <a:solidFill>
                   <a:schemeClr val="tx1"/>
                 </a:solidFill>
-                <a:effectLst/>
               </a:defRPr>
             </a:lvl1pPr>
+            <a:lvl2pPr marL="457200" indent="0">
+              <a:buNone/>
+              <a:defRPr sz="2000" b="1"/>
+            </a:lvl2pPr>
+            <a:lvl3pPr marL="914400" indent="0">
+              <a:buNone/>
+              <a:defRPr sz="1800" b="1"/>
+            </a:lvl3pPr>
+            <a:lvl4pPr marL="1371600" indent="0">
+              <a:buNone/>
+              <a:defRPr sz="1600" b="1"/>
+            </a:lvl4pPr>
+            <a:lvl5pPr marL="1828800" indent="0">
+              <a:buNone/>
+              <a:defRPr sz="1600" b="1"/>
+            </a:lvl5pPr>
+            <a:lvl6pPr marL="2286000" indent="0">
+              <a:buNone/>
+              <a:defRPr sz="1600" b="1"/>
+            </a:lvl6pPr>
+            <a:lvl7pPr marL="2743200" indent="0">
+              <a:buNone/>
+              <a:defRPr sz="1600" b="1"/>
+            </a:lvl7pPr>
+            <a:lvl8pPr marL="3200400" indent="0">
+              <a:buNone/>
+              <a:defRPr sz="1600" b="1"/>
+            </a:lvl8pPr>
+            <a:lvl9pPr marL="3657600" indent="0">
+              <a:buNone/>
+              <a:defRPr sz="1600" b="1"/>
+            </a:lvl9pPr>
           </a:lstStyle>
           <a:p>
-            <a:pPr marL="0" lvl="0">
-              <a:spcBef>
-                <a:spcPct val="0"/>
-              </a:spcBef>
-              <a:buNone/>
-            </a:pPr>
+            <a:pPr lvl="0"/>
             <a:r>
               <a:rPr lang="hu-HU" smtClean="0"/>
               <a:t>Mintaszöveg szerkesztése</a:t>
@@ -2156,114 +2286,210 @@
       </p:sp>
       <p:sp>
         <p:nvSpPr>
-          <p:cNvPr id="3" name="Text Placeholder 2"/>
-          <p:cNvSpPr>
-            <a:spLocks noGrp="1"/>
-          </p:cNvSpPr>
-          <p:nvPr>
-            <p:ph type="body" idx="1"/>
-          </p:nvPr>
-        </p:nvSpPr>
-        <p:spPr>
-          <a:xfrm>
-            <a:off x="684211" y="4766732"/>
-            <a:ext cx="8534401" cy="1227667"/>
-          </a:xfrm>
+          <p:cNvPr id="20" name="Picture Placeholder 2"/>
+          <p:cNvSpPr>
+            <a:spLocks noGrp="1" noChangeAspect="1"/>
+          </p:cNvSpPr>
+          <p:nvPr>
+            <p:ph type="pic" idx="15"/>
+          </p:nvPr>
+        </p:nvSpPr>
+        <p:spPr>
+          <a:xfrm>
+            <a:off x="1018102" y="1938918"/>
+            <a:ext cx="3092368" cy="1602954"/>
+          </a:xfrm>
+          <a:prstGeom prst="roundRect">
+            <a:avLst>
+              <a:gd name="adj" fmla="val 1858"/>
+            </a:avLst>
+          </a:prstGeom>
+          <a:effectLst>
+            <a:outerShdw blurRad="38100" dist="25400" dir="4440000">
+              <a:srgbClr val="000000">
+                <a:alpha val="36000"/>
+              </a:srgbClr>
+            </a:outerShdw>
+          </a:effectLst>
         </p:spPr>
         <p:txBody>
           <a:bodyPr anchor="t">
             <a:normAutofit/>
           </a:bodyPr>
           <a:lstStyle>
-            <a:lvl1pPr marL="0" indent="0" algn="l">
-              <a:buNone/>
-              <a:defRPr sz="1800">
-                <a:solidFill>
-                  <a:schemeClr val="bg2">
-                    <a:lumMod val="75000"/>
-                  </a:schemeClr>
+            <a:lvl1pPr marL="0" indent="0" algn="ctr">
+              <a:buNone/>
+              <a:defRPr sz="1600"/>
+            </a:lvl1pPr>
+            <a:lvl2pPr marL="457200" indent="0">
+              <a:buNone/>
+              <a:defRPr sz="1600"/>
+            </a:lvl2pPr>
+            <a:lvl3pPr marL="914400" indent="0">
+              <a:buNone/>
+              <a:defRPr sz="1600"/>
+            </a:lvl3pPr>
+            <a:lvl4pPr marL="1371600" indent="0">
+              <a:buNone/>
+              <a:defRPr sz="1600"/>
+            </a:lvl4pPr>
+            <a:lvl5pPr marL="1828800" indent="0">
+              <a:buNone/>
+              <a:defRPr sz="1600"/>
+            </a:lvl5pPr>
+            <a:lvl6pPr marL="2286000" indent="0">
+              <a:buNone/>
+              <a:defRPr sz="1600"/>
+            </a:lvl6pPr>
+            <a:lvl7pPr marL="2743200" indent="0">
+              <a:buNone/>
+              <a:defRPr sz="1600"/>
+            </a:lvl7pPr>
+            <a:lvl8pPr marL="3200400" indent="0">
+              <a:buNone/>
+              <a:defRPr sz="1600"/>
+            </a:lvl8pPr>
+            <a:lvl9pPr marL="3657600" indent="0">
+              <a:buNone/>
+              <a:defRPr sz="1600"/>
+            </a:lvl9pPr>
+          </a:lstStyle>
+          <a:p>
+            <a:r>
+              <a:rPr lang="hu-HU" smtClean="0"/>
+              <a:t>Kép beszúrásához kattintson az ikonra</a:t>
+            </a:r>
+            <a:endParaRPr lang="en-US" dirty="0"/>
+          </a:p>
+        </p:txBody>
+      </p:sp>
+      <p:sp>
+        <p:nvSpPr>
+          <p:cNvPr id="21" name="Text Placeholder 3"/>
+          <p:cNvSpPr>
+            <a:spLocks noGrp="1"/>
+          </p:cNvSpPr>
+          <p:nvPr>
+            <p:ph type="body" sz="half" idx="18"/>
+          </p:nvPr>
+        </p:nvSpPr>
+        <p:spPr>
+          <a:xfrm>
+            <a:off x="913795" y="4480368"/>
+            <a:ext cx="3300984" cy="1310833"/>
+          </a:xfrm>
+        </p:spPr>
+        <p:txBody>
+          <a:bodyPr anchor="t">
+            <a:normAutofit/>
+          </a:bodyPr>
+          <a:lstStyle>
+            <a:lvl1pPr marL="0" indent="0" algn="ctr">
+              <a:buNone/>
+              <a:defRPr sz="1400"/>
+            </a:lvl1pPr>
+            <a:lvl2pPr marL="457200" indent="0">
+              <a:buNone/>
+              <a:defRPr sz="1200"/>
+            </a:lvl2pPr>
+            <a:lvl3pPr marL="914400" indent="0">
+              <a:buNone/>
+              <a:defRPr sz="1000"/>
+            </a:lvl3pPr>
+            <a:lvl4pPr marL="1371600" indent="0">
+              <a:buNone/>
+              <a:defRPr sz="900"/>
+            </a:lvl4pPr>
+            <a:lvl5pPr marL="1828800" indent="0">
+              <a:buNone/>
+              <a:defRPr sz="900"/>
+            </a:lvl5pPr>
+            <a:lvl6pPr marL="2286000" indent="0">
+              <a:buNone/>
+              <a:defRPr sz="900"/>
+            </a:lvl6pPr>
+            <a:lvl7pPr marL="2743200" indent="0">
+              <a:buNone/>
+              <a:defRPr sz="900"/>
+            </a:lvl7pPr>
+            <a:lvl8pPr marL="3200400" indent="0">
+              <a:buNone/>
+              <a:defRPr sz="900"/>
+            </a:lvl8pPr>
+            <a:lvl9pPr marL="3657600" indent="0">
+              <a:buNone/>
+              <a:defRPr sz="900"/>
+            </a:lvl9pPr>
+          </a:lstStyle>
+          <a:p>
+            <a:pPr lvl="0"/>
+            <a:r>
+              <a:rPr lang="hu-HU" smtClean="0"/>
+              <a:t>Mintaszöveg szerkesztése</a:t>
+            </a:r>
+          </a:p>
+        </p:txBody>
+      </p:sp>
+      <p:sp>
+        <p:nvSpPr>
+          <p:cNvPr id="22" name="Text Placeholder 4"/>
+          <p:cNvSpPr>
+            <a:spLocks noGrp="1"/>
+          </p:cNvSpPr>
+          <p:nvPr>
+            <p:ph type="body" sz="quarter" idx="3"/>
+          </p:nvPr>
+        </p:nvSpPr>
+        <p:spPr>
+          <a:xfrm>
+            <a:off x="4442788" y="3904106"/>
+            <a:ext cx="3300984" cy="576262"/>
+          </a:xfrm>
+        </p:spPr>
+        <p:txBody>
+          <a:bodyPr anchor="b">
+            <a:noAutofit/>
+          </a:bodyPr>
+          <a:lstStyle>
+            <a:lvl1pPr marL="0" indent="0" algn="ctr">
+              <a:buNone/>
+              <a:defRPr sz="2000" b="0">
+                <a:solidFill>
+                  <a:schemeClr val="tx1"/>
                 </a:solidFill>
               </a:defRPr>
             </a:lvl1pPr>
             <a:lvl2pPr marL="457200" indent="0">
               <a:buNone/>
-              <a:defRPr sz="1800">
-                <a:solidFill>
-                  <a:schemeClr val="tx1">
-                    <a:tint val="75000"/>
-                  </a:schemeClr>
-                </a:solidFill>
-              </a:defRPr>
+              <a:defRPr sz="2000" b="1"/>
             </a:lvl2pPr>
             <a:lvl3pPr marL="914400" indent="0">
               <a:buNone/>
-              <a:defRPr sz="1600">
-                <a:solidFill>
-                  <a:schemeClr val="tx1">
-                    <a:tint val="75000"/>
-                  </a:schemeClr>
-                </a:solidFill>
-              </a:defRPr>
+              <a:defRPr sz="1800" b="1"/>
             </a:lvl3pPr>
             <a:lvl4pPr marL="1371600" indent="0">
               <a:buNone/>
-              <a:defRPr sz="1400">
-                <a:solidFill>
-                  <a:schemeClr val="tx1">
-                    <a:tint val="75000"/>
-                  </a:schemeClr>
-                </a:solidFill>
-              </a:defRPr>
+              <a:defRPr sz="1600" b="1"/>
             </a:lvl4pPr>
             <a:lvl5pPr marL="1828800" indent="0">
               <a:buNone/>
-              <a:defRPr sz="1400">
-                <a:solidFill>
-                  <a:schemeClr val="tx1">
-                    <a:tint val="75000"/>
-                  </a:schemeClr>
-                </a:solidFill>
-              </a:defRPr>
+              <a:defRPr sz="1600" b="1"/>
             </a:lvl5pPr>
             <a:lvl6pPr marL="2286000" indent="0">
               <a:buNone/>
-              <a:defRPr sz="1400">
-                <a:solidFill>
-                  <a:schemeClr val="tx1">
-                    <a:tint val="75000"/>
-                  </a:schemeClr>
-                </a:solidFill>
-              </a:defRPr>
+              <a:defRPr sz="1600" b="1"/>
             </a:lvl6pPr>
             <a:lvl7pPr marL="2743200" indent="0">
               <a:buNone/>
-              <a:defRPr sz="1400">
-                <a:solidFill>
-                  <a:schemeClr val="tx1">
-                    <a:tint val="75000"/>
-                  </a:schemeClr>
-                </a:solidFill>
-              </a:defRPr>
+              <a:defRPr sz="1600" b="1"/>
             </a:lvl7pPr>
             <a:lvl8pPr marL="3200400" indent="0">
               <a:buNone/>
-              <a:defRPr sz="1400">
-                <a:solidFill>
-                  <a:schemeClr val="tx1">
-                    <a:tint val="75000"/>
-                  </a:schemeClr>
-                </a:solidFill>
-              </a:defRPr>
+              <a:defRPr sz="1600" b="1"/>
             </a:lvl8pPr>
             <a:lvl9pPr marL="3657600" indent="0">
               <a:buNone/>
-              <a:defRPr sz="1400">
-                <a:solidFill>
-                  <a:schemeClr val="tx1">
-                    <a:tint val="75000"/>
-                  </a:schemeClr>
-                </a:solidFill>
-              </a:defRPr>
+              <a:defRPr sz="1600" b="1"/>
             </a:lvl9pPr>
           </a:lstStyle>
           <a:p>
@@ -2277,7 +2503,370 @@
       </p:sp>
       <p:sp>
         <p:nvSpPr>
-          <p:cNvPr id="4" name="Date Placeholder 3"/>
+          <p:cNvPr id="23" name="Picture Placeholder 2"/>
+          <p:cNvSpPr>
+            <a:spLocks noGrp="1" noChangeAspect="1"/>
+          </p:cNvSpPr>
+          <p:nvPr>
+            <p:ph type="pic" idx="21"/>
+          </p:nvPr>
+        </p:nvSpPr>
+        <p:spPr>
+          <a:xfrm>
+            <a:off x="4545743" y="1939094"/>
+            <a:ext cx="3092368" cy="1608164"/>
+          </a:xfrm>
+          <a:prstGeom prst="roundRect">
+            <a:avLst>
+              <a:gd name="adj" fmla="val 1858"/>
+            </a:avLst>
+          </a:prstGeom>
+          <a:effectLst>
+            <a:outerShdw blurRad="38100" dist="25400" dir="4440000">
+              <a:srgbClr val="000000">
+                <a:alpha val="36000"/>
+              </a:srgbClr>
+            </a:outerShdw>
+          </a:effectLst>
+        </p:spPr>
+        <p:txBody>
+          <a:bodyPr anchor="t">
+            <a:normAutofit/>
+          </a:bodyPr>
+          <a:lstStyle>
+            <a:lvl1pPr marL="0" indent="0" algn="ctr">
+              <a:buNone/>
+              <a:defRPr sz="1600"/>
+            </a:lvl1pPr>
+            <a:lvl2pPr marL="457200" indent="0">
+              <a:buNone/>
+              <a:defRPr sz="1600"/>
+            </a:lvl2pPr>
+            <a:lvl3pPr marL="914400" indent="0">
+              <a:buNone/>
+              <a:defRPr sz="1600"/>
+            </a:lvl3pPr>
+            <a:lvl4pPr marL="1371600" indent="0">
+              <a:buNone/>
+              <a:defRPr sz="1600"/>
+            </a:lvl4pPr>
+            <a:lvl5pPr marL="1828800" indent="0">
+              <a:buNone/>
+              <a:defRPr sz="1600"/>
+            </a:lvl5pPr>
+            <a:lvl6pPr marL="2286000" indent="0">
+              <a:buNone/>
+              <a:defRPr sz="1600"/>
+            </a:lvl6pPr>
+            <a:lvl7pPr marL="2743200" indent="0">
+              <a:buNone/>
+              <a:defRPr sz="1600"/>
+            </a:lvl7pPr>
+            <a:lvl8pPr marL="3200400" indent="0">
+              <a:buNone/>
+              <a:defRPr sz="1600"/>
+            </a:lvl8pPr>
+            <a:lvl9pPr marL="3657600" indent="0">
+              <a:buNone/>
+              <a:defRPr sz="1600"/>
+            </a:lvl9pPr>
+          </a:lstStyle>
+          <a:p>
+            <a:r>
+              <a:rPr lang="hu-HU" smtClean="0"/>
+              <a:t>Kép beszúrásához kattintson az ikonra</a:t>
+            </a:r>
+            <a:endParaRPr lang="en-US" dirty="0"/>
+          </a:p>
+        </p:txBody>
+      </p:sp>
+      <p:sp>
+        <p:nvSpPr>
+          <p:cNvPr id="24" name="Text Placeholder 3"/>
+          <p:cNvSpPr>
+            <a:spLocks noGrp="1"/>
+          </p:cNvSpPr>
+          <p:nvPr>
+            <p:ph type="body" sz="half" idx="19"/>
+          </p:nvPr>
+        </p:nvSpPr>
+        <p:spPr>
+          <a:xfrm>
+            <a:off x="4441435" y="4480367"/>
+            <a:ext cx="3300984" cy="1310833"/>
+          </a:xfrm>
+        </p:spPr>
+        <p:txBody>
+          <a:bodyPr anchor="t">
+            <a:normAutofit/>
+          </a:bodyPr>
+          <a:lstStyle>
+            <a:lvl1pPr marL="0" indent="0" algn="ctr">
+              <a:buNone/>
+              <a:defRPr sz="1400"/>
+            </a:lvl1pPr>
+            <a:lvl2pPr marL="457200" indent="0">
+              <a:buNone/>
+              <a:defRPr sz="1200"/>
+            </a:lvl2pPr>
+            <a:lvl3pPr marL="914400" indent="0">
+              <a:buNone/>
+              <a:defRPr sz="1000"/>
+            </a:lvl3pPr>
+            <a:lvl4pPr marL="1371600" indent="0">
+              <a:buNone/>
+              <a:defRPr sz="900"/>
+            </a:lvl4pPr>
+            <a:lvl5pPr marL="1828800" indent="0">
+              <a:buNone/>
+              <a:defRPr sz="900"/>
+            </a:lvl5pPr>
+            <a:lvl6pPr marL="2286000" indent="0">
+              <a:buNone/>
+              <a:defRPr sz="900"/>
+            </a:lvl6pPr>
+            <a:lvl7pPr marL="2743200" indent="0">
+              <a:buNone/>
+              <a:defRPr sz="900"/>
+            </a:lvl7pPr>
+            <a:lvl8pPr marL="3200400" indent="0">
+              <a:buNone/>
+              <a:defRPr sz="900"/>
+            </a:lvl8pPr>
+            <a:lvl9pPr marL="3657600" indent="0">
+              <a:buNone/>
+              <a:defRPr sz="900"/>
+            </a:lvl9pPr>
+          </a:lstStyle>
+          <a:p>
+            <a:pPr lvl="0"/>
+            <a:r>
+              <a:rPr lang="hu-HU" smtClean="0"/>
+              <a:t>Mintaszöveg szerkesztése</a:t>
+            </a:r>
+          </a:p>
+        </p:txBody>
+      </p:sp>
+      <p:sp>
+        <p:nvSpPr>
+          <p:cNvPr id="25" name="Text Placeholder 4"/>
+          <p:cNvSpPr>
+            <a:spLocks noGrp="1"/>
+          </p:cNvSpPr>
+          <p:nvPr>
+            <p:ph type="body" sz="quarter" idx="13"/>
+          </p:nvPr>
+        </p:nvSpPr>
+        <p:spPr>
+          <a:xfrm>
+            <a:off x="7966697" y="3904106"/>
+            <a:ext cx="3300984" cy="576262"/>
+          </a:xfrm>
+        </p:spPr>
+        <p:txBody>
+          <a:bodyPr anchor="b">
+            <a:noAutofit/>
+          </a:bodyPr>
+          <a:lstStyle>
+            <a:lvl1pPr marL="0" indent="0" algn="ctr">
+              <a:buNone/>
+              <a:defRPr sz="2000" b="0">
+                <a:solidFill>
+                  <a:schemeClr val="tx1"/>
+                </a:solidFill>
+              </a:defRPr>
+            </a:lvl1pPr>
+            <a:lvl2pPr marL="457200" indent="0">
+              <a:buNone/>
+              <a:defRPr sz="2000" b="1"/>
+            </a:lvl2pPr>
+            <a:lvl3pPr marL="914400" indent="0">
+              <a:buNone/>
+              <a:defRPr sz="1800" b="1"/>
+            </a:lvl3pPr>
+            <a:lvl4pPr marL="1371600" indent="0">
+              <a:buNone/>
+              <a:defRPr sz="1600" b="1"/>
+            </a:lvl4pPr>
+            <a:lvl5pPr marL="1828800" indent="0">
+              <a:buNone/>
+              <a:defRPr sz="1600" b="1"/>
+            </a:lvl5pPr>
+            <a:lvl6pPr marL="2286000" indent="0">
+              <a:buNone/>
+              <a:defRPr sz="1600" b="1"/>
+            </a:lvl6pPr>
+            <a:lvl7pPr marL="2743200" indent="0">
+              <a:buNone/>
+              <a:defRPr sz="1600" b="1"/>
+            </a:lvl7pPr>
+            <a:lvl8pPr marL="3200400" indent="0">
+              <a:buNone/>
+              <a:defRPr sz="1600" b="1"/>
+            </a:lvl8pPr>
+            <a:lvl9pPr marL="3657600" indent="0">
+              <a:buNone/>
+              <a:defRPr sz="1600" b="1"/>
+            </a:lvl9pPr>
+          </a:lstStyle>
+          <a:p>
+            <a:pPr lvl="0"/>
+            <a:r>
+              <a:rPr lang="hu-HU" smtClean="0"/>
+              <a:t>Mintaszöveg szerkesztése</a:t>
+            </a:r>
+          </a:p>
+        </p:txBody>
+      </p:sp>
+      <p:sp>
+        <p:nvSpPr>
+          <p:cNvPr id="26" name="Picture Placeholder 2"/>
+          <p:cNvSpPr>
+            <a:spLocks noGrp="1" noChangeAspect="1"/>
+          </p:cNvSpPr>
+          <p:nvPr>
+            <p:ph type="pic" idx="22"/>
+          </p:nvPr>
+        </p:nvSpPr>
+        <p:spPr>
+          <a:xfrm>
+            <a:off x="8075698" y="1934432"/>
+            <a:ext cx="3092368" cy="1607294"/>
+          </a:xfrm>
+          <a:prstGeom prst="roundRect">
+            <a:avLst>
+              <a:gd name="adj" fmla="val 1858"/>
+            </a:avLst>
+          </a:prstGeom>
+          <a:effectLst>
+            <a:outerShdw blurRad="38100" dist="25400" dir="4440000">
+              <a:srgbClr val="000000">
+                <a:alpha val="36000"/>
+              </a:srgbClr>
+            </a:outerShdw>
+          </a:effectLst>
+        </p:spPr>
+        <p:txBody>
+          <a:bodyPr anchor="t">
+            <a:normAutofit/>
+          </a:bodyPr>
+          <a:lstStyle>
+            <a:lvl1pPr marL="0" indent="0" algn="ctr">
+              <a:buNone/>
+              <a:defRPr sz="1600"/>
+            </a:lvl1pPr>
+            <a:lvl2pPr marL="457200" indent="0">
+              <a:buNone/>
+              <a:defRPr sz="1600"/>
+            </a:lvl2pPr>
+            <a:lvl3pPr marL="914400" indent="0">
+              <a:buNone/>
+              <a:defRPr sz="1600"/>
+            </a:lvl3pPr>
+            <a:lvl4pPr marL="1371600" indent="0">
+              <a:buNone/>
+              <a:defRPr sz="1600"/>
+            </a:lvl4pPr>
+            <a:lvl5pPr marL="1828800" indent="0">
+              <a:buNone/>
+              <a:defRPr sz="1600"/>
+            </a:lvl5pPr>
+            <a:lvl6pPr marL="2286000" indent="0">
+              <a:buNone/>
+              <a:defRPr sz="1600"/>
+            </a:lvl6pPr>
+            <a:lvl7pPr marL="2743200" indent="0">
+              <a:buNone/>
+              <a:defRPr sz="1600"/>
+            </a:lvl7pPr>
+            <a:lvl8pPr marL="3200400" indent="0">
+              <a:buNone/>
+              <a:defRPr sz="1600"/>
+            </a:lvl8pPr>
+            <a:lvl9pPr marL="3657600" indent="0">
+              <a:buNone/>
+              <a:defRPr sz="1600"/>
+            </a:lvl9pPr>
+          </a:lstStyle>
+          <a:p>
+            <a:r>
+              <a:rPr lang="hu-HU" smtClean="0"/>
+              <a:t>Kép beszúrásához kattintson az ikonra</a:t>
+            </a:r>
+            <a:endParaRPr lang="en-US" dirty="0"/>
+          </a:p>
+        </p:txBody>
+      </p:sp>
+      <p:sp>
+        <p:nvSpPr>
+          <p:cNvPr id="27" name="Text Placeholder 3"/>
+          <p:cNvSpPr>
+            <a:spLocks noGrp="1"/>
+          </p:cNvSpPr>
+          <p:nvPr>
+            <p:ph type="body" sz="half" idx="20"/>
+          </p:nvPr>
+        </p:nvSpPr>
+        <p:spPr>
+          <a:xfrm>
+            <a:off x="7966572" y="4480365"/>
+            <a:ext cx="3300984" cy="1310835"/>
+          </a:xfrm>
+        </p:spPr>
+        <p:txBody>
+          <a:bodyPr anchor="t">
+            <a:normAutofit/>
+          </a:bodyPr>
+          <a:lstStyle>
+            <a:lvl1pPr marL="0" indent="0" algn="ctr">
+              <a:buNone/>
+              <a:defRPr sz="1400"/>
+            </a:lvl1pPr>
+            <a:lvl2pPr marL="457200" indent="0">
+              <a:buNone/>
+              <a:defRPr sz="1200"/>
+            </a:lvl2pPr>
+            <a:lvl3pPr marL="914400" indent="0">
+              <a:buNone/>
+              <a:defRPr sz="1000"/>
+            </a:lvl3pPr>
+            <a:lvl4pPr marL="1371600" indent="0">
+              <a:buNone/>
+              <a:defRPr sz="900"/>
+            </a:lvl4pPr>
+            <a:lvl5pPr marL="1828800" indent="0">
+              <a:buNone/>
+              <a:defRPr sz="900"/>
+            </a:lvl5pPr>
+            <a:lvl6pPr marL="2286000" indent="0">
+              <a:buNone/>
+              <a:defRPr sz="900"/>
+            </a:lvl6pPr>
+            <a:lvl7pPr marL="2743200" indent="0">
+              <a:buNone/>
+              <a:defRPr sz="900"/>
+            </a:lvl7pPr>
+            <a:lvl8pPr marL="3200400" indent="0">
+              <a:buNone/>
+              <a:defRPr sz="900"/>
+            </a:lvl8pPr>
+            <a:lvl9pPr marL="3657600" indent="0">
+              <a:buNone/>
+              <a:defRPr sz="900"/>
+            </a:lvl9pPr>
+          </a:lstStyle>
+          <a:p>
+            <a:pPr lvl="0"/>
+            <a:r>
+              <a:rPr lang="hu-HU" smtClean="0"/>
+              <a:t>Mintaszöveg szerkesztése</a:t>
+            </a:r>
+          </a:p>
+        </p:txBody>
+      </p:sp>
+      <p:sp>
+        <p:nvSpPr>
+          <p:cNvPr id="3" name="Date Placeholder 2"/>
           <p:cNvSpPr>
             <a:spLocks noGrp="1"/>
           </p:cNvSpPr>
@@ -2292,7 +2881,7 @@
           <a:p>
             <a:fld id="{970AF8F0-78A3-44E7-9849-1E21B3E48713}" type="datetimeFigureOut">
               <a:rPr lang="hu-HU" smtClean="0"/>
-              <a:t>2022.09.21.</a:t>
+              <a:t>2022.09.22.</a:t>
             </a:fld>
             <a:endParaRPr lang="hu-HU"/>
           </a:p>
@@ -2300,7 +2889,7 @@
       </p:sp>
       <p:sp>
         <p:nvSpPr>
-          <p:cNvPr id="5" name="Footer Placeholder 4"/>
+          <p:cNvPr id="4" name="Footer Placeholder 3"/>
           <p:cNvSpPr>
             <a:spLocks noGrp="1"/>
           </p:cNvSpPr>
@@ -2319,7 +2908,7 @@
       </p:sp>
       <p:sp>
         <p:nvSpPr>
-          <p:cNvPr id="6" name="Slide Number Placeholder 5"/>
+          <p:cNvPr id="5" name="Slide Number Placeholder 4"/>
           <p:cNvSpPr>
             <a:spLocks noGrp="1"/>
           </p:cNvSpPr>
@@ -2343,7 +2932,7 @@
     </p:spTree>
     <p:extLst>
       <p:ext uri="{BB962C8B-B14F-4D97-AF65-F5344CB8AC3E}">
-        <p14:creationId xmlns:p14="http://schemas.microsoft.com/office/powerpoint/2010/main" val="3739943791"/>
+        <p14:creationId xmlns:p14="http://schemas.microsoft.com/office/powerpoint/2010/main" val="547200159"/>
       </p:ext>
     </p:extLst>
   </p:cSld>
@@ -2383,11 +2972,7 @@
         <p:spPr/>
         <p:txBody>
           <a:bodyPr/>
-          <a:lstStyle>
-            <a:lvl1pPr algn="l">
-              <a:defRPr/>
-            </a:lvl1pPr>
-          </a:lstStyle>
+          <a:lstStyle/>
           <a:p>
             <a:r>
               <a:rPr lang="hu-HU" smtClean="0"/>
@@ -2466,7 +3051,7 @@
           <a:p>
             <a:fld id="{970AF8F0-78A3-44E7-9849-1E21B3E48713}" type="datetimeFigureOut">
               <a:rPr lang="hu-HU" smtClean="0"/>
-              <a:t>2022.09.21.</a:t>
+              <a:t>2022.09.22.</a:t>
             </a:fld>
             <a:endParaRPr lang="hu-HU"/>
           </a:p>
@@ -2517,7 +3102,7 @@
     </p:spTree>
     <p:extLst>
       <p:ext uri="{BB962C8B-B14F-4D97-AF65-F5344CB8AC3E}">
-        <p14:creationId xmlns:p14="http://schemas.microsoft.com/office/powerpoint/2010/main" val="3718132886"/>
+        <p14:creationId xmlns:p14="http://schemas.microsoft.com/office/powerpoint/2010/main" val="1669097869"/>
       </p:ext>
     </p:extLst>
   </p:cSld>
@@ -2556,13 +3141,17 @@
         </p:nvSpPr>
         <p:spPr>
           <a:xfrm>
-            <a:off x="8685212" y="685800"/>
-            <a:ext cx="2057400" cy="4572000"/>
+            <a:off x="8983068" y="609599"/>
+            <a:ext cx="2284487" cy="5181601"/>
           </a:xfrm>
         </p:spPr>
         <p:txBody>
           <a:bodyPr vert="eaVert"/>
-          <a:lstStyle/>
+          <a:lstStyle>
+            <a:lvl1pPr algn="l">
+              <a:defRPr/>
+            </a:lvl1pPr>
+          </a:lstStyle>
           <a:p>
             <a:r>
               <a:rPr lang="hu-HU" smtClean="0"/>
@@ -2584,8 +3173,8 @@
         </p:nvSpPr>
         <p:spPr>
           <a:xfrm>
-            <a:off x="685800" y="685800"/>
-            <a:ext cx="7823200" cy="5308600"/>
+            <a:off x="913796" y="609599"/>
+            <a:ext cx="7916872" cy="5181601"/>
           </a:xfrm>
         </p:spPr>
         <p:txBody>
@@ -2646,7 +3235,7 @@
           <a:p>
             <a:fld id="{970AF8F0-78A3-44E7-9849-1E21B3E48713}" type="datetimeFigureOut">
               <a:rPr lang="hu-HU" smtClean="0"/>
-              <a:t>2022.09.21.</a:t>
+              <a:t>2022.09.22.</a:t>
             </a:fld>
             <a:endParaRPr lang="hu-HU"/>
           </a:p>
@@ -2697,7 +3286,7 @@
     </p:spTree>
     <p:extLst>
       <p:ext uri="{BB962C8B-B14F-4D97-AF65-F5344CB8AC3E}">
-        <p14:creationId xmlns:p14="http://schemas.microsoft.com/office/powerpoint/2010/main" val="1699777205"/>
+        <p14:creationId xmlns:p14="http://schemas.microsoft.com/office/powerpoint/2010/main" val="4170545169"/>
       </p:ext>
     </p:extLst>
   </p:cSld>
@@ -2759,7 +3348,7 @@
         </p:nvSpPr>
         <p:spPr/>
         <p:txBody>
-          <a:bodyPr anchor="ctr"/>
+          <a:bodyPr/>
           <a:lstStyle/>
           <a:p>
             <a:pPr lvl="0"/>
@@ -2816,7 +3405,7 @@
           <a:p>
             <a:fld id="{970AF8F0-78A3-44E7-9849-1E21B3E48713}" type="datetimeFigureOut">
               <a:rPr lang="hu-HU" smtClean="0"/>
-              <a:t>2022.09.21.</a:t>
+              <a:t>2022.09.22.</a:t>
             </a:fld>
             <a:endParaRPr lang="hu-HU"/>
           </a:p>
@@ -2867,7 +3456,7 @@
     </p:spTree>
     <p:extLst>
       <p:ext uri="{BB962C8B-B14F-4D97-AF65-F5344CB8AC3E}">
-        <p14:creationId xmlns:p14="http://schemas.microsoft.com/office/powerpoint/2010/main" val="706607943"/>
+        <p14:creationId xmlns:p14="http://schemas.microsoft.com/office/powerpoint/2010/main" val="1306497929"/>
       </p:ext>
     </p:extLst>
   </p:cSld>
@@ -2906,17 +3495,15 @@
         </p:nvSpPr>
         <p:spPr>
           <a:xfrm>
-            <a:off x="684211" y="2006600"/>
-            <a:ext cx="8534401" cy="2281600"/>
-          </a:xfrm>
-        </p:spPr>
-        <p:txBody>
-          <a:bodyPr anchor="b">
-            <a:normAutofit/>
-          </a:bodyPr>
+            <a:off x="1295401" y="1761067"/>
+            <a:ext cx="9590550" cy="1828813"/>
+          </a:xfrm>
+        </p:spPr>
+        <p:txBody>
+          <a:bodyPr anchor="b"/>
           <a:lstStyle>
-            <a:lvl1pPr algn="l">
-              <a:defRPr sz="3600" b="0" cap="all"/>
+            <a:lvl1pPr algn="ctr">
+              <a:defRPr sz="4000" b="0" cap="none"/>
             </a:lvl1pPr>
           </a:lstStyle>
           <a:p>
@@ -2940,22 +3527,18 @@
         </p:nvSpPr>
         <p:spPr>
           <a:xfrm>
-            <a:off x="684213" y="4495800"/>
-            <a:ext cx="8534400" cy="1498600"/>
-          </a:xfrm>
-        </p:spPr>
-        <p:txBody>
-          <a:bodyPr anchor="t">
-            <a:normAutofit/>
-          </a:bodyPr>
+            <a:off x="1295401" y="3589879"/>
+            <a:ext cx="9590550" cy="1507054"/>
+          </a:xfrm>
+        </p:spPr>
+        <p:txBody>
+          <a:bodyPr anchor="t"/>
           <a:lstStyle>
-            <a:lvl1pPr marL="0" indent="0" algn="l">
-              <a:buNone/>
-              <a:defRPr sz="1800">
-                <a:solidFill>
-                  <a:schemeClr val="bg2">
-                    <a:lumMod val="75000"/>
-                  </a:schemeClr>
+            <a:lvl1pPr marL="0" indent="0" algn="ctr">
+              <a:buNone/>
+              <a:defRPr sz="2000">
+                <a:solidFill>
+                  <a:schemeClr val="tx1"/>
                 </a:solidFill>
               </a:defRPr>
             </a:lvl1pPr>
@@ -3066,7 +3649,7 @@
           <a:p>
             <a:fld id="{970AF8F0-78A3-44E7-9849-1E21B3E48713}" type="datetimeFigureOut">
               <a:rPr lang="hu-HU" smtClean="0"/>
-              <a:t>2022.09.21.</a:t>
+              <a:t>2022.09.22.</a:t>
             </a:fld>
             <a:endParaRPr lang="hu-HU"/>
           </a:p>
@@ -3117,7 +3700,7 @@
     </p:spTree>
     <p:extLst>
       <p:ext uri="{BB962C8B-B14F-4D97-AF65-F5344CB8AC3E}">
-        <p14:creationId xmlns:p14="http://schemas.microsoft.com/office/powerpoint/2010/main" val="2169382732"/>
+        <p14:creationId xmlns:p14="http://schemas.microsoft.com/office/powerpoint/2010/main" val="1621612299"/>
       </p:ext>
     </p:extLst>
   </p:cSld>
@@ -3179,12 +3762,12 @@
         </p:nvSpPr>
         <p:spPr>
           <a:xfrm>
-            <a:off x="684211" y="685800"/>
-            <a:ext cx="4937655" cy="3615267"/>
-          </a:xfrm>
-        </p:spPr>
-        <p:txBody>
-          <a:bodyPr>
+            <a:off x="913795" y="1732449"/>
+            <a:ext cx="5060497" cy="4058750"/>
+          </a:xfrm>
+        </p:spPr>
+        <p:txBody>
+          <a:bodyPr anchor="t">
             <a:normAutofit/>
           </a:bodyPr>
           <a:lstStyle/>
@@ -3238,12 +3821,12 @@
         </p:nvSpPr>
         <p:spPr>
           <a:xfrm>
-            <a:off x="5808133" y="685801"/>
-            <a:ext cx="4934479" cy="3615266"/>
-          </a:xfrm>
-        </p:spPr>
-        <p:txBody>
-          <a:bodyPr>
+            <a:off x="6202892" y="1732449"/>
+            <a:ext cx="5064665" cy="4058751"/>
+          </a:xfrm>
+        </p:spPr>
+        <p:txBody>
+          <a:bodyPr anchor="t">
             <a:normAutofit/>
           </a:bodyPr>
           <a:lstStyle/>
@@ -3302,7 +3885,7 @@
           <a:p>
             <a:fld id="{970AF8F0-78A3-44E7-9849-1E21B3E48713}" type="datetimeFigureOut">
               <a:rPr lang="hu-HU" smtClean="0"/>
-              <a:t>2022.09.21.</a:t>
+              <a:t>2022.09.22.</a:t>
             </a:fld>
             <a:endParaRPr lang="hu-HU"/>
           </a:p>
@@ -3353,7 +3936,7 @@
     </p:spTree>
     <p:extLst>
       <p:ext uri="{BB962C8B-B14F-4D97-AF65-F5344CB8AC3E}">
-        <p14:creationId xmlns:p14="http://schemas.microsoft.com/office/powerpoint/2010/main" val="1081513268"/>
+        <p14:creationId xmlns:p14="http://schemas.microsoft.com/office/powerpoint/2010/main" val="30670880"/>
       </p:ext>
     </p:extLst>
   </p:cSld>
@@ -3380,6 +3963,66 @@
           <a:chExt cx="0" cy="0"/>
         </a:xfrm>
       </p:grpSpPr>
+      <p:pic>
+        <p:nvPicPr>
+          <p:cNvPr id="20" name="Picture 19" descr="Slate-V2-HD-compPhotoInset.png"/>
+          <p:cNvPicPr>
+            <a:picLocks noChangeAspect="1"/>
+          </p:cNvPicPr>
+          <p:nvPr/>
+        </p:nvPicPr>
+        <p:blipFill>
+          <a:blip r:embed="rId2">
+            <a:extLst>
+              <a:ext uri="{28A0092B-C50C-407E-A947-70E740481C1C}">
+                <a14:useLocalDpi xmlns:a14="http://schemas.microsoft.com/office/drawing/2010/main" val="0"/>
+              </a:ext>
+            </a:extLst>
+          </a:blip>
+          <a:stretch>
+            <a:fillRect/>
+          </a:stretch>
+        </p:blipFill>
+        <p:spPr>
+          <a:xfrm>
+            <a:off x="913795" y="1734506"/>
+            <a:ext cx="5089072" cy="4148769"/>
+          </a:xfrm>
+          <a:prstGeom prst="rect">
+            <a:avLst/>
+          </a:prstGeom>
+        </p:spPr>
+      </p:pic>
+      <p:pic>
+        <p:nvPicPr>
+          <p:cNvPr id="21" name="Picture 20" descr="Slate-V2-HD-compPhotoInset.png"/>
+          <p:cNvPicPr>
+            <a:picLocks noChangeAspect="1"/>
+          </p:cNvPicPr>
+          <p:nvPr/>
+        </p:nvPicPr>
+        <p:blipFill>
+          <a:blip r:embed="rId2">
+            <a:extLst>
+              <a:ext uri="{28A0092B-C50C-407E-A947-70E740481C1C}">
+                <a14:useLocalDpi xmlns:a14="http://schemas.microsoft.com/office/drawing/2010/main" val="0"/>
+              </a:ext>
+            </a:extLst>
+          </a:blip>
+          <a:stretch>
+            <a:fillRect/>
+          </a:stretch>
+        </p:blipFill>
+        <p:spPr>
+          <a:xfrm>
+            <a:off x="6178485" y="1734506"/>
+            <a:ext cx="5089072" cy="4148769"/>
+          </a:xfrm>
+          <a:prstGeom prst="rect">
+            <a:avLst/>
+          </a:prstGeom>
+        </p:spPr>
+      </p:pic>
       <p:sp>
         <p:nvSpPr>
           <p:cNvPr id="2" name="Title 1"/>
@@ -3419,8 +4062,8 @@
         </p:nvSpPr>
         <p:spPr>
           <a:xfrm>
-            <a:off x="972080" y="685800"/>
-            <a:ext cx="4649787" cy="576262"/>
+            <a:off x="1005872" y="1835254"/>
+            <a:ext cx="4876344" cy="544884"/>
           </a:xfrm>
         </p:spPr>
         <p:txBody>
@@ -3428,13 +4071,9 @@
             <a:noAutofit/>
           </a:bodyPr>
           <a:lstStyle>
-            <a:lvl1pPr marL="0" indent="0">
-              <a:buNone/>
-              <a:defRPr sz="2800" b="0">
-                <a:solidFill>
-                  <a:schemeClr val="tx1"/>
-                </a:solidFill>
-              </a:defRPr>
+            <a:lvl1pPr marL="0" indent="0" algn="ctr">
+              <a:buNone/>
+              <a:defRPr sz="2400" b="0"/>
             </a:lvl1pPr>
             <a:lvl2pPr marL="457200" indent="0">
               <a:buNone/>
@@ -3490,15 +4129,31 @@
         </p:nvSpPr>
         <p:spPr>
           <a:xfrm>
-            <a:off x="684211" y="1270529"/>
-            <a:ext cx="4937655" cy="3030538"/>
+            <a:off x="1005872" y="2380137"/>
+            <a:ext cx="4876344" cy="3411063"/>
           </a:xfrm>
         </p:spPr>
         <p:txBody>
           <a:bodyPr anchor="t">
             <a:normAutofit/>
           </a:bodyPr>
-          <a:lstStyle/>
+          <a:lstStyle>
+            <a:lvl1pPr>
+              <a:defRPr sz="1800"/>
+            </a:lvl1pPr>
+            <a:lvl2pPr>
+              <a:defRPr sz="1600"/>
+            </a:lvl2pPr>
+            <a:lvl3pPr>
+              <a:defRPr sz="1400"/>
+            </a:lvl3pPr>
+            <a:lvl4pPr>
+              <a:defRPr sz="1200"/>
+            </a:lvl4pPr>
+            <a:lvl5pPr>
+              <a:defRPr sz="1200"/>
+            </a:lvl5pPr>
+          </a:lstStyle>
           <a:p>
             <a:pPr lvl="0"/>
             <a:r>
@@ -3549,8 +4204,8 @@
         </p:nvSpPr>
         <p:spPr>
           <a:xfrm>
-            <a:off x="6079066" y="685800"/>
-            <a:ext cx="4665134" cy="576262"/>
+            <a:off x="6294967" y="1835254"/>
+            <a:ext cx="4895330" cy="544883"/>
           </a:xfrm>
         </p:spPr>
         <p:txBody>
@@ -3558,13 +4213,9 @@
             <a:noAutofit/>
           </a:bodyPr>
           <a:lstStyle>
-            <a:lvl1pPr marL="0" indent="0">
-              <a:buNone/>
-              <a:defRPr sz="2800" b="0">
-                <a:solidFill>
-                  <a:schemeClr val="tx1"/>
-                </a:solidFill>
-              </a:defRPr>
+            <a:lvl1pPr marL="0" indent="0" algn="ctr">
+              <a:buNone/>
+              <a:defRPr sz="2400" b="0"/>
             </a:lvl1pPr>
             <a:lvl2pPr marL="457200" indent="0">
               <a:buNone/>
@@ -3620,15 +4271,31 @@
         </p:nvSpPr>
         <p:spPr>
           <a:xfrm>
-            <a:off x="5806545" y="1262062"/>
-            <a:ext cx="4929188" cy="3030538"/>
+            <a:off x="6294967" y="2380137"/>
+            <a:ext cx="4895330" cy="3411063"/>
           </a:xfrm>
         </p:spPr>
         <p:txBody>
           <a:bodyPr anchor="t">
             <a:normAutofit/>
           </a:bodyPr>
-          <a:lstStyle/>
+          <a:lstStyle>
+            <a:lvl1pPr>
+              <a:defRPr sz="1800"/>
+            </a:lvl1pPr>
+            <a:lvl2pPr>
+              <a:defRPr sz="1600"/>
+            </a:lvl2pPr>
+            <a:lvl3pPr>
+              <a:defRPr sz="1400"/>
+            </a:lvl3pPr>
+            <a:lvl4pPr>
+              <a:defRPr sz="1200"/>
+            </a:lvl4pPr>
+            <a:lvl5pPr>
+              <a:defRPr sz="1200"/>
+            </a:lvl5pPr>
+          </a:lstStyle>
           <a:p>
             <a:pPr lvl="0"/>
             <a:r>
@@ -3684,7 +4351,7 @@
           <a:p>
             <a:fld id="{970AF8F0-78A3-44E7-9849-1E21B3E48713}" type="datetimeFigureOut">
               <a:rPr lang="hu-HU" smtClean="0"/>
-              <a:t>2022.09.21.</a:t>
+              <a:t>2022.09.22.</a:t>
             </a:fld>
             <a:endParaRPr lang="hu-HU"/>
           </a:p>
@@ -3735,7 +4402,7 @@
     </p:spTree>
     <p:extLst>
       <p:ext uri="{BB962C8B-B14F-4D97-AF65-F5344CB8AC3E}">
-        <p14:creationId xmlns:p14="http://schemas.microsoft.com/office/powerpoint/2010/main" val="3455930362"/>
+        <p14:creationId xmlns:p14="http://schemas.microsoft.com/office/powerpoint/2010/main" val="1545083862"/>
       </p:ext>
     </p:extLst>
   </p:cSld>
@@ -3802,7 +4469,7 @@
           <a:p>
             <a:fld id="{970AF8F0-78A3-44E7-9849-1E21B3E48713}" type="datetimeFigureOut">
               <a:rPr lang="hu-HU" smtClean="0"/>
-              <a:t>2022.09.21.</a:t>
+              <a:t>2022.09.22.</a:t>
             </a:fld>
             <a:endParaRPr lang="hu-HU"/>
           </a:p>
@@ -3853,7 +4520,7 @@
     </p:spTree>
     <p:extLst>
       <p:ext uri="{BB962C8B-B14F-4D97-AF65-F5344CB8AC3E}">
-        <p14:creationId xmlns:p14="http://schemas.microsoft.com/office/powerpoint/2010/main" val="1976592978"/>
+        <p14:creationId xmlns:p14="http://schemas.microsoft.com/office/powerpoint/2010/main" val="2525236214"/>
       </p:ext>
     </p:extLst>
   </p:cSld>
@@ -3897,7 +4564,7 @@
           <a:p>
             <a:fld id="{970AF8F0-78A3-44E7-9849-1E21B3E48713}" type="datetimeFigureOut">
               <a:rPr lang="hu-HU" smtClean="0"/>
-              <a:t>2022.09.21.</a:t>
+              <a:t>2022.09.22.</a:t>
             </a:fld>
             <a:endParaRPr lang="hu-HU"/>
           </a:p>
@@ -3948,7 +4615,7 @@
     </p:spTree>
     <p:extLst>
       <p:ext uri="{BB962C8B-B14F-4D97-AF65-F5344CB8AC3E}">
-        <p14:creationId xmlns:p14="http://schemas.microsoft.com/office/powerpoint/2010/main" val="3249422527"/>
+        <p14:creationId xmlns:p14="http://schemas.microsoft.com/office/powerpoint/2010/main" val="3150534063"/>
       </p:ext>
     </p:extLst>
   </p:cSld>
@@ -3987,8 +4654,8 @@
         </p:nvSpPr>
         <p:spPr>
           <a:xfrm>
-            <a:off x="7085012" y="685800"/>
-            <a:ext cx="3657600" cy="1371600"/>
+            <a:off x="913795" y="609600"/>
+            <a:ext cx="3706889" cy="1821918"/>
           </a:xfrm>
         </p:spPr>
         <p:txBody>
@@ -3996,7 +4663,7 @@
             <a:normAutofit/>
           </a:bodyPr>
           <a:lstStyle>
-            <a:lvl1pPr algn="l">
+            <a:lvl1pPr algn="ctr">
               <a:defRPr sz="2400" b="0"/>
             </a:lvl1pPr>
           </a:lstStyle>
@@ -4021,12 +4688,12 @@
         </p:nvSpPr>
         <p:spPr>
           <a:xfrm>
-            <a:off x="684212" y="685800"/>
-            <a:ext cx="5943601" cy="5308600"/>
-          </a:xfrm>
-        </p:spPr>
-        <p:txBody>
-          <a:bodyPr anchor="ctr">
+            <a:off x="4855633" y="609600"/>
+            <a:ext cx="6411924" cy="5181600"/>
+          </a:xfrm>
+        </p:spPr>
+        <p:txBody>
+          <a:bodyPr>
             <a:normAutofit/>
           </a:bodyPr>
           <a:lstStyle/>
@@ -4080,8 +4747,8 @@
         </p:nvSpPr>
         <p:spPr>
           <a:xfrm>
-            <a:off x="7085012" y="2209799"/>
-            <a:ext cx="3657600" cy="2091267"/>
+            <a:off x="913795" y="2431518"/>
+            <a:ext cx="3706889" cy="3359681"/>
           </a:xfrm>
         </p:spPr>
         <p:txBody>
@@ -4089,7 +4756,7 @@
             <a:normAutofit/>
           </a:bodyPr>
           <a:lstStyle>
-            <a:lvl1pPr marL="0" indent="0">
+            <a:lvl1pPr marL="0" indent="0" algn="ctr">
               <a:buNone/>
               <a:defRPr sz="1600"/>
             </a:lvl1pPr>
@@ -4152,7 +4819,7 @@
           <a:p>
             <a:fld id="{970AF8F0-78A3-44E7-9849-1E21B3E48713}" type="datetimeFigureOut">
               <a:rPr lang="hu-HU" smtClean="0"/>
-              <a:t>2022.09.21.</a:t>
+              <a:t>2022.09.22.</a:t>
             </a:fld>
             <a:endParaRPr lang="hu-HU"/>
           </a:p>
@@ -4203,7 +4870,7 @@
     </p:spTree>
     <p:extLst>
       <p:ext uri="{BB962C8B-B14F-4D97-AF65-F5344CB8AC3E}">
-        <p14:creationId xmlns:p14="http://schemas.microsoft.com/office/powerpoint/2010/main" val="1925233429"/>
+        <p14:creationId xmlns:p14="http://schemas.microsoft.com/office/powerpoint/2010/main" val="2583518501"/>
       </p:ext>
     </p:extLst>
   </p:cSld>
@@ -4230,6 +4897,36 @@
           <a:chExt cx="0" cy="0"/>
         </a:xfrm>
       </p:grpSpPr>
+      <p:pic>
+        <p:nvPicPr>
+          <p:cNvPr id="22" name="Picture 21" descr="Slate-V2-HD-vertPhotoInset.png"/>
+          <p:cNvPicPr>
+            <a:picLocks noChangeAspect="1"/>
+          </p:cNvPicPr>
+          <p:nvPr/>
+        </p:nvPicPr>
+        <p:blipFill>
+          <a:blip r:embed="rId2">
+            <a:extLst>
+              <a:ext uri="{28A0092B-C50C-407E-A947-70E740481C1C}">
+                <a14:useLocalDpi xmlns:a14="http://schemas.microsoft.com/office/drawing/2010/main" val="0"/>
+              </a:ext>
+            </a:extLst>
+          </a:blip>
+          <a:stretch>
+            <a:fillRect/>
+          </a:stretch>
+        </p:blipFill>
+        <p:spPr>
+          <a:xfrm>
+            <a:off x="7293665" y="609600"/>
+            <a:ext cx="3584166" cy="5204832"/>
+          </a:xfrm>
+          <a:prstGeom prst="rect">
+            <a:avLst/>
+          </a:prstGeom>
+        </p:spPr>
+      </p:pic>
       <p:sp>
         <p:nvSpPr>
           <p:cNvPr id="2" name="Title 1"/>
@@ -4242,17 +4939,17 @@
         </p:nvSpPr>
         <p:spPr>
           <a:xfrm>
-            <a:off x="4722812" y="1447800"/>
-            <a:ext cx="6019800" cy="1143000"/>
+            <a:off x="913795" y="609923"/>
+            <a:ext cx="5934949" cy="1829338"/>
           </a:xfrm>
         </p:spPr>
         <p:txBody>
           <a:bodyPr anchor="b">
-            <a:normAutofit/>
+            <a:noAutofit/>
           </a:bodyPr>
           <a:lstStyle>
-            <a:lvl1pPr algn="l">
-              <a:defRPr sz="2800" b="0"/>
+            <a:lvl1pPr algn="ctr">
+              <a:defRPr sz="3200" b="0"/>
             </a:lvl1pPr>
           </a:lstStyle>
           <a:p>
@@ -4266,7 +4963,7 @@
       </p:sp>
       <p:sp>
         <p:nvSpPr>
-          <p:cNvPr id="14" name="Picture Placeholder 2"/>
+          <p:cNvPr id="3" name="Picture Placeholder 2"/>
           <p:cNvSpPr>
             <a:spLocks noGrp="1" noChangeAspect="1"/>
           </p:cNvSpPr>
@@ -4276,28 +4973,15 @@
         </p:nvSpPr>
         <p:spPr>
           <a:xfrm>
-            <a:off x="989012" y="914400"/>
-            <a:ext cx="3280974" cy="4572000"/>
-          </a:xfrm>
-          <a:prstGeom prst="snip2DiagRect">
-            <a:avLst>
-              <a:gd name="adj1" fmla="val 10815"/>
-              <a:gd name="adj2" fmla="val 0"/>
-            </a:avLst>
-          </a:prstGeom>
-          <a:ln w="15875">
-            <a:solidFill>
-              <a:schemeClr val="tx1">
-                <a:alpha val="40000"/>
-              </a:schemeClr>
-            </a:solidFill>
-          </a:ln>
+            <a:off x="7442551" y="763702"/>
+            <a:ext cx="3275751" cy="4912822"/>
+          </a:xfrm>
           <a:effectLst>
-            <a:innerShdw blurRad="57150" dist="38100" dir="14460000">
+            <a:outerShdw blurRad="38100" dist="25400" dir="4440000">
               <a:srgbClr val="000000">
-                <a:alpha val="70000"/>
+                <a:alpha val="36000"/>
               </a:srgbClr>
-            </a:innerShdw>
+            </a:outerShdw>
           </a:effectLst>
         </p:spPr>
         <p:txBody>
@@ -4363,8 +5047,8 @@
         </p:nvSpPr>
         <p:spPr>
           <a:xfrm>
-            <a:off x="4722812" y="2777066"/>
-            <a:ext cx="6021388" cy="2048933"/>
+            <a:off x="913795" y="2439261"/>
+            <a:ext cx="5934949" cy="3376134"/>
           </a:xfrm>
         </p:spPr>
         <p:txBody>
@@ -4372,9 +5056,9 @@
             <a:normAutofit/>
           </a:bodyPr>
           <a:lstStyle>
-            <a:lvl1pPr marL="0" indent="0">
-              <a:buNone/>
-              <a:defRPr sz="1800"/>
+            <a:lvl1pPr marL="0" indent="0" algn="ctr">
+              <a:buNone/>
+              <a:defRPr sz="1600"/>
             </a:lvl1pPr>
             <a:lvl2pPr marL="457200" indent="0">
               <a:buNone/>
@@ -4435,7 +5119,7 @@
           <a:p>
             <a:fld id="{970AF8F0-78A3-44E7-9849-1E21B3E48713}" type="datetimeFigureOut">
               <a:rPr lang="hu-HU" smtClean="0"/>
-              <a:t>2022.09.21.</a:t>
+              <a:t>2022.09.22.</a:t>
             </a:fld>
             <a:endParaRPr lang="hu-HU"/>
           </a:p>
@@ -4486,7 +5170,7 @@
     </p:spTree>
     <p:extLst>
       <p:ext uri="{BB962C8B-B14F-4D97-AF65-F5344CB8AC3E}">
-        <p14:creationId xmlns:p14="http://schemas.microsoft.com/office/powerpoint/2010/main" val="3657808477"/>
+        <p14:creationId xmlns:p14="http://schemas.microsoft.com/office/powerpoint/2010/main" val="1118684455"/>
       </p:ext>
     </p:extLst>
   </p:cSld>
@@ -4500,7 +5184,7 @@
 <p:sldMaster xmlns:a="http://schemas.openxmlformats.org/drawingml/2006/main" xmlns:r="http://schemas.openxmlformats.org/officeDocument/2006/relationships" xmlns:p="http://schemas.openxmlformats.org/presentationml/2006/main">
   <p:cSld>
     <p:bg>
-      <p:bgRef idx="1002">
+      <p:bgRef idx="1003">
         <a:schemeClr val="bg2"/>
       </p:bgRef>
     </p:bg>
@@ -4518,196 +5202,6 @@
           <a:chExt cx="0" cy="0"/>
         </a:xfrm>
       </p:grpSpPr>
-      <p:grpSp>
-        <p:nvGrpSpPr>
-          <p:cNvPr id="7" name="Group 6"/>
-          <p:cNvGrpSpPr/>
-          <p:nvPr/>
-        </p:nvGrpSpPr>
-        <p:grpSpPr>
-          <a:xfrm>
-            <a:off x="9206969" y="2963333"/>
-            <a:ext cx="2981858" cy="3208867"/>
-            <a:chOff x="9206969" y="2963333"/>
-            <a:chExt cx="2981858" cy="3208867"/>
-          </a:xfrm>
-        </p:grpSpPr>
-        <p:cxnSp>
-          <p:nvCxnSpPr>
-            <p:cNvPr id="8" name="Straight Connector 7"/>
-            <p:cNvCxnSpPr/>
-            <p:nvPr/>
-          </p:nvCxnSpPr>
-          <p:spPr>
-            <a:xfrm flipH="1">
-              <a:off x="11276012" y="2963333"/>
-              <a:ext cx="912814" cy="912812"/>
-            </a:xfrm>
-            <a:prstGeom prst="line">
-              <a:avLst/>
-            </a:prstGeom>
-            <a:ln w="9525">
-              <a:solidFill>
-                <a:schemeClr val="tx1"/>
-              </a:solidFill>
-            </a:ln>
-          </p:spPr>
-          <p:style>
-            <a:lnRef idx="2">
-              <a:schemeClr val="accent1"/>
-            </a:lnRef>
-            <a:fillRef idx="0">
-              <a:schemeClr val="accent1"/>
-            </a:fillRef>
-            <a:effectRef idx="1">
-              <a:schemeClr val="accent1"/>
-            </a:effectRef>
-            <a:fontRef idx="minor">
-              <a:schemeClr val="tx1"/>
-            </a:fontRef>
-          </p:style>
-        </p:cxnSp>
-        <p:cxnSp>
-          <p:nvCxnSpPr>
-            <p:cNvPr id="9" name="Straight Connector 8"/>
-            <p:cNvCxnSpPr/>
-            <p:nvPr/>
-          </p:nvCxnSpPr>
-          <p:spPr>
-            <a:xfrm flipH="1">
-              <a:off x="9206969" y="3190344"/>
-              <a:ext cx="2981857" cy="2981856"/>
-            </a:xfrm>
-            <a:prstGeom prst="line">
-              <a:avLst/>
-            </a:prstGeom>
-            <a:ln w="9525">
-              <a:solidFill>
-                <a:schemeClr val="tx1"/>
-              </a:solidFill>
-            </a:ln>
-          </p:spPr>
-          <p:style>
-            <a:lnRef idx="2">
-              <a:schemeClr val="accent1"/>
-            </a:lnRef>
-            <a:fillRef idx="0">
-              <a:schemeClr val="accent1"/>
-            </a:fillRef>
-            <a:effectRef idx="1">
-              <a:schemeClr val="accent1"/>
-            </a:effectRef>
-            <a:fontRef idx="minor">
-              <a:schemeClr val="tx1"/>
-            </a:fontRef>
-          </p:style>
-        </p:cxnSp>
-        <p:cxnSp>
-          <p:nvCxnSpPr>
-            <p:cNvPr id="10" name="Straight Connector 9"/>
-            <p:cNvCxnSpPr/>
-            <p:nvPr/>
-          </p:nvCxnSpPr>
-          <p:spPr>
-            <a:xfrm flipH="1">
-              <a:off x="10292292" y="3285067"/>
-              <a:ext cx="1896534" cy="1896533"/>
-            </a:xfrm>
-            <a:prstGeom prst="line">
-              <a:avLst/>
-            </a:prstGeom>
-            <a:ln w="9525">
-              <a:solidFill>
-                <a:schemeClr val="tx1"/>
-              </a:solidFill>
-            </a:ln>
-          </p:spPr>
-          <p:style>
-            <a:lnRef idx="2">
-              <a:schemeClr val="accent1"/>
-            </a:lnRef>
-            <a:fillRef idx="0">
-              <a:schemeClr val="accent1"/>
-            </a:fillRef>
-            <a:effectRef idx="1">
-              <a:schemeClr val="accent1"/>
-            </a:effectRef>
-            <a:fontRef idx="minor">
-              <a:schemeClr val="tx1"/>
-            </a:fontRef>
-          </p:style>
-        </p:cxnSp>
-        <p:cxnSp>
-          <p:nvCxnSpPr>
-            <p:cNvPr id="11" name="Straight Connector 10"/>
-            <p:cNvCxnSpPr/>
-            <p:nvPr/>
-          </p:nvCxnSpPr>
-          <p:spPr>
-            <a:xfrm flipH="1">
-              <a:off x="10443103" y="3131080"/>
-              <a:ext cx="1745722" cy="1745720"/>
-            </a:xfrm>
-            <a:prstGeom prst="line">
-              <a:avLst/>
-            </a:prstGeom>
-            <a:ln w="28575">
-              <a:solidFill>
-                <a:schemeClr val="tx1"/>
-              </a:solidFill>
-            </a:ln>
-          </p:spPr>
-          <p:style>
-            <a:lnRef idx="2">
-              <a:schemeClr val="accent1"/>
-            </a:lnRef>
-            <a:fillRef idx="0">
-              <a:schemeClr val="accent1"/>
-            </a:fillRef>
-            <a:effectRef idx="1">
-              <a:schemeClr val="accent1"/>
-            </a:effectRef>
-            <a:fontRef idx="minor">
-              <a:schemeClr val="tx1"/>
-            </a:fontRef>
-          </p:style>
-        </p:cxnSp>
-        <p:cxnSp>
-          <p:nvCxnSpPr>
-            <p:cNvPr id="12" name="Straight Connector 11"/>
-            <p:cNvCxnSpPr/>
-            <p:nvPr/>
-          </p:nvCxnSpPr>
-          <p:spPr>
-            <a:xfrm flipH="1">
-              <a:off x="10918826" y="3683001"/>
-              <a:ext cx="1270001" cy="1269999"/>
-            </a:xfrm>
-            <a:prstGeom prst="line">
-              <a:avLst/>
-            </a:prstGeom>
-            <a:ln w="28575">
-              <a:solidFill>
-                <a:schemeClr val="tx1"/>
-              </a:solidFill>
-            </a:ln>
-          </p:spPr>
-          <p:style>
-            <a:lnRef idx="2">
-              <a:schemeClr val="accent1"/>
-            </a:lnRef>
-            <a:fillRef idx="0">
-              <a:schemeClr val="accent1"/>
-            </a:fillRef>
-            <a:effectRef idx="1">
-              <a:schemeClr val="accent1"/>
-            </a:effectRef>
-            <a:fontRef idx="minor">
-              <a:schemeClr val="tx1"/>
-            </a:fontRef>
-          </p:style>
-        </p:cxnSp>
-      </p:grpSp>
       <p:sp>
         <p:nvSpPr>
           <p:cNvPr id="2" name="Title Placeholder 1"/>
@@ -4720,13 +5214,19 @@
         </p:nvSpPr>
         <p:spPr>
           <a:xfrm>
-            <a:off x="684212" y="4487332"/>
-            <a:ext cx="8534400" cy="1507067"/>
+            <a:off x="913795" y="609600"/>
+            <a:ext cx="10353762" cy="970450"/>
           </a:xfrm>
           <a:prstGeom prst="rect">
             <a:avLst/>
           </a:prstGeom>
-          <a:effectLst/>
+          <a:effectLst>
+            <a:outerShdw blurRad="25400" dir="17880000">
+              <a:srgbClr val="000000">
+                <a:alpha val="46000"/>
+              </a:srgbClr>
+            </a:outerShdw>
+          </a:effectLst>
         </p:spPr>
         <p:txBody>
           <a:bodyPr vert="horz" lIns="91440" tIns="45720" rIns="91440" bIns="45720" rtlCol="0" anchor="ctr">
@@ -4754,15 +5254,22 @@
         </p:nvSpPr>
         <p:spPr>
           <a:xfrm>
-            <a:off x="684212" y="685800"/>
-            <a:ext cx="8534400" cy="3615267"/>
+            <a:off x="913795" y="1732449"/>
+            <a:ext cx="10353762" cy="4058751"/>
           </a:xfrm>
           <a:prstGeom prst="rect">
             <a:avLst/>
           </a:prstGeom>
-        </p:spPr>
-        <p:txBody>
-          <a:bodyPr vert="horz" lIns="91440" tIns="45720" rIns="91440" bIns="45720" rtlCol="0" anchor="ctr">
+          <a:effectLst>
+            <a:outerShdw blurRad="25400" dir="17880000">
+              <a:srgbClr val="000000">
+                <a:alpha val="46000"/>
+              </a:srgbClr>
+            </a:outerShdw>
+          </a:effectLst>
+        </p:spPr>
+        <p:txBody>
+          <a:bodyPr vert="horz" lIns="91440" tIns="45720" rIns="91440" bIns="45720" rtlCol="0" anchor="t">
             <a:normAutofit/>
           </a:bodyPr>
           <a:lstStyle/>
@@ -4816,32 +5323,37 @@
         </p:nvSpPr>
         <p:spPr>
           <a:xfrm>
-            <a:off x="9904412" y="6172200"/>
-            <a:ext cx="1600200" cy="365125"/>
+            <a:off x="7678736" y="5883275"/>
+            <a:ext cx="2743200" cy="365125"/>
           </a:xfrm>
           <a:prstGeom prst="rect">
             <a:avLst/>
           </a:prstGeom>
         </p:spPr>
         <p:txBody>
-          <a:bodyPr vert="horz" lIns="91440" tIns="45720" rIns="91440" bIns="45720" rtlCol="0" anchor="t"/>
+          <a:bodyPr vert="horz" lIns="91440" tIns="45720" rIns="91440" bIns="45720" rtlCol="0" anchor="ctr"/>
           <a:lstStyle>
             <a:lvl1pPr algn="r">
-              <a:defRPr sz="1000" b="0" i="0">
-                <a:solidFill>
-                  <a:schemeClr val="bg2">
-                    <a:lumMod val="50000"/>
+              <a:defRPr sz="1000">
+                <a:solidFill>
+                  <a:schemeClr val="tx1">
+                    <a:lumMod val="95000"/>
                   </a:schemeClr>
                 </a:solidFill>
-                <a:effectLst/>
-                <a:latin typeface="+mn-lt"/>
+                <a:effectLst>
+                  <a:outerShdw blurRad="50800" dist="38100" dir="2700000" algn="tl" rotWithShape="0">
+                    <a:schemeClr val="bg1">
+                      <a:alpha val="43000"/>
+                    </a:schemeClr>
+                  </a:outerShdw>
+                </a:effectLst>
               </a:defRPr>
             </a:lvl1pPr>
           </a:lstStyle>
           <a:p>
             <a:fld id="{970AF8F0-78A3-44E7-9849-1E21B3E48713}" type="datetimeFigureOut">
               <a:rPr lang="hu-HU" smtClean="0"/>
-              <a:t>2022.09.21.</a:t>
+              <a:t>2022.09.22.</a:t>
             </a:fld>
             <a:endParaRPr lang="hu-HU"/>
           </a:p>
@@ -4859,25 +5371,30 @@
         </p:nvSpPr>
         <p:spPr>
           <a:xfrm>
-            <a:off x="684212" y="6172200"/>
-            <a:ext cx="7543800" cy="365125"/>
+            <a:off x="913795" y="5883275"/>
+            <a:ext cx="6672865" cy="365125"/>
           </a:xfrm>
           <a:prstGeom prst="rect">
             <a:avLst/>
           </a:prstGeom>
         </p:spPr>
         <p:txBody>
-          <a:bodyPr vert="horz" lIns="91440" tIns="45720" rIns="91440" bIns="45720" rtlCol="0" anchor="t"/>
+          <a:bodyPr vert="horz" lIns="91440" tIns="45720" rIns="91440" bIns="45720" rtlCol="0" anchor="ctr"/>
           <a:lstStyle>
             <a:lvl1pPr algn="l">
-              <a:defRPr sz="1000" b="0" i="0">
-                <a:solidFill>
-                  <a:schemeClr val="bg2">
-                    <a:lumMod val="50000"/>
+              <a:defRPr sz="1000">
+                <a:solidFill>
+                  <a:schemeClr val="tx1">
+                    <a:lumMod val="95000"/>
                   </a:schemeClr>
                 </a:solidFill>
-                <a:effectLst/>
-                <a:latin typeface="+mn-lt"/>
+                <a:effectLst>
+                  <a:outerShdw blurRad="50800" dist="38100" dir="2700000" algn="tl" rotWithShape="0">
+                    <a:schemeClr val="bg1">
+                      <a:alpha val="43000"/>
+                    </a:schemeClr>
+                  </a:outerShdw>
+                </a:effectLst>
               </a:defRPr>
             </a:lvl1pPr>
           </a:lstStyle>
@@ -4898,25 +5415,30 @@
         </p:nvSpPr>
         <p:spPr>
           <a:xfrm>
-            <a:off x="10363200" y="5578475"/>
-            <a:ext cx="1142245" cy="669925"/>
+            <a:off x="10514011" y="5883275"/>
+            <a:ext cx="753545" cy="365125"/>
           </a:xfrm>
           <a:prstGeom prst="rect">
             <a:avLst/>
           </a:prstGeom>
         </p:spPr>
         <p:txBody>
-          <a:bodyPr vert="horz" lIns="91440" tIns="45720" rIns="91440" bIns="45720" rtlCol="0" anchor="b"/>
+          <a:bodyPr vert="horz" lIns="91440" tIns="45720" rIns="91440" bIns="45720" rtlCol="0" anchor="ctr"/>
           <a:lstStyle>
             <a:lvl1pPr algn="r">
-              <a:defRPr sz="3200" b="0" i="0">
-                <a:solidFill>
-                  <a:schemeClr val="bg2">
-                    <a:lumMod val="50000"/>
+              <a:defRPr sz="1000">
+                <a:solidFill>
+                  <a:schemeClr val="tx1">
+                    <a:lumMod val="95000"/>
                   </a:schemeClr>
                 </a:solidFill>
-                <a:effectLst/>
-                <a:latin typeface="+mn-lt"/>
+                <a:effectLst>
+                  <a:outerShdw blurRad="50800" dist="38100" dir="2700000" algn="tl" rotWithShape="0">
+                    <a:schemeClr val="bg1">
+                      <a:alpha val="43000"/>
+                    </a:schemeClr>
+                  </a:outerShdw>
+                </a:effectLst>
               </a:defRPr>
             </a:lvl1pPr>
           </a:lstStyle>
@@ -4932,48 +5454,60 @@
     </p:spTree>
     <p:extLst>
       <p:ext uri="{BB962C8B-B14F-4D97-AF65-F5344CB8AC3E}">
-        <p14:creationId xmlns:p14="http://schemas.microsoft.com/office/powerpoint/2010/main" val="125694290"/>
+        <p14:creationId xmlns:p14="http://schemas.microsoft.com/office/powerpoint/2010/main" val="3969467051"/>
       </p:ext>
     </p:extLst>
   </p:cSld>
   <p:clrMap bg1="dk1" tx1="lt1" bg2="dk2" tx2="lt2" accent1="accent1" accent2="accent2" accent3="accent3" accent4="accent4" accent5="accent5" accent6="accent6" hlink="hlink" folHlink="folHlink"/>
   <p:sldLayoutIdLst>
-    <p:sldLayoutId id="2147483673" r:id="rId1"/>
-    <p:sldLayoutId id="2147483674" r:id="rId2"/>
-    <p:sldLayoutId id="2147483675" r:id="rId3"/>
-    <p:sldLayoutId id="2147483676" r:id="rId4"/>
-    <p:sldLayoutId id="2147483677" r:id="rId5"/>
-    <p:sldLayoutId id="2147483678" r:id="rId6"/>
-    <p:sldLayoutId id="2147483679" r:id="rId7"/>
-    <p:sldLayoutId id="2147483680" r:id="rId8"/>
-    <p:sldLayoutId id="2147483681" r:id="rId9"/>
-    <p:sldLayoutId id="2147483682" r:id="rId10"/>
-    <p:sldLayoutId id="2147483683" r:id="rId11"/>
-    <p:sldLayoutId id="2147483684" r:id="rId12"/>
-    <p:sldLayoutId id="2147483685" r:id="rId13"/>
-    <p:sldLayoutId id="2147483686" r:id="rId14"/>
-    <p:sldLayoutId id="2147483687" r:id="rId15"/>
-    <p:sldLayoutId id="2147483688" r:id="rId16"/>
-    <p:sldLayoutId id="2147483689" r:id="rId17"/>
+    <p:sldLayoutId id="2147483727" r:id="rId1"/>
+    <p:sldLayoutId id="2147483728" r:id="rId2"/>
+    <p:sldLayoutId id="2147483729" r:id="rId3"/>
+    <p:sldLayoutId id="2147483730" r:id="rId4"/>
+    <p:sldLayoutId id="2147483731" r:id="rId5"/>
+    <p:sldLayoutId id="2147483732" r:id="rId6"/>
+    <p:sldLayoutId id="2147483733" r:id="rId7"/>
+    <p:sldLayoutId id="2147483734" r:id="rId8"/>
+    <p:sldLayoutId id="2147483735" r:id="rId9"/>
+    <p:sldLayoutId id="2147483736" r:id="rId10"/>
+    <p:sldLayoutId id="2147483737" r:id="rId11"/>
+    <p:sldLayoutId id="2147483738" r:id="rId12"/>
+    <p:sldLayoutId id="2147483739" r:id="rId13"/>
+    <p:sldLayoutId id="2147483740" r:id="rId14"/>
+    <p:sldLayoutId id="2147483741" r:id="rId15"/>
+    <p:sldLayoutId id="2147483742" r:id="rId16"/>
+    <p:sldLayoutId id="2147483743" r:id="rId17"/>
   </p:sldLayoutIdLst>
   <p:txStyles>
     <p:titleStyle>
-      <a:lvl1pPr algn="l" defTabSz="457200" rtl="0" eaLnBrk="1" latinLnBrk="0" hangingPunct="1">
+      <a:lvl1pPr algn="ctr" defTabSz="457200" rtl="0" eaLnBrk="1" latinLnBrk="0" hangingPunct="1">
         <a:spcBef>
           <a:spcPct val="0"/>
         </a:spcBef>
         <a:buNone/>
-        <a:defRPr sz="3600" kern="1200" cap="all">
-          <a:ln w="3175" cmpd="sng">
-            <a:noFill/>
+        <a:defRPr sz="4000" kern="1200">
+          <a:ln>
+            <a:solidFill>
+              <a:schemeClr val="bg1">
+                <a:lumMod val="75000"/>
+                <a:lumOff val="25000"/>
+                <a:alpha val="10000"/>
+              </a:schemeClr>
+            </a:solidFill>
           </a:ln>
           <a:solidFill>
-            <a:schemeClr val="tx1"/>
+            <a:schemeClr val="tx2"/>
           </a:solidFill>
-          <a:effectLst/>
+          <a:effectLst>
+            <a:outerShdw blurRad="9525" dist="25400" dir="14640000" algn="tl" rotWithShape="0">
+              <a:schemeClr val="bg1">
+                <a:alpha val="30000"/>
+              </a:schemeClr>
+            </a:outerShdw>
+          </a:effectLst>
           <a:latin typeface="+mj-lt"/>
           <a:ea typeface="+mj-ea"/>
-          <a:cs typeface="+mj-cs"/>
+          <a:cs typeface="Trebuchet MS"/>
         </a:defRPr>
       </a:lvl1pPr>
       <a:lvl2pPr eaLnBrk="1" hangingPunct="1">
@@ -5034,7 +5568,7 @@
       </a:lvl9pPr>
     </p:titleStyle>
     <p:bodyStyle>
-      <a:lvl1pPr marL="285750" indent="-285750" algn="l" defTabSz="457200" rtl="0" eaLnBrk="1" latinLnBrk="0" hangingPunct="1">
+      <a:lvl1pPr marL="342900" indent="-306000" algn="l" defTabSz="457200" rtl="0" eaLnBrk="1" latinLnBrk="0" hangingPunct="1">
         <a:spcBef>
           <a:spcPct val="20000"/>
         </a:spcBef>
@@ -5042,24 +5576,37 @@
           <a:spcPts val="600"/>
         </a:spcAft>
         <a:buClr>
-          <a:schemeClr val="tx1"/>
+          <a:schemeClr val="tx2"/>
         </a:buClr>
-        <a:buSzPct val="80000"/>
-        <a:buFont typeface="Wingdings 3" panose="05040102010807070707" pitchFamily="18" charset="2"/>
-        <a:buChar char=""/>
-        <a:defRPr sz="2000" kern="1200" cap="none">
+        <a:buSzPct val="70000"/>
+        <a:buFont typeface="Wingdings 2" charset="2"/>
+        <a:buChar char=""/>
+        <a:defRPr sz="2000" kern="1200">
+          <a:ln>
+            <a:solidFill>
+              <a:schemeClr val="bg1">
+                <a:lumMod val="75000"/>
+                <a:lumOff val="25000"/>
+                <a:alpha val="10000"/>
+              </a:schemeClr>
+            </a:solidFill>
+          </a:ln>
           <a:solidFill>
-            <a:schemeClr val="bg2">
-              <a:lumMod val="75000"/>
-            </a:schemeClr>
+            <a:schemeClr val="tx2"/>
           </a:solidFill>
-          <a:effectLst/>
+          <a:effectLst>
+            <a:outerShdw blurRad="9525" dist="25400" dir="14640000" algn="tl" rotWithShape="0">
+              <a:schemeClr val="bg1">
+                <a:alpha val="30000"/>
+              </a:schemeClr>
+            </a:outerShdw>
+          </a:effectLst>
           <a:latin typeface="+mn-lt"/>
           <a:ea typeface="+mn-ea"/>
           <a:cs typeface="+mn-cs"/>
         </a:defRPr>
       </a:lvl1pPr>
-      <a:lvl2pPr marL="742950" indent="-285750" algn="l" defTabSz="457200" rtl="0" eaLnBrk="1" latinLnBrk="0" hangingPunct="1">
+      <a:lvl2pPr marL="720000" indent="-270000" algn="l" defTabSz="457200" rtl="0" eaLnBrk="1" latinLnBrk="0" hangingPunct="1">
         <a:spcBef>
           <a:spcPct val="20000"/>
         </a:spcBef>
@@ -5067,24 +5614,37 @@
           <a:spcPts val="600"/>
         </a:spcAft>
         <a:buClr>
-          <a:schemeClr val="tx1"/>
+          <a:schemeClr val="tx2"/>
         </a:buClr>
-        <a:buSzPct val="80000"/>
-        <a:buFont typeface="Wingdings 3" panose="05040102010807070707" pitchFamily="18" charset="2"/>
-        <a:buChar char=""/>
-        <a:defRPr sz="1800" kern="1200" cap="none">
+        <a:buSzPct val="70000"/>
+        <a:buFont typeface="Wingdings 2" charset="2"/>
+        <a:buChar char=""/>
+        <a:defRPr sz="1800" kern="1200">
+          <a:ln>
+            <a:solidFill>
+              <a:schemeClr val="bg1">
+                <a:lumMod val="75000"/>
+                <a:lumOff val="25000"/>
+                <a:alpha val="10000"/>
+              </a:schemeClr>
+            </a:solidFill>
+          </a:ln>
           <a:solidFill>
-            <a:schemeClr val="bg2">
-              <a:lumMod val="75000"/>
-            </a:schemeClr>
+            <a:schemeClr val="tx2"/>
           </a:solidFill>
-          <a:effectLst/>
+          <a:effectLst>
+            <a:outerShdw blurRad="9525" dist="25400" dir="14640000" algn="tl" rotWithShape="0">
+              <a:schemeClr val="bg1">
+                <a:alpha val="30000"/>
+              </a:schemeClr>
+            </a:outerShdw>
+          </a:effectLst>
           <a:latin typeface="+mn-lt"/>
           <a:ea typeface="+mn-ea"/>
           <a:cs typeface="+mn-cs"/>
         </a:defRPr>
       </a:lvl2pPr>
-      <a:lvl3pPr marL="1200150" indent="-285750" algn="l" defTabSz="457200" rtl="0" eaLnBrk="1" latinLnBrk="0" hangingPunct="1">
+      <a:lvl3pPr marL="1026000" indent="-216000" algn="l" defTabSz="457200" rtl="0" eaLnBrk="1" latinLnBrk="0" hangingPunct="1">
         <a:spcBef>
           <a:spcPct val="20000"/>
         </a:spcBef>
@@ -5092,24 +5652,37 @@
           <a:spcPts val="600"/>
         </a:spcAft>
         <a:buClr>
-          <a:schemeClr val="tx1"/>
+          <a:schemeClr val="tx2"/>
         </a:buClr>
-        <a:buSzPct val="80000"/>
-        <a:buFont typeface="Wingdings 3" panose="05040102010807070707" pitchFamily="18" charset="2"/>
-        <a:buChar char=""/>
-        <a:defRPr sz="1600" kern="1200" cap="none">
+        <a:buSzPct val="70000"/>
+        <a:buFont typeface="Wingdings 2" charset="2"/>
+        <a:buChar char=""/>
+        <a:defRPr sz="1600" kern="1200">
+          <a:ln>
+            <a:solidFill>
+              <a:schemeClr val="bg1">
+                <a:lumMod val="75000"/>
+                <a:lumOff val="25000"/>
+                <a:alpha val="10000"/>
+              </a:schemeClr>
+            </a:solidFill>
+          </a:ln>
           <a:solidFill>
-            <a:schemeClr val="bg2">
-              <a:lumMod val="75000"/>
-            </a:schemeClr>
+            <a:schemeClr val="tx2"/>
           </a:solidFill>
-          <a:effectLst/>
+          <a:effectLst>
+            <a:outerShdw blurRad="9525" dist="25400" dir="14640000" algn="tl" rotWithShape="0">
+              <a:schemeClr val="bg1">
+                <a:alpha val="30000"/>
+              </a:schemeClr>
+            </a:outerShdw>
+          </a:effectLst>
           <a:latin typeface="+mn-lt"/>
           <a:ea typeface="+mn-ea"/>
           <a:cs typeface="+mn-cs"/>
         </a:defRPr>
       </a:lvl3pPr>
-      <a:lvl4pPr marL="1543050" indent="-171450" algn="l" defTabSz="457200" rtl="0" eaLnBrk="1" latinLnBrk="0" hangingPunct="1">
+      <a:lvl4pPr marL="1386000" indent="-216000" algn="l" defTabSz="457200" rtl="0" eaLnBrk="1" latinLnBrk="0" hangingPunct="1">
         <a:spcBef>
           <a:spcPct val="20000"/>
         </a:spcBef>
@@ -5117,24 +5690,37 @@
           <a:spcPts val="600"/>
         </a:spcAft>
         <a:buClr>
-          <a:schemeClr val="tx1"/>
+          <a:schemeClr val="tx2"/>
         </a:buClr>
-        <a:buSzPct val="80000"/>
-        <a:buFont typeface="Wingdings 3" panose="05040102010807070707" pitchFamily="18" charset="2"/>
-        <a:buChar char=""/>
-        <a:defRPr sz="1400" kern="1200" cap="none">
+        <a:buSzPct val="70000"/>
+        <a:buFont typeface="Wingdings 2" charset="2"/>
+        <a:buChar char=""/>
+        <a:defRPr sz="1400" kern="1200">
+          <a:ln>
+            <a:solidFill>
+              <a:schemeClr val="bg1">
+                <a:lumMod val="75000"/>
+                <a:lumOff val="25000"/>
+                <a:alpha val="10000"/>
+              </a:schemeClr>
+            </a:solidFill>
+          </a:ln>
           <a:solidFill>
-            <a:schemeClr val="bg2">
-              <a:lumMod val="75000"/>
-            </a:schemeClr>
+            <a:schemeClr val="tx2"/>
           </a:solidFill>
-          <a:effectLst/>
+          <a:effectLst>
+            <a:outerShdw blurRad="9525" dist="25400" dir="14640000" algn="tl" rotWithShape="0">
+              <a:schemeClr val="bg1">
+                <a:alpha val="30000"/>
+              </a:schemeClr>
+            </a:outerShdw>
+          </a:effectLst>
           <a:latin typeface="+mn-lt"/>
           <a:ea typeface="+mn-ea"/>
           <a:cs typeface="+mn-cs"/>
         </a:defRPr>
       </a:lvl4pPr>
-      <a:lvl5pPr marL="2000250" indent="-171450" algn="l" defTabSz="457200" rtl="0" eaLnBrk="1" latinLnBrk="0" hangingPunct="1">
+      <a:lvl5pPr marL="1674000" indent="-216000" algn="l" defTabSz="457200" rtl="0" eaLnBrk="1" latinLnBrk="0" hangingPunct="1">
         <a:spcBef>
           <a:spcPct val="20000"/>
         </a:spcBef>
@@ -5142,24 +5728,37 @@
           <a:spcPts val="600"/>
         </a:spcAft>
         <a:buClr>
-          <a:schemeClr val="tx1"/>
+          <a:schemeClr val="tx2"/>
         </a:buClr>
-        <a:buSzPct val="80000"/>
-        <a:buFont typeface="Wingdings 3" panose="05040102010807070707" pitchFamily="18" charset="2"/>
-        <a:buChar char=""/>
-        <a:defRPr sz="1400" kern="1200" cap="none">
+        <a:buSzPct val="70000"/>
+        <a:buFont typeface="Wingdings 2" charset="2"/>
+        <a:buChar char=""/>
+        <a:defRPr sz="1400" kern="1200">
+          <a:ln>
+            <a:solidFill>
+              <a:schemeClr val="bg1">
+                <a:lumMod val="75000"/>
+                <a:lumOff val="25000"/>
+                <a:alpha val="10000"/>
+              </a:schemeClr>
+            </a:solidFill>
+          </a:ln>
           <a:solidFill>
-            <a:schemeClr val="bg2">
-              <a:lumMod val="75000"/>
-            </a:schemeClr>
+            <a:schemeClr val="tx2"/>
           </a:solidFill>
-          <a:effectLst/>
+          <a:effectLst>
+            <a:outerShdw blurRad="9525" dist="25400" dir="14640000" algn="tl" rotWithShape="0">
+              <a:schemeClr val="bg1">
+                <a:alpha val="30000"/>
+              </a:schemeClr>
+            </a:outerShdw>
+          </a:effectLst>
           <a:latin typeface="+mn-lt"/>
           <a:ea typeface="+mn-ea"/>
           <a:cs typeface="+mn-cs"/>
         </a:defRPr>
       </a:lvl5pPr>
-      <a:lvl6pPr marL="2514600" indent="-228600" algn="l" defTabSz="457200" rtl="0" eaLnBrk="1" latinLnBrk="0" hangingPunct="1">
+      <a:lvl6pPr marL="2014600" indent="-228600" algn="l" defTabSz="457200" rtl="0" eaLnBrk="1" latinLnBrk="0" hangingPunct="1">
         <a:spcBef>
           <a:spcPct val="20000"/>
         </a:spcBef>
@@ -5167,24 +5766,37 @@
           <a:spcPts val="600"/>
         </a:spcAft>
         <a:buClr>
-          <a:schemeClr val="tx1"/>
+          <a:schemeClr val="tx2"/>
         </a:buClr>
-        <a:buSzPct val="80000"/>
-        <a:buFont typeface="Wingdings 3" panose="05040102010807070707" pitchFamily="18" charset="2"/>
-        <a:buChar char=""/>
-        <a:defRPr sz="1400" kern="1200" cap="none">
+        <a:buSzPct val="70000"/>
+        <a:buFont typeface="Wingdings 2" charset="2"/>
+        <a:buChar char=""/>
+        <a:defRPr sz="1400" kern="1200">
+          <a:ln>
+            <a:solidFill>
+              <a:schemeClr val="bg1">
+                <a:lumMod val="75000"/>
+                <a:lumOff val="25000"/>
+                <a:alpha val="10000"/>
+              </a:schemeClr>
+            </a:solidFill>
+          </a:ln>
           <a:solidFill>
-            <a:schemeClr val="bg2">
-              <a:lumMod val="75000"/>
-            </a:schemeClr>
+            <a:schemeClr val="tx2"/>
           </a:solidFill>
-          <a:effectLst/>
+          <a:effectLst>
+            <a:outerShdw blurRad="9525" dist="25400" dir="14640000" algn="tl" rotWithShape="0">
+              <a:schemeClr val="bg1">
+                <a:alpha val="30000"/>
+              </a:schemeClr>
+            </a:outerShdw>
+          </a:effectLst>
           <a:latin typeface="+mn-lt"/>
           <a:ea typeface="+mn-ea"/>
           <a:cs typeface="+mn-cs"/>
         </a:defRPr>
       </a:lvl6pPr>
-      <a:lvl7pPr marL="2971800" indent="-228600" algn="l" defTabSz="457200" rtl="0" eaLnBrk="1" latinLnBrk="0" hangingPunct="1">
+      <a:lvl7pPr marL="2401800" indent="-228600" algn="l" defTabSz="457200" rtl="0" eaLnBrk="1" latinLnBrk="0" hangingPunct="1">
         <a:spcBef>
           <a:spcPct val="20000"/>
         </a:spcBef>
@@ -5192,24 +5804,37 @@
           <a:spcPts val="600"/>
         </a:spcAft>
         <a:buClr>
-          <a:schemeClr val="tx1"/>
+          <a:schemeClr val="tx2"/>
         </a:buClr>
-        <a:buSzPct val="80000"/>
-        <a:buFont typeface="Wingdings 3" panose="05040102010807070707" pitchFamily="18" charset="2"/>
-        <a:buChar char=""/>
-        <a:defRPr sz="1400" kern="1200" cap="none">
+        <a:buSzPct val="70000"/>
+        <a:buFont typeface="Wingdings 2" charset="2"/>
+        <a:buChar char=""/>
+        <a:defRPr sz="1400" kern="1200">
+          <a:ln>
+            <a:solidFill>
+              <a:schemeClr val="bg1">
+                <a:lumMod val="75000"/>
+                <a:lumOff val="25000"/>
+                <a:alpha val="10000"/>
+              </a:schemeClr>
+            </a:solidFill>
+          </a:ln>
           <a:solidFill>
-            <a:schemeClr val="bg2">
-              <a:lumMod val="75000"/>
-            </a:schemeClr>
+            <a:schemeClr val="tx2"/>
           </a:solidFill>
-          <a:effectLst/>
+          <a:effectLst>
+            <a:outerShdw blurRad="9525" dist="25400" dir="14640000" algn="tl" rotWithShape="0">
+              <a:schemeClr val="bg1">
+                <a:alpha val="30000"/>
+              </a:schemeClr>
+            </a:outerShdw>
+          </a:effectLst>
           <a:latin typeface="+mn-lt"/>
           <a:ea typeface="+mn-ea"/>
           <a:cs typeface="+mn-cs"/>
         </a:defRPr>
       </a:lvl7pPr>
-      <a:lvl8pPr marL="3429000" indent="-228600" algn="l" defTabSz="457200" rtl="0" eaLnBrk="1" latinLnBrk="0" hangingPunct="1">
+      <a:lvl8pPr marL="2789000" indent="-228600" algn="l" defTabSz="457200" rtl="0" eaLnBrk="1" latinLnBrk="0" hangingPunct="1">
         <a:spcBef>
           <a:spcPct val="20000"/>
         </a:spcBef>
@@ -5217,24 +5842,37 @@
           <a:spcPts val="600"/>
         </a:spcAft>
         <a:buClr>
-          <a:schemeClr val="tx1"/>
+          <a:schemeClr val="tx2"/>
         </a:buClr>
-        <a:buSzPct val="80000"/>
-        <a:buFont typeface="Wingdings 3" panose="05040102010807070707" pitchFamily="18" charset="2"/>
-        <a:buChar char=""/>
-        <a:defRPr sz="1400" kern="1200" cap="none">
+        <a:buSzPct val="70000"/>
+        <a:buFont typeface="Wingdings 2" charset="2"/>
+        <a:buChar char=""/>
+        <a:defRPr sz="1400" kern="1200">
+          <a:ln>
+            <a:solidFill>
+              <a:schemeClr val="bg1">
+                <a:lumMod val="75000"/>
+                <a:lumOff val="25000"/>
+                <a:alpha val="10000"/>
+              </a:schemeClr>
+            </a:solidFill>
+          </a:ln>
           <a:solidFill>
-            <a:schemeClr val="bg2">
-              <a:lumMod val="75000"/>
-            </a:schemeClr>
+            <a:schemeClr val="tx2"/>
           </a:solidFill>
-          <a:effectLst/>
+          <a:effectLst>
+            <a:outerShdw blurRad="9525" dist="25400" dir="14640000" algn="tl" rotWithShape="0">
+              <a:schemeClr val="bg1">
+                <a:alpha val="30000"/>
+              </a:schemeClr>
+            </a:outerShdw>
+          </a:effectLst>
           <a:latin typeface="+mn-lt"/>
           <a:ea typeface="+mn-ea"/>
           <a:cs typeface="+mn-cs"/>
         </a:defRPr>
       </a:lvl8pPr>
-      <a:lvl9pPr marL="3886200" indent="-228600" algn="l" defTabSz="457200" rtl="0" eaLnBrk="1" latinLnBrk="0" hangingPunct="1">
+      <a:lvl9pPr marL="3106200" indent="-228600" algn="l" defTabSz="457200" rtl="0" eaLnBrk="1" latinLnBrk="0" hangingPunct="1">
         <a:spcBef>
           <a:spcPct val="20000"/>
         </a:spcBef>
@@ -5242,18 +5880,31 @@
           <a:spcPts val="600"/>
         </a:spcAft>
         <a:buClr>
-          <a:schemeClr val="tx1"/>
+          <a:schemeClr val="tx2"/>
         </a:buClr>
-        <a:buSzPct val="80000"/>
-        <a:buFont typeface="Wingdings 3" panose="05040102010807070707" pitchFamily="18" charset="2"/>
-        <a:buChar char=""/>
-        <a:defRPr sz="1400" kern="1200" cap="none">
+        <a:buSzPct val="70000"/>
+        <a:buFont typeface="Wingdings 2" charset="2"/>
+        <a:buChar char=""/>
+        <a:defRPr sz="1400" kern="1200">
+          <a:ln>
+            <a:solidFill>
+              <a:schemeClr val="bg1">
+                <a:lumMod val="75000"/>
+                <a:lumOff val="25000"/>
+                <a:alpha val="10000"/>
+              </a:schemeClr>
+            </a:solidFill>
+          </a:ln>
           <a:solidFill>
-            <a:schemeClr val="bg2">
-              <a:lumMod val="75000"/>
-            </a:schemeClr>
+            <a:schemeClr val="tx2"/>
           </a:solidFill>
-          <a:effectLst/>
+          <a:effectLst>
+            <a:outerShdw blurRad="9525" dist="25400" dir="14640000" algn="tl" rotWithShape="0">
+              <a:schemeClr val="bg1">
+                <a:alpha val="30000"/>
+              </a:schemeClr>
+            </a:outerShdw>
+          </a:effectLst>
           <a:latin typeface="+mn-lt"/>
           <a:ea typeface="+mn-ea"/>
           <a:cs typeface="+mn-cs"/>
@@ -5482,7 +6133,7 @@
         </p:nvSpPr>
         <p:spPr>
           <a:xfrm>
-            <a:off x="2403284" y="-177462"/>
+            <a:off x="2349495" y="-123673"/>
             <a:ext cx="8534400" cy="1507067"/>
           </a:xfrm>
         </p:spPr>
@@ -5492,7 +6143,15 @@
           <a:p>
             <a:r>
               <a:rPr lang="hu-HU" dirty="0" smtClean="0"/>
-              <a:t>Mi a szó jelentése?</a:t>
+              <a:t>Mi </a:t>
+            </a:r>
+            <a:r>
+              <a:rPr lang="hu-HU" dirty="0" smtClean="0"/>
+              <a:t>az agilis </a:t>
+            </a:r>
+            <a:r>
+              <a:rPr lang="hu-HU" dirty="0" smtClean="0"/>
+              <a:t>jelentése?</a:t>
             </a:r>
             <a:endParaRPr lang="hu-HU" dirty="0"/>
           </a:p>
@@ -5556,40 +6215,7 @@
                   </a:schemeClr>
                 </a:solidFill>
               </a:rPr>
-              <a:t>ettre </a:t>
-            </a:r>
-            <a:r>
-              <a:rPr lang="hu-HU" sz="3600" dirty="0" smtClean="0">
-                <a:solidFill>
-                  <a:schemeClr val="tx2">
-                    <a:lumMod val="20000"/>
-                    <a:lumOff val="80000"/>
-                  </a:schemeClr>
-                </a:solidFill>
-              </a:rPr>
-              <a:t>kész </a:t>
-            </a:r>
-            <a:r>
-              <a:rPr lang="hu-HU" sz="3600" dirty="0" smtClean="0">
-                <a:solidFill>
-                  <a:schemeClr val="tx2">
-                    <a:lumMod val="20000"/>
-                    <a:lumOff val="80000"/>
-                  </a:schemeClr>
-                </a:solidFill>
-              </a:rPr>
-              <a:t>személy, </a:t>
-            </a:r>
-            <a:r>
-              <a:rPr lang="hu-HU" sz="3600" dirty="0" smtClean="0">
-                <a:solidFill>
-                  <a:schemeClr val="tx2">
-                    <a:lumMod val="20000"/>
-                    <a:lumOff val="80000"/>
-                  </a:schemeClr>
-                </a:solidFill>
-              </a:rPr>
-              <a:t>aki rugalmas alkalmazkodásra képes.</a:t>
+              <a:t>ettre kész személy, aki rugalmas alkalmazkodásra képes.</a:t>
             </a:r>
             <a:endParaRPr lang="hu-HU" sz="3600" dirty="0">
               <a:solidFill>
@@ -5688,7 +6314,7 @@
         </p:spPr>
         <p:txBody>
           <a:bodyPr>
-            <a:normAutofit fontScale="92500"/>
+            <a:normAutofit/>
           </a:bodyPr>
           <a:lstStyle/>
           <a:p>
@@ -5762,14 +6388,51 @@
         </p:blipFill>
         <p:spPr>
           <a:xfrm>
-            <a:off x="7973569" y="1746596"/>
-            <a:ext cx="4218432" cy="4739548"/>
+            <a:off x="8068235" y="1746596"/>
+            <a:ext cx="4123766" cy="4739548"/>
           </a:xfrm>
           <a:prstGeom prst="rect">
             <a:avLst/>
           </a:prstGeom>
         </p:spPr>
       </p:pic>
+      <p:sp>
+        <p:nvSpPr>
+          <p:cNvPr id="4" name="Szövegdoboz 3"/>
+          <p:cNvSpPr txBox="1"/>
+          <p:nvPr/>
+        </p:nvSpPr>
+        <p:spPr>
+          <a:xfrm>
+            <a:off x="6458651" y="6604084"/>
+            <a:ext cx="4151498" cy="253916"/>
+          </a:xfrm>
+          <a:prstGeom prst="rect">
+            <a:avLst/>
+          </a:prstGeom>
+          <a:noFill/>
+        </p:spPr>
+        <p:txBody>
+          <a:bodyPr wrap="square" rtlCol="0">
+            <a:spAutoFit/>
+          </a:bodyPr>
+          <a:lstStyle/>
+          <a:p>
+            <a:r>
+              <a:rPr lang="hu-HU" sz="1050" dirty="0"/>
+              <a:t>Forrás</a:t>
+            </a:r>
+            <a:r>
+              <a:rPr lang="hu-HU" sz="1050" dirty="0" smtClean="0"/>
+              <a:t>: https</a:t>
+            </a:r>
+            <a:r>
+              <a:rPr lang="hu-HU" sz="1050" dirty="0"/>
+              <a:t>://tinyurl.com/5n7ww5zm</a:t>
+            </a:r>
+          </a:p>
+        </p:txBody>
+      </p:sp>
     </p:spTree>
     <p:extLst>
       <p:ext uri="{BB962C8B-B14F-4D97-AF65-F5344CB8AC3E}">
@@ -5866,7 +6529,7 @@
               <a:t>•</a:t>
             </a:r>
             <a:r>
-              <a:rPr lang="hu-HU" dirty="0" smtClean="0">
+              <a:rPr lang="hu-HU" sz="2800" dirty="0" smtClean="0">
                 <a:solidFill>
                   <a:schemeClr val="tx1"/>
                 </a:solidFill>
@@ -5879,7 +6542,7 @@
               <a:buNone/>
             </a:pPr>
             <a:r>
-              <a:rPr lang="hu-HU" dirty="0" smtClean="0">
+              <a:rPr lang="hu-HU" sz="2800" dirty="0" smtClean="0">
                 <a:solidFill>
                   <a:schemeClr val="bg1"/>
                 </a:solidFill>
@@ -5887,7 +6550,7 @@
               <a:t>•</a:t>
             </a:r>
             <a:r>
-              <a:rPr lang="hu-HU" dirty="0" smtClean="0">
+              <a:rPr lang="hu-HU" sz="2800" dirty="0" smtClean="0">
                 <a:solidFill>
                   <a:schemeClr val="tx1"/>
                 </a:solidFill>
@@ -5900,7 +6563,7 @@
               <a:buNone/>
             </a:pPr>
             <a:r>
-              <a:rPr lang="hu-HU" dirty="0" smtClean="0">
+              <a:rPr lang="hu-HU" sz="2800" dirty="0" smtClean="0">
                 <a:solidFill>
                   <a:schemeClr val="bg1"/>
                 </a:solidFill>
@@ -5908,7 +6571,7 @@
               <a:t>•</a:t>
             </a:r>
             <a:r>
-              <a:rPr lang="hu-HU" dirty="0" smtClean="0">
+              <a:rPr lang="hu-HU" sz="2800" dirty="0" smtClean="0">
                 <a:solidFill>
                   <a:schemeClr val="tx1"/>
                 </a:solidFill>
@@ -5921,7 +6584,7 @@
               <a:buNone/>
             </a:pPr>
             <a:r>
-              <a:rPr lang="hu-HU" dirty="0" smtClean="0">
+              <a:rPr lang="hu-HU" sz="2800" dirty="0" smtClean="0">
                 <a:solidFill>
                   <a:schemeClr val="bg1"/>
                 </a:solidFill>
@@ -5929,7 +6592,7 @@
               <a:t>•</a:t>
             </a:r>
             <a:r>
-              <a:rPr lang="hu-HU" dirty="0" smtClean="0">
+              <a:rPr lang="hu-HU" sz="2800" dirty="0" smtClean="0">
                 <a:solidFill>
                   <a:schemeClr val="tx1"/>
                 </a:solidFill>
@@ -5969,6 +6632,35 @@
           </a:prstGeom>
         </p:spPr>
       </p:pic>
+      <p:sp>
+        <p:nvSpPr>
+          <p:cNvPr id="5" name="Szövegdoboz 4"/>
+          <p:cNvSpPr txBox="1"/>
+          <p:nvPr/>
+        </p:nvSpPr>
+        <p:spPr>
+          <a:xfrm>
+            <a:off x="7416517" y="5240354"/>
+            <a:ext cx="2383986" cy="246221"/>
+          </a:xfrm>
+          <a:prstGeom prst="rect">
+            <a:avLst/>
+          </a:prstGeom>
+          <a:noFill/>
+        </p:spPr>
+        <p:txBody>
+          <a:bodyPr wrap="none" rtlCol="0">
+            <a:spAutoFit/>
+          </a:bodyPr>
+          <a:lstStyle/>
+          <a:p>
+            <a:r>
+              <a:rPr lang="hu-HU" sz="1000" dirty="0"/>
+              <a:t>Forrás: https://tinyurl.com/yb866765</a:t>
+            </a:r>
+          </a:p>
+        </p:txBody>
+      </p:sp>
     </p:spTree>
     <p:extLst>
       <p:ext uri="{BB962C8B-B14F-4D97-AF65-F5344CB8AC3E}">
@@ -6175,7 +6867,23 @@
                   <a:schemeClr val="tx1"/>
                 </a:solidFill>
               </a:rPr>
-              <a:t> software </a:t>
+              <a:t> </a:t>
+            </a:r>
+            <a:r>
+              <a:rPr lang="hu-HU" dirty="0" err="1" smtClean="0">
+                <a:solidFill>
+                  <a:schemeClr val="tx1"/>
+                </a:solidFill>
+              </a:rPr>
+              <a:t>systems</a:t>
+            </a:r>
+            <a:r>
+              <a:rPr lang="hu-HU" dirty="0" smtClean="0">
+                <a:solidFill>
+                  <a:schemeClr val="tx1"/>
+                </a:solidFill>
+              </a:rPr>
+              <a:t> </a:t>
             </a:r>
             <a:r>
               <a:rPr lang="hu-HU" dirty="0" err="1" smtClean="0">
@@ -6512,6 +7220,65 @@
           </a:p>
         </p:txBody>
       </p:sp>
+      <p:pic>
+        <p:nvPicPr>
+          <p:cNvPr id="4" name="Kép 3"/>
+          <p:cNvPicPr>
+            <a:picLocks noChangeAspect="1"/>
+          </p:cNvPicPr>
+          <p:nvPr/>
+        </p:nvPicPr>
+        <p:blipFill>
+          <a:blip r:embed="rId2">
+            <a:extLst>
+              <a:ext uri="{28A0092B-C50C-407E-A947-70E740481C1C}">
+                <a14:useLocalDpi xmlns:a14="http://schemas.microsoft.com/office/drawing/2010/main" val="0"/>
+              </a:ext>
+            </a:extLst>
+          </a:blip>
+          <a:stretch>
+            <a:fillRect/>
+          </a:stretch>
+        </p:blipFill>
+        <p:spPr>
+          <a:xfrm>
+            <a:off x="7491405" y="2197608"/>
+            <a:ext cx="4058031" cy="2990625"/>
+          </a:xfrm>
+          <a:prstGeom prst="rect">
+            <a:avLst/>
+          </a:prstGeom>
+        </p:spPr>
+      </p:pic>
+      <p:sp>
+        <p:nvSpPr>
+          <p:cNvPr id="5" name="Szövegdoboz 4"/>
+          <p:cNvSpPr txBox="1"/>
+          <p:nvPr/>
+        </p:nvSpPr>
+        <p:spPr>
+          <a:xfrm>
+            <a:off x="7616414" y="5188233"/>
+            <a:ext cx="2313454" cy="246221"/>
+          </a:xfrm>
+          <a:prstGeom prst="rect">
+            <a:avLst/>
+          </a:prstGeom>
+          <a:noFill/>
+        </p:spPr>
+        <p:txBody>
+          <a:bodyPr wrap="none" rtlCol="0">
+            <a:spAutoFit/>
+          </a:bodyPr>
+          <a:lstStyle/>
+          <a:p>
+            <a:r>
+              <a:rPr lang="hu-HU" sz="1000" dirty="0"/>
+              <a:t>Forrás: https://tinyurl.com/2s36kt55</a:t>
+            </a:r>
+          </a:p>
+        </p:txBody>
+      </p:sp>
     </p:spTree>
     <p:extLst>
       <p:ext uri="{BB962C8B-B14F-4D97-AF65-F5344CB8AC3E}">
@@ -6808,15 +7575,7 @@
                   <a:schemeClr val="tx1"/>
                 </a:solidFill>
               </a:rPr>
-              <a:t>Költségek kevésbé </a:t>
-            </a:r>
-            <a:r>
-              <a:rPr lang="hu-HU" dirty="0" err="1" smtClean="0">
-                <a:solidFill>
-                  <a:schemeClr val="tx1"/>
-                </a:solidFill>
-              </a:rPr>
-              <a:t>kiszámíthatóak</a:t>
+              <a:t>Költségek</a:t>
             </a:r>
             <a:endParaRPr lang="hu-HU" dirty="0" smtClean="0">
               <a:solidFill>
@@ -6943,36 +7702,132 @@
           </a:xfrm>
         </p:spPr>
         <p:txBody>
+          <a:bodyPr>
+            <a:normAutofit fontScale="90000"/>
+          </a:bodyPr>
+          <a:lstStyle/>
+          <a:p>
+            <a:r>
+              <a:rPr lang="hu-HU" dirty="0" smtClean="0"/>
+              <a:t>Köszönöm a figyelmet</a:t>
+            </a:r>
+            <a:r>
+              <a:rPr lang="hu-HU" dirty="0" smtClean="0"/>
+              <a:t>! ♥</a:t>
+            </a:r>
+            <a:endParaRPr lang="hu-HU" dirty="0"/>
+          </a:p>
+        </p:txBody>
+      </p:sp>
+      <p:sp>
+        <p:nvSpPr>
+          <p:cNvPr id="3" name="Alcím 2"/>
+          <p:cNvSpPr>
+            <a:spLocks noGrp="1"/>
+          </p:cNvSpPr>
+          <p:nvPr>
+            <p:ph type="subTitle" idx="1"/>
+          </p:nvPr>
+        </p:nvSpPr>
+        <p:spPr/>
+        <p:txBody>
           <a:bodyPr/>
           <a:lstStyle/>
           <a:p>
-            <a:r>
-              <a:rPr lang="hu-HU" dirty="0" smtClean="0"/>
-              <a:t>Köszönöm a figyelmet!</a:t>
-            </a:r>
             <a:endParaRPr lang="hu-HU" dirty="0"/>
           </a:p>
         </p:txBody>
       </p:sp>
-      <p:sp>
-        <p:nvSpPr>
-          <p:cNvPr id="3" name="Alcím 2"/>
-          <p:cNvSpPr>
-            <a:spLocks noGrp="1"/>
-          </p:cNvSpPr>
-          <p:nvPr>
-            <p:ph type="subTitle" idx="1"/>
-          </p:nvPr>
-        </p:nvSpPr>
-        <p:spPr/>
-        <p:txBody>
-          <a:bodyPr/>
-          <a:lstStyle/>
-          <a:p>
-            <a:endParaRPr lang="hu-HU"/>
-          </a:p>
-        </p:txBody>
-      </p:sp>
+      <p:pic>
+        <p:nvPicPr>
+          <p:cNvPr id="4" name="Kép 3"/>
+          <p:cNvPicPr>
+            <a:picLocks noChangeAspect="1"/>
+          </p:cNvPicPr>
+          <p:nvPr/>
+        </p:nvPicPr>
+        <p:blipFill>
+          <a:blip r:embed="rId2">
+            <a:extLst>
+              <a:ext uri="{28A0092B-C50C-407E-A947-70E740481C1C}">
+                <a14:useLocalDpi xmlns:a14="http://schemas.microsoft.com/office/drawing/2010/main" val="0"/>
+              </a:ext>
+            </a:extLst>
+          </a:blip>
+          <a:stretch>
+            <a:fillRect/>
+          </a:stretch>
+        </p:blipFill>
+        <p:spPr>
+          <a:xfrm>
+            <a:off x="4057202" y="1893364"/>
+            <a:ext cx="3238500" cy="1704975"/>
+          </a:xfrm>
+          <a:prstGeom prst="rect">
+            <a:avLst/>
+          </a:prstGeom>
+        </p:spPr>
+      </p:pic>
+      <p:pic>
+        <p:nvPicPr>
+          <p:cNvPr id="5" name="Kép 4"/>
+          <p:cNvPicPr>
+            <a:picLocks noChangeAspect="1"/>
+          </p:cNvPicPr>
+          <p:nvPr/>
+        </p:nvPicPr>
+        <p:blipFill>
+          <a:blip r:embed="rId3">
+            <a:extLst>
+              <a:ext uri="{28A0092B-C50C-407E-A947-70E740481C1C}">
+                <a14:useLocalDpi xmlns:a14="http://schemas.microsoft.com/office/drawing/2010/main" val="0"/>
+              </a:ext>
+            </a:extLst>
+          </a:blip>
+          <a:stretch>
+            <a:fillRect/>
+          </a:stretch>
+        </p:blipFill>
+        <p:spPr>
+          <a:xfrm>
+            <a:off x="10287000" y="1829779"/>
+            <a:ext cx="1905000" cy="1733550"/>
+          </a:xfrm>
+          <a:prstGeom prst="rect">
+            <a:avLst/>
+          </a:prstGeom>
+        </p:spPr>
+      </p:pic>
+      <p:pic>
+        <p:nvPicPr>
+          <p:cNvPr id="6" name="Kép 5"/>
+          <p:cNvPicPr>
+            <a:picLocks noChangeAspect="1"/>
+          </p:cNvPicPr>
+          <p:nvPr/>
+        </p:nvPicPr>
+        <p:blipFill>
+          <a:blip r:embed="rId4">
+            <a:extLst>
+              <a:ext uri="{28A0092B-C50C-407E-A947-70E740481C1C}">
+                <a14:useLocalDpi xmlns:a14="http://schemas.microsoft.com/office/drawing/2010/main" val="0"/>
+              </a:ext>
+            </a:extLst>
+          </a:blip>
+          <a:stretch>
+            <a:fillRect/>
+          </a:stretch>
+        </p:blipFill>
+        <p:spPr>
+          <a:xfrm>
+            <a:off x="36797" y="1723772"/>
+            <a:ext cx="2807746" cy="1839557"/>
+          </a:xfrm>
+          <a:prstGeom prst="rect">
+            <a:avLst/>
+          </a:prstGeom>
+        </p:spPr>
+      </p:pic>
     </p:spTree>
     <p:extLst>
       <p:ext uri="{BB962C8B-B14F-4D97-AF65-F5344CB8AC3E}">
@@ -6983,13 +7838,13 @@
   <p:clrMapOvr>
     <a:masterClrMapping/>
   </p:clrMapOvr>
-  <mc:AlternateContent xmlns:mc="http://schemas.openxmlformats.org/markup-compatibility/2006">
-    <mc:Choice xmlns:p14="http://schemas.microsoft.com/office/powerpoint/2010/main" Requires="p14">
+  <mc:AlternateContent xmlns:mc="http://schemas.openxmlformats.org/markup-compatibility/2006" xmlns:p14="http://schemas.microsoft.com/office/powerpoint/2010/main">
+    <mc:Choice Requires="p14">
       <p:transition spd="slow" p14:dur="3400">
         <p14:reveal/>
       </p:transition>
     </mc:Choice>
-    <mc:Fallback>
+    <mc:Fallback xmlns="">
       <p:transition spd="slow">
         <p:fade/>
       </p:transition>
@@ -7006,9 +7861,9 @@
 </file>
 
 <file path=ppt/theme/theme1.xml><?xml version="1.0" encoding="utf-8"?>
-<a:theme xmlns:a="http://schemas.openxmlformats.org/drawingml/2006/main" name="Szelet">
+<a:theme xmlns:a="http://schemas.openxmlformats.org/drawingml/2006/main" name="Pala">
   <a:themeElements>
-    <a:clrScheme name="Szelet">
+    <a:clrScheme name="Pala">
       <a:dk1>
         <a:sysClr val="windowText" lastClr="000000"/>
       </a:dk1>
@@ -7016,48 +7871,48 @@
         <a:sysClr val="window" lastClr="FFFFFF"/>
       </a:lt1>
       <a:dk2>
-        <a:srgbClr val="146194"/>
+        <a:srgbClr val="212123"/>
       </a:dk2>
       <a:lt2>
-        <a:srgbClr val="76DBF4"/>
+        <a:srgbClr val="DADADA"/>
       </a:lt2>
       <a:accent1>
-        <a:srgbClr val="052F61"/>
+        <a:srgbClr val="BC451B"/>
       </a:accent1>
       <a:accent2>
-        <a:srgbClr val="A50E82"/>
+        <a:srgbClr val="D3BA68"/>
       </a:accent2>
       <a:accent3>
-        <a:srgbClr val="14967C"/>
+        <a:srgbClr val="BB8640"/>
       </a:accent3>
       <a:accent4>
-        <a:srgbClr val="6A9E1F"/>
+        <a:srgbClr val="AD9277"/>
       </a:accent4>
       <a:accent5>
-        <a:srgbClr val="E87D37"/>
+        <a:srgbClr val="A55A43"/>
       </a:accent5>
       <a:accent6>
-        <a:srgbClr val="C62324"/>
+        <a:srgbClr val="AD9D7B"/>
       </a:accent6>
       <a:hlink>
-        <a:srgbClr val="0D2E46"/>
+        <a:srgbClr val="E98052"/>
       </a:hlink>
       <a:folHlink>
-        <a:srgbClr val="356A95"/>
+        <a:srgbClr val="F4B69B"/>
       </a:folHlink>
     </a:clrScheme>
-    <a:fontScheme name="Szelet">
+    <a:fontScheme name="Pala">
       <a:majorFont>
-        <a:latin typeface="Century Gothic" panose="020B0502020202020204"/>
+        <a:latin typeface="Calisto MT" panose="02040603050505030304"/>
         <a:ea typeface=""/>
         <a:cs typeface=""/>
-        <a:font script="Jpan" typeface="メイリオ"/>
-        <a:font script="Hang" typeface="HY중고딕"/>
-        <a:font script="Hans" typeface="幼圆"/>
+        <a:font script="Jpan" typeface="ＭＳ Ｐゴシック"/>
+        <a:font script="Hang" typeface="돋움"/>
+        <a:font script="Hans" typeface="方正舒体"/>
         <a:font script="Hant" typeface="微軟正黑體"/>
-        <a:font script="Arab" typeface="Tahoma"/>
-        <a:font script="Hebr" typeface="Gisha"/>
-        <a:font script="Thai" typeface="DilleniaUPC"/>
+        <a:font script="Arab" typeface="Arial"/>
+        <a:font script="Hebr" typeface="Arial"/>
+        <a:font script="Thai" typeface="Cordia New"/>
         <a:font script="Ethi" typeface="Nyala"/>
         <a:font script="Beng" typeface="Vrinda"/>
         <a:font script="Gujr" typeface="Shruti"/>
@@ -7078,21 +7933,21 @@
         <a:font script="Laoo" typeface="DokChampa"/>
         <a:font script="Sinh" typeface="Iskoola Pota"/>
         <a:font script="Mong" typeface="Mongolian Baiti"/>
-        <a:font script="Viet" typeface="Tahoma"/>
+        <a:font script="Viet" typeface="Arial"/>
         <a:font script="Uigh" typeface="Microsoft Uighur"/>
         <a:font script="Geor" typeface="Sylfaen"/>
       </a:majorFont>
       <a:minorFont>
-        <a:latin typeface="Century Gothic" panose="020B0502020202020204"/>
+        <a:latin typeface="Calisto MT" panose="02040603050505030304"/>
         <a:ea typeface=""/>
         <a:cs typeface=""/>
-        <a:font script="Jpan" typeface="メイリオ"/>
-        <a:font script="Hang" typeface="HY중고딕"/>
-        <a:font script="Hans" typeface="幼圆"/>
+        <a:font script="Jpan" typeface="ＭＳ Ｐゴシック"/>
+        <a:font script="Hang" typeface="돋움"/>
+        <a:font script="Hans" typeface="方正舒体"/>
         <a:font script="Hant" typeface="微軟正黑體"/>
-        <a:font script="Arab" typeface="Tahoma"/>
-        <a:font script="Hebr" typeface="Gisha"/>
-        <a:font script="Thai" typeface="DilleniaUPC"/>
+        <a:font script="Arab" typeface="Arial"/>
+        <a:font script="Hebr" typeface="Arial"/>
+        <a:font script="Thai" typeface="Cordia New"/>
         <a:font script="Ethi" typeface="Nyala"/>
         <a:font script="Beng" typeface="Vrinda"/>
         <a:font script="Gujr" typeface="Shruti"/>
@@ -7113,12 +7968,12 @@
         <a:font script="Laoo" typeface="DokChampa"/>
         <a:font script="Sinh" typeface="Iskoola Pota"/>
         <a:font script="Mong" typeface="Mongolian Baiti"/>
-        <a:font script="Viet" typeface="Tahoma"/>
+        <a:font script="Viet" typeface="Arial"/>
         <a:font script="Uigh" typeface="Microsoft Uighur"/>
         <a:font script="Geor" typeface="Sylfaen"/>
       </a:minorFont>
     </a:fontScheme>
-    <a:fmtScheme name="Szelet">
+    <a:fmtScheme name="Pala">
       <a:fillStyleLst>
         <a:solidFill>
           <a:schemeClr val="phClr"/>
@@ -7127,16 +7982,13 @@
           <a:gsLst>
             <a:gs pos="0">
               <a:schemeClr val="phClr">
-                <a:tint val="62000"/>
-                <a:hueMod val="94000"/>
-                <a:satMod val="140000"/>
+                <a:tint val="60000"/>
                 <a:lumMod val="110000"/>
               </a:schemeClr>
             </a:gs>
             <a:gs pos="100000">
               <a:schemeClr val="phClr">
-                <a:tint val="84000"/>
-                <a:satMod val="160000"/>
+                <a:tint val="88000"/>
               </a:schemeClr>
             </a:gs>
           </a:gsLst>
@@ -7146,16 +7998,14 @@
           <a:gsLst>
             <a:gs pos="0">
               <a:schemeClr val="phClr">
-                <a:tint val="98000"/>
-                <a:hueMod val="94000"/>
-                <a:satMod val="130000"/>
-                <a:lumMod val="128000"/>
+                <a:tint val="96000"/>
+                <a:lumMod val="104000"/>
               </a:schemeClr>
             </a:gs>
             <a:gs pos="100000">
               <a:schemeClr val="phClr">
-                <a:shade val="94000"/>
-                <a:lumMod val="88000"/>
+                <a:shade val="90000"/>
+                <a:lumMod val="90000"/>
               </a:schemeClr>
             </a:gs>
           </a:gsLst>
@@ -7166,22 +8016,18 @@
         <a:ln w="9525" cap="rnd" cmpd="sng" algn="ctr">
           <a:solidFill>
             <a:schemeClr val="phClr">
-              <a:tint val="76000"/>
-              <a:alpha val="60000"/>
-              <a:hueMod val="94000"/>
+              <a:shade val="90000"/>
             </a:schemeClr>
           </a:solidFill>
           <a:prstDash val="solid"/>
         </a:ln>
         <a:ln w="15875" cap="rnd" cmpd="sng" algn="ctr">
           <a:solidFill>
-            <a:schemeClr val="phClr">
-              <a:hueMod val="94000"/>
-            </a:schemeClr>
+            <a:schemeClr val="phClr"/>
           </a:solidFill>
           <a:prstDash val="solid"/>
         </a:ln>
-        <a:ln w="28575" cap="rnd" cmpd="sng" algn="ctr">
+        <a:ln w="25400" cap="rnd" cmpd="sng" algn="ctr">
           <a:solidFill>
             <a:schemeClr val="phClr"/>
           </a:solidFill>
@@ -7194,18 +8040,18 @@
         </a:effectStyle>
         <a:effectStyle>
           <a:effectLst>
-            <a:innerShdw blurRad="25400" dist="12700" dir="13500000">
+            <a:outerShdw blurRad="63500" dist="25400" dir="5400000" rotWithShape="0">
               <a:srgbClr val="000000">
-                <a:alpha val="45000"/>
+                <a:alpha val="60000"/>
               </a:srgbClr>
-            </a:innerShdw>
+            </a:outerShdw>
           </a:effectLst>
         </a:effectStyle>
         <a:effectStyle>
           <a:effectLst>
-            <a:outerShdw blurRad="50800" dist="38100" dir="5400000" rotWithShape="0">
+            <a:outerShdw blurRad="76200" dist="38100" dir="5400000" rotWithShape="0">
               <a:srgbClr val="000000">
-                <a:alpha val="46000"/>
+                <a:alpha val="75000"/>
               </a:srgbClr>
             </a:outerShdw>
           </a:effectLst>
@@ -7213,10 +8059,12 @@
             <a:camera prst="orthographicFront">
               <a:rot lat="0" lon="0" rev="0"/>
             </a:camera>
-            <a:lightRig rig="threePt" dir="t"/>
+            <a:lightRig rig="threePt" dir="t">
+              <a:rot lat="0" lon="0" rev="1200000"/>
+            </a:lightRig>
           </a:scene3d>
-          <a:sp3d prstMaterial="plastic">
-            <a:bevelT w="25400" h="25400"/>
+          <a:sp3d>
+            <a:bevelT w="63500" h="25400" prst="hardEdge"/>
           </a:sp3d>
         </a:effectStyle>
       </a:effectStyleLst>
@@ -7224,48 +8072,23 @@
         <a:solidFill>
           <a:schemeClr val="phClr"/>
         </a:solidFill>
-        <a:gradFill rotWithShape="1">
-          <a:gsLst>
-            <a:gs pos="10000">
+        <a:solidFill>
+          <a:schemeClr val="phClr"/>
+        </a:solidFill>
+        <a:blipFill rotWithShape="1">
+          <a:blip xmlns:r="http://schemas.openxmlformats.org/officeDocument/2006/relationships" r:embed="rId1">
+            <a:duotone>
               <a:schemeClr val="phClr">
-                <a:tint val="97000"/>
-                <a:hueMod val="92000"/>
-                <a:satMod val="169000"/>
-                <a:lumMod val="164000"/>
+                <a:shade val="80000"/>
+                <a:lumMod val="80000"/>
               </a:schemeClr>
-            </a:gs>
-            <a:gs pos="100000">
               <a:schemeClr val="phClr">
-                <a:shade val="96000"/>
-                <a:satMod val="120000"/>
-                <a:lumMod val="90000"/>
+                <a:tint val="98000"/>
               </a:schemeClr>
-            </a:gs>
-          </a:gsLst>
-          <a:lin ang="6120000" scaled="1"/>
-        </a:gradFill>
-        <a:gradFill rotWithShape="1">
-          <a:gsLst>
-            <a:gs pos="0">
-              <a:schemeClr val="phClr">
-                <a:tint val="97000"/>
-                <a:hueMod val="92000"/>
-                <a:satMod val="169000"/>
-                <a:lumMod val="164000"/>
-              </a:schemeClr>
-            </a:gs>
-            <a:gs pos="100000">
-              <a:schemeClr val="phClr">
-                <a:shade val="96000"/>
-                <a:satMod val="120000"/>
-                <a:lumMod val="90000"/>
-              </a:schemeClr>
-            </a:gs>
-          </a:gsLst>
-          <a:path path="circle">
-            <a:fillToRect b="100000"/>
-          </a:path>
-        </a:gradFill>
+            </a:duotone>
+          </a:blip>
+          <a:stretch/>
+        </a:blipFill>
       </a:bgFillStyleLst>
     </a:fmtScheme>
   </a:themeElements>
@@ -7273,7 +8096,7 @@
   <a:extraClrSchemeLst/>
   <a:extLst>
     <a:ext uri="{05A4C25C-085E-4340-85A3-A5531E510DB2}">
-      <thm15:themeFamily xmlns:thm15="http://schemas.microsoft.com/office/thememl/2012/main" name="Slice" id="{0507925B-6AC9-4358-8E18-C330545D08F8}" vid="{13FEC7C6-62A9-40C4-99D2-581AACACAA2F}"/>
+      <thm15:themeFamily xmlns:thm15="http://schemas.microsoft.com/office/thememl/2012/main" name="Slate" id="{C3F70B94-7CE9-428E-ADC1-3269CC2C3385}" vid="{3F2DE9A5-64E6-437C-A389-CC4477E817E8}"/>
     </a:ext>
   </a:extLst>
 </a:theme>
